--- a/Group Presentation.pptx
+++ b/Group Presentation.pptx
@@ -12,9 +12,9 @@
     <p:sldId id="257" r:id="rId3"/>
     <p:sldId id="259" r:id="rId4"/>
     <p:sldId id="258" r:id="rId5"/>
-    <p:sldId id="260" r:id="rId6"/>
-    <p:sldId id="261" r:id="rId7"/>
-    <p:sldId id="262" r:id="rId8"/>
+    <p:sldId id="265" r:id="rId6"/>
+    <p:sldId id="260" r:id="rId7"/>
+    <p:sldId id="261" r:id="rId8"/>
     <p:sldId id="263" r:id="rId9"/>
     <p:sldId id="264" r:id="rId10"/>
   </p:sldIdLst>
@@ -205,7 +205,7 @@
           <a:p>
             <a:fld id="{83910CD5-E1BB-4ED3-8503-D9B94D0437CD}" type="datetimeFigureOut">
               <a:rPr lang="id-ID" smtClean="0"/>
-              <a:t>21/01/2018</a:t>
+              <a:t>24/01/2018</a:t>
             </a:fld>
             <a:endParaRPr lang="id-ID"/>
           </a:p>
@@ -803,7 +803,7 @@
             <a:fld id="{B61BEF0D-F0BB-DE4B-95CE-6DB70DBA9567}" type="datetimeFigureOut">
               <a:rPr lang="en-US" dirty="0"/>
               <a:pPr/>
-              <a:t>1/21/2018</a:t>
+              <a:t>1/24/2018</a:t>
             </a:fld>
             <a:endParaRPr lang="en-US" dirty="0"/>
           </a:p>
@@ -1062,7 +1062,7 @@
             <a:fld id="{B61BEF0D-F0BB-DE4B-95CE-6DB70DBA9567}" type="datetimeFigureOut">
               <a:rPr lang="en-US" dirty="0"/>
               <a:pPr/>
-              <a:t>1/21/2018</a:t>
+              <a:t>1/24/2018</a:t>
             </a:fld>
             <a:endParaRPr lang="en-US" dirty="0"/>
           </a:p>
@@ -1294,7 +1294,7 @@
             <a:fld id="{B61BEF0D-F0BB-DE4B-95CE-6DB70DBA9567}" type="datetimeFigureOut">
               <a:rPr lang="en-US" dirty="0"/>
               <a:pPr/>
-              <a:t>1/21/2018</a:t>
+              <a:t>1/24/2018</a:t>
             </a:fld>
             <a:endParaRPr lang="en-US" dirty="0"/>
           </a:p>
@@ -1531,7 +1531,7 @@
             <a:fld id="{B61BEF0D-F0BB-DE4B-95CE-6DB70DBA9567}" type="datetimeFigureOut">
               <a:rPr lang="en-US" dirty="0"/>
               <a:pPr/>
-              <a:t>1/21/2018</a:t>
+              <a:t>1/24/2018</a:t>
             </a:fld>
             <a:endParaRPr lang="en-US" dirty="0"/>
           </a:p>
@@ -1835,7 +1835,7 @@
             <a:fld id="{B61BEF0D-F0BB-DE4B-95CE-6DB70DBA9567}" type="datetimeFigureOut">
               <a:rPr lang="en-US" dirty="0"/>
               <a:pPr/>
-              <a:t>1/21/2018</a:t>
+              <a:t>1/24/2018</a:t>
             </a:fld>
             <a:endParaRPr lang="en-US" dirty="0"/>
           </a:p>
@@ -2134,7 +2134,7 @@
             <a:fld id="{B61BEF0D-F0BB-DE4B-95CE-6DB70DBA9567}" type="datetimeFigureOut">
               <a:rPr lang="en-US" dirty="0"/>
               <a:pPr/>
-              <a:t>1/21/2018</a:t>
+              <a:t>1/24/2018</a:t>
             </a:fld>
             <a:endParaRPr lang="en-US" dirty="0"/>
           </a:p>
@@ -2553,7 +2553,7 @@
             <a:fld id="{B61BEF0D-F0BB-DE4B-95CE-6DB70DBA9567}" type="datetimeFigureOut">
               <a:rPr lang="en-US" dirty="0"/>
               <a:pPr/>
-              <a:t>1/21/2018</a:t>
+              <a:t>1/24/2018</a:t>
             </a:fld>
             <a:endParaRPr lang="en-US" dirty="0"/>
           </a:p>
@@ -2712,7 +2712,7 @@
             <a:fld id="{B61BEF0D-F0BB-DE4B-95CE-6DB70DBA9567}" type="datetimeFigureOut">
               <a:rPr lang="en-US" dirty="0"/>
               <a:pPr/>
-              <a:t>1/21/2018</a:t>
+              <a:t>1/24/2018</a:t>
             </a:fld>
             <a:endParaRPr lang="en-US" dirty="0"/>
           </a:p>
@@ -2804,7 +2804,7 @@
             <a:fld id="{B61BEF0D-F0BB-DE4B-95CE-6DB70DBA9567}" type="datetimeFigureOut">
               <a:rPr lang="en-US" dirty="0"/>
               <a:pPr/>
-              <a:t>1/21/2018</a:t>
+              <a:t>1/24/2018</a:t>
             </a:fld>
             <a:endParaRPr lang="en-US" dirty="0"/>
           </a:p>
@@ -3179,7 +3179,7 @@
             <a:fld id="{B61BEF0D-F0BB-DE4B-95CE-6DB70DBA9567}" type="datetimeFigureOut">
               <a:rPr lang="en-US" dirty="0"/>
               <a:pPr/>
-              <a:t>1/21/2018</a:t>
+              <a:t>1/24/2018</a:t>
             </a:fld>
             <a:endParaRPr lang="en-US" dirty="0"/>
           </a:p>
@@ -3465,7 +3465,7 @@
             <a:fld id="{B61BEF0D-F0BB-DE4B-95CE-6DB70DBA9567}" type="datetimeFigureOut">
               <a:rPr lang="en-US" dirty="0"/>
               <a:pPr/>
-              <a:t>1/21/2018</a:t>
+              <a:t>1/24/2018</a:t>
             </a:fld>
             <a:endParaRPr lang="en-US" dirty="0"/>
           </a:p>
@@ -3673,7 +3673,7 @@
             <a:fld id="{B61BEF0D-F0BB-DE4B-95CE-6DB70DBA9567}" type="datetimeFigureOut">
               <a:rPr lang="en-US" dirty="0"/>
               <a:pPr/>
-              <a:t>1/21/2018</a:t>
+              <a:t>1/24/2018</a:t>
             </a:fld>
             <a:endParaRPr lang="en-US" dirty="0"/>
           </a:p>
@@ -4293,10 +4293,10 @@
           <a:lstStyle/>
           <a:p>
             <a:r>
-              <a:rPr lang="id-ID" smtClean="0"/>
+              <a:rPr lang="id-ID" dirty="0" smtClean="0"/>
               <a:t>COMPARING SEVERAL METHODS OF REINFORCEMENT LEARNING IN SOLVING A COMPLEX MAZE</a:t>
             </a:r>
-            <a:endParaRPr lang="id-ID" sz="2000"/>
+            <a:endParaRPr lang="id-ID" sz="2000" dirty="0"/>
           </a:p>
         </p:txBody>
       </p:sp>
@@ -4344,7 +4344,7 @@
           <a:lstStyle/>
           <a:p>
             <a:pPr algn="ctr"/>
-            <a:endParaRPr lang="id-ID"/>
+            <a:endParaRPr lang="id-ID" dirty="0"/>
           </a:p>
         </p:txBody>
       </p:sp>
@@ -4422,7 +4422,7 @@
           <a:lstStyle/>
           <a:p>
             <a:pPr algn="ctr"/>
-            <a:endParaRPr lang="id-ID"/>
+            <a:endParaRPr lang="id-ID" dirty="0"/>
           </a:p>
         </p:txBody>
       </p:sp>
@@ -4449,26 +4449,42 @@
           <a:lstStyle/>
           <a:p>
             <a:r>
-              <a:rPr lang="id-ID" sz="2000"/>
-              <a:t>Li Meng						S2651513</a:t>
-            </a:r>
-          </a:p>
-          <a:p>
-            <a:r>
-              <a:rPr lang="id-ID" sz="2000" smtClean="0"/>
+              <a:rPr lang="id-ID" sz="2000" dirty="0"/>
+              <a:t>Li </a:t>
+            </a:r>
+            <a:r>
+              <a:rPr lang="id-ID" sz="2000" dirty="0" err="1"/>
+              <a:t>Meng</a:t>
+            </a:r>
+            <a:r>
+              <a:rPr lang="id-ID" sz="2000" dirty="0"/>
+              <a:t>						S2651513</a:t>
+            </a:r>
+          </a:p>
+          <a:p>
+            <a:r>
+              <a:rPr lang="id-ID" sz="2000" dirty="0" smtClean="0"/>
               <a:t>Mega Bagus Herlambang		P279285</a:t>
             </a:r>
           </a:p>
           <a:p>
             <a:r>
-              <a:rPr lang="id-ID" sz="2000" smtClean="0"/>
-              <a:t>Yuying Chen					S3421902</a:t>
-            </a:r>
-          </a:p>
-          <a:p>
-            <a:r>
-              <a:rPr lang="id-ID" sz="2000" smtClean="0"/>
-              <a:t>Zhuoyun Kan				S3346935</a:t>
+              <a:rPr lang="id-ID" sz="2000" dirty="0" err="1" smtClean="0"/>
+              <a:t>Yuying</a:t>
+            </a:r>
+            <a:r>
+              <a:rPr lang="id-ID" sz="2000" dirty="0" smtClean="0"/>
+              <a:t> Chen					S3421902</a:t>
+            </a:r>
+          </a:p>
+          <a:p>
+            <a:r>
+              <a:rPr lang="id-ID" sz="2000" dirty="0" err="1" smtClean="0"/>
+              <a:t>Zhuoyun</a:t>
+            </a:r>
+            <a:r>
+              <a:rPr lang="id-ID" sz="2000" dirty="0" smtClean="0"/>
+              <a:t> Kan				S3346935</a:t>
             </a:r>
           </a:p>
         </p:txBody>
@@ -4556,14 +4572,38 @@
           <a:lstStyle/>
           <a:p>
             <a:r>
-              <a:rPr lang="id-ID" smtClean="0"/>
-              <a:t>What is </a:t>
-            </a:r>
-            <a:r>
-              <a:rPr lang="id-ID" smtClean="0"/>
-              <a:t>reinforcement learning?</a:t>
-            </a:r>
-            <a:endParaRPr lang="id-ID"/>
+              <a:rPr lang="en-US" dirty="0" smtClean="0"/>
+              <a:t>What</a:t>
+            </a:r>
+            <a:r>
+              <a:rPr lang="id-ID" dirty="0" smtClean="0"/>
+              <a:t> </a:t>
+            </a:r>
+            <a:r>
+              <a:rPr lang="id-ID" dirty="0" err="1" smtClean="0"/>
+              <a:t>is</a:t>
+            </a:r>
+            <a:r>
+              <a:rPr lang="id-ID" dirty="0" smtClean="0"/>
+              <a:t> </a:t>
+            </a:r>
+            <a:r>
+              <a:rPr lang="id-ID" dirty="0" err="1" smtClean="0"/>
+              <a:t>reinforcement</a:t>
+            </a:r>
+            <a:r>
+              <a:rPr lang="id-ID" dirty="0" smtClean="0"/>
+              <a:t> </a:t>
+            </a:r>
+            <a:r>
+              <a:rPr lang="id-ID" dirty="0" err="1" smtClean="0"/>
+              <a:t>learning</a:t>
+            </a:r>
+            <a:r>
+              <a:rPr lang="id-ID" dirty="0" smtClean="0"/>
+              <a:t>?</a:t>
+            </a:r>
+            <a:endParaRPr lang="id-ID" dirty="0"/>
           </a:p>
         </p:txBody>
       </p:sp>
@@ -4579,8 +4619,8 @@
         </p:nvSpPr>
         <p:spPr>
           <a:xfrm>
-            <a:off x="581192" y="2180496"/>
-            <a:ext cx="11029616" cy="4421782"/>
+            <a:off x="1205881" y="1899838"/>
+            <a:ext cx="9124123" cy="4265571"/>
           </a:xfrm>
         </p:spPr>
         <p:txBody>
@@ -4590,18 +4630,210 @@
           <a:lstStyle/>
           <a:p>
             <a:r>
-              <a:rPr lang="id-ID" sz="3200" smtClean="0"/>
+              <a:rPr lang="id-ID" sz="3200" dirty="0" smtClean="0"/>
               <a:t>“</a:t>
             </a:r>
             <a:r>
-              <a:rPr lang="id-ID" sz="3200" i="1" smtClean="0"/>
-              <a:t>In reinforcement learning, the learner is a decision-making agent that takes actions in an environment and receives reward (or penalty) for its actions in trying to solve a problem.” </a:t>
-            </a:r>
-            <a:r>
-              <a:rPr lang="id-ID" sz="3200" smtClean="0"/>
-              <a:t>(Alpaydin, 2014, p. 517)</a:t>
-            </a:r>
-            <a:endParaRPr lang="id-ID" sz="3200"/>
+              <a:rPr lang="id-ID" sz="3200" i="1" dirty="0" smtClean="0"/>
+              <a:t>In </a:t>
+            </a:r>
+            <a:r>
+              <a:rPr lang="id-ID" sz="3200" i="1" dirty="0" err="1" smtClean="0"/>
+              <a:t>reinforcement</a:t>
+            </a:r>
+            <a:r>
+              <a:rPr lang="id-ID" sz="3200" i="1" dirty="0" smtClean="0"/>
+              <a:t> </a:t>
+            </a:r>
+            <a:r>
+              <a:rPr lang="id-ID" sz="3200" i="1" dirty="0" err="1" smtClean="0"/>
+              <a:t>learning</a:t>
+            </a:r>
+            <a:r>
+              <a:rPr lang="id-ID" sz="3200" i="1" dirty="0" smtClean="0"/>
+              <a:t>, </a:t>
+            </a:r>
+            <a:r>
+              <a:rPr lang="id-ID" sz="3200" i="1" dirty="0" err="1" smtClean="0"/>
+              <a:t>the</a:t>
+            </a:r>
+            <a:r>
+              <a:rPr lang="id-ID" sz="3200" i="1" dirty="0" smtClean="0"/>
+              <a:t> </a:t>
+            </a:r>
+            <a:r>
+              <a:rPr lang="id-ID" sz="3200" i="1" dirty="0" err="1" smtClean="0"/>
+              <a:t>learner</a:t>
+            </a:r>
+            <a:r>
+              <a:rPr lang="id-ID" sz="3200" i="1" dirty="0" smtClean="0"/>
+              <a:t> </a:t>
+            </a:r>
+            <a:r>
+              <a:rPr lang="id-ID" sz="3200" i="1" dirty="0" err="1" smtClean="0"/>
+              <a:t>is</a:t>
+            </a:r>
+            <a:r>
+              <a:rPr lang="id-ID" sz="3200" i="1" dirty="0" smtClean="0"/>
+              <a:t> a </a:t>
+            </a:r>
+            <a:r>
+              <a:rPr lang="id-ID" sz="3200" i="1" dirty="0" err="1" smtClean="0"/>
+              <a:t>decision</a:t>
+            </a:r>
+            <a:r>
+              <a:rPr lang="id-ID" sz="3200" i="1" dirty="0" smtClean="0"/>
+              <a:t>-making </a:t>
+            </a:r>
+            <a:r>
+              <a:rPr lang="id-ID" sz="3200" i="1" dirty="0" err="1" smtClean="0"/>
+              <a:t>agent</a:t>
+            </a:r>
+            <a:r>
+              <a:rPr lang="id-ID" sz="3200" i="1" dirty="0" smtClean="0"/>
+              <a:t> </a:t>
+            </a:r>
+            <a:r>
+              <a:rPr lang="id-ID" sz="3200" i="1" dirty="0" err="1" smtClean="0"/>
+              <a:t>that</a:t>
+            </a:r>
+            <a:r>
+              <a:rPr lang="id-ID" sz="3200" i="1" dirty="0" smtClean="0"/>
+              <a:t> </a:t>
+            </a:r>
+            <a:r>
+              <a:rPr lang="id-ID" sz="3200" i="1" dirty="0" err="1" smtClean="0"/>
+              <a:t>takes</a:t>
+            </a:r>
+            <a:r>
+              <a:rPr lang="id-ID" sz="3200" i="1" dirty="0" smtClean="0"/>
+              <a:t> </a:t>
+            </a:r>
+            <a:r>
+              <a:rPr lang="id-ID" sz="3200" i="1" dirty="0" err="1" smtClean="0"/>
+              <a:t>actions</a:t>
+            </a:r>
+            <a:r>
+              <a:rPr lang="id-ID" sz="3200" i="1" dirty="0" smtClean="0"/>
+              <a:t> in </a:t>
+            </a:r>
+            <a:r>
+              <a:rPr lang="id-ID" sz="3200" i="1" dirty="0" err="1" smtClean="0"/>
+              <a:t>an</a:t>
+            </a:r>
+            <a:r>
+              <a:rPr lang="id-ID" sz="3200" i="1" dirty="0" smtClean="0"/>
+              <a:t> </a:t>
+            </a:r>
+            <a:r>
+              <a:rPr lang="id-ID" sz="3200" i="1" dirty="0" err="1" smtClean="0"/>
+              <a:t>environment</a:t>
+            </a:r>
+            <a:r>
+              <a:rPr lang="id-ID" sz="3200" i="1" dirty="0" smtClean="0"/>
+              <a:t> </a:t>
+            </a:r>
+            <a:r>
+              <a:rPr lang="id-ID" sz="3200" i="1" dirty="0" err="1" smtClean="0"/>
+              <a:t>and</a:t>
+            </a:r>
+            <a:r>
+              <a:rPr lang="id-ID" sz="3200" i="1" dirty="0" smtClean="0"/>
+              <a:t> </a:t>
+            </a:r>
+            <a:r>
+              <a:rPr lang="id-ID" sz="3200" i="1" dirty="0" err="1" smtClean="0"/>
+              <a:t>receives</a:t>
+            </a:r>
+            <a:r>
+              <a:rPr lang="id-ID" sz="3200" i="1" dirty="0" smtClean="0"/>
+              <a:t> </a:t>
+            </a:r>
+            <a:r>
+              <a:rPr lang="id-ID" sz="3200" i="1" dirty="0" err="1" smtClean="0"/>
+              <a:t>reward</a:t>
+            </a:r>
+            <a:r>
+              <a:rPr lang="id-ID" sz="3200" i="1" dirty="0" smtClean="0"/>
+              <a:t> (</a:t>
+            </a:r>
+            <a:r>
+              <a:rPr lang="id-ID" sz="3200" i="1" dirty="0" err="1" smtClean="0"/>
+              <a:t>or</a:t>
+            </a:r>
+            <a:r>
+              <a:rPr lang="id-ID" sz="3200" i="1" dirty="0" smtClean="0"/>
+              <a:t> </a:t>
+            </a:r>
+            <a:r>
+              <a:rPr lang="id-ID" sz="3200" i="1" dirty="0" err="1" smtClean="0"/>
+              <a:t>penalty</a:t>
+            </a:r>
+            <a:r>
+              <a:rPr lang="id-ID" sz="3200" i="1" dirty="0" smtClean="0"/>
+              <a:t>) </a:t>
+            </a:r>
+            <a:r>
+              <a:rPr lang="id-ID" sz="3200" i="1" dirty="0" err="1" smtClean="0"/>
+              <a:t>for</a:t>
+            </a:r>
+            <a:r>
+              <a:rPr lang="id-ID" sz="3200" i="1" dirty="0" smtClean="0"/>
+              <a:t> </a:t>
+            </a:r>
+            <a:r>
+              <a:rPr lang="id-ID" sz="3200" i="1" dirty="0" err="1" smtClean="0"/>
+              <a:t>its</a:t>
+            </a:r>
+            <a:r>
+              <a:rPr lang="id-ID" sz="3200" i="1" dirty="0" smtClean="0"/>
+              <a:t> </a:t>
+            </a:r>
+            <a:r>
+              <a:rPr lang="id-ID" sz="3200" i="1" dirty="0" err="1" smtClean="0"/>
+              <a:t>actions</a:t>
+            </a:r>
+            <a:r>
+              <a:rPr lang="id-ID" sz="3200" i="1" dirty="0" smtClean="0"/>
+              <a:t> in </a:t>
+            </a:r>
+            <a:r>
+              <a:rPr lang="id-ID" sz="3200" i="1" dirty="0" err="1" smtClean="0"/>
+              <a:t>trying</a:t>
+            </a:r>
+            <a:r>
+              <a:rPr lang="id-ID" sz="3200" i="1" dirty="0" smtClean="0"/>
+              <a:t> </a:t>
+            </a:r>
+            <a:r>
+              <a:rPr lang="id-ID" sz="3200" i="1" dirty="0" err="1" smtClean="0"/>
+              <a:t>to</a:t>
+            </a:r>
+            <a:r>
+              <a:rPr lang="id-ID" sz="3200" i="1" dirty="0" smtClean="0"/>
+              <a:t> </a:t>
+            </a:r>
+            <a:r>
+              <a:rPr lang="id-ID" sz="3200" i="1" dirty="0" err="1" smtClean="0"/>
+              <a:t>solve</a:t>
+            </a:r>
+            <a:r>
+              <a:rPr lang="id-ID" sz="3200" i="1" dirty="0" smtClean="0"/>
+              <a:t> a problem.” </a:t>
+            </a:r>
+            <a:r>
+              <a:rPr lang="id-ID" sz="3200" dirty="0" smtClean="0"/>
+              <a:t>(</a:t>
+            </a:r>
+            <a:r>
+              <a:rPr lang="id-ID" sz="3200" dirty="0" err="1" smtClean="0"/>
+              <a:t>Alpaydin</a:t>
+            </a:r>
+            <a:r>
+              <a:rPr lang="id-ID" sz="3200" dirty="0" smtClean="0"/>
+              <a:t>, 2014, p. 517)</a:t>
+            </a:r>
+            <a:endParaRPr lang="id-ID" sz="3200" dirty="0"/>
           </a:p>
         </p:txBody>
       </p:sp>
@@ -4675,18 +4907,433 @@
             <p:ph idx="1"/>
           </p:nvPr>
         </p:nvSpPr>
-        <p:spPr/>
+        <p:spPr>
+          <a:xfrm>
+            <a:off x="581192" y="2180497"/>
+            <a:ext cx="5755600" cy="3242530"/>
+          </a:xfrm>
+        </p:spPr>
         <p:txBody>
           <a:bodyPr>
             <a:normAutofit/>
           </a:bodyPr>
           <a:lstStyle/>
           <a:p>
-            <a:r>
-              <a:rPr lang="id-ID" sz="2800" smtClean="0"/>
-              <a:t>Add the maze here...</a:t>
-            </a:r>
-            <a:endParaRPr lang="id-ID" sz="2800"/>
+            <a:endParaRPr lang="nl-NL" sz="2800" dirty="0" smtClean="0"/>
+          </a:p>
+          <a:p>
+            <a:r>
+              <a:rPr lang="nl-NL" sz="2200" dirty="0" err="1"/>
+              <a:t>To</a:t>
+            </a:r>
+            <a:r>
+              <a:rPr lang="nl-NL" sz="2200" dirty="0"/>
+              <a:t> </a:t>
+            </a:r>
+            <a:r>
+              <a:rPr lang="nl-NL" sz="2200" dirty="0" err="1"/>
+              <a:t>compare</a:t>
+            </a:r>
+            <a:r>
+              <a:rPr lang="nl-NL" sz="2200" dirty="0"/>
+              <a:t> performances </a:t>
+            </a:r>
+            <a:r>
+              <a:rPr lang="nl-NL" sz="2200" dirty="0" err="1"/>
+              <a:t>with</a:t>
+            </a:r>
+            <a:r>
+              <a:rPr lang="nl-NL" sz="2200" dirty="0"/>
+              <a:t> different </a:t>
+            </a:r>
+            <a:r>
+              <a:rPr lang="nl-NL" sz="2200" dirty="0" err="1"/>
+              <a:t>algorithms</a:t>
+            </a:r>
+            <a:r>
+              <a:rPr lang="nl-NL" sz="2200" dirty="0"/>
+              <a:t>,  different kinds of </a:t>
+            </a:r>
+            <a:r>
+              <a:rPr lang="nl-NL" sz="2200" dirty="0" err="1"/>
+              <a:t>mazes</a:t>
+            </a:r>
+            <a:r>
+              <a:rPr lang="nl-NL" sz="2200" dirty="0"/>
+              <a:t> are </a:t>
+            </a:r>
+            <a:r>
+              <a:rPr lang="nl-NL" sz="2200" dirty="0" err="1"/>
+              <a:t>designed</a:t>
+            </a:r>
+            <a:endParaRPr lang="nl-NL" sz="2200" dirty="0"/>
+          </a:p>
+          <a:p>
+            <a:endParaRPr lang="nl-NL" sz="2800" dirty="0" smtClean="0"/>
+          </a:p>
+          <a:p>
+            <a:r>
+              <a:rPr lang="en-US" sz="2800" dirty="0" smtClean="0"/>
+              <a:t>Add</a:t>
+            </a:r>
+            <a:r>
+              <a:rPr lang="id-ID" sz="2800" dirty="0" smtClean="0"/>
+              <a:t> </a:t>
+            </a:r>
+            <a:r>
+              <a:rPr lang="id-ID" sz="2800" dirty="0" err="1" smtClean="0"/>
+              <a:t>the</a:t>
+            </a:r>
+            <a:r>
+              <a:rPr lang="id-ID" sz="2800" dirty="0" smtClean="0"/>
+              <a:t> </a:t>
+            </a:r>
+            <a:r>
+              <a:rPr lang="id-ID" sz="2800" dirty="0" err="1" smtClean="0"/>
+              <a:t>maze</a:t>
+            </a:r>
+            <a:r>
+              <a:rPr lang="nl-NL" sz="2800" dirty="0" smtClean="0"/>
+              <a:t>s</a:t>
+            </a:r>
+            <a:r>
+              <a:rPr lang="id-ID" sz="2800" dirty="0" smtClean="0"/>
+              <a:t> </a:t>
+            </a:r>
+            <a:r>
+              <a:rPr lang="id-ID" sz="2800" dirty="0" err="1" smtClean="0"/>
+              <a:t>here</a:t>
+            </a:r>
+            <a:r>
+              <a:rPr lang="id-ID" sz="2800" dirty="0" smtClean="0"/>
+              <a:t>...</a:t>
+            </a:r>
+            <a:endParaRPr lang="nl-NL" sz="2800" dirty="0" smtClean="0"/>
+          </a:p>
+          <a:p>
+            <a:endParaRPr lang="nl-NL" dirty="0"/>
+          </a:p>
+          <a:p>
+            <a:endParaRPr lang="nl-NL" dirty="0" smtClean="0"/>
+          </a:p>
+          <a:p>
+            <a:endParaRPr lang="nl-NL" dirty="0"/>
+          </a:p>
+          <a:p>
+            <a:endParaRPr lang="id-ID" dirty="0"/>
+          </a:p>
+        </p:txBody>
+      </p:sp>
+      <p:sp>
+        <p:nvSpPr>
+          <p:cNvPr id="4" name="Content Placeholder 2"/>
+          <p:cNvSpPr txBox="1">
+            <a:spLocks/>
+          </p:cNvSpPr>
+          <p:nvPr/>
+        </p:nvSpPr>
+        <p:spPr>
+          <a:xfrm>
+            <a:off x="6957669" y="2180497"/>
+            <a:ext cx="3909327" cy="3678303"/>
+          </a:xfrm>
+          <a:prstGeom prst="rect">
+            <a:avLst/>
+          </a:prstGeom>
+        </p:spPr>
+        <p:txBody>
+          <a:bodyPr vert="horz" lIns="91440" tIns="45720" rIns="91440" bIns="45720" rtlCol="0" anchor="ctr">
+            <a:normAutofit/>
+          </a:bodyPr>
+          <a:lstStyle>
+            <a:lvl1pPr marL="306000" indent="-306000" algn="l" defTabSz="457200" rtl="0" eaLnBrk="1" latinLnBrk="0" hangingPunct="1">
+              <a:spcBef>
+                <a:spcPct val="20000"/>
+              </a:spcBef>
+              <a:spcAft>
+                <a:spcPts val="600"/>
+              </a:spcAft>
+              <a:buClr>
+                <a:schemeClr val="accent2"/>
+              </a:buClr>
+              <a:buSzPct val="92000"/>
+              <a:buFont typeface="Wingdings 2" panose="05020102010507070707" pitchFamily="18" charset="2"/>
+              <a:buChar char=""/>
+              <a:defRPr sz="1800" kern="1200">
+                <a:solidFill>
+                  <a:schemeClr val="tx2"/>
+                </a:solidFill>
+                <a:latin typeface="+mn-lt"/>
+                <a:ea typeface="+mn-ea"/>
+                <a:cs typeface="+mn-cs"/>
+              </a:defRPr>
+            </a:lvl1pPr>
+            <a:lvl2pPr marL="630000" indent="-306000" algn="l" defTabSz="457200" rtl="0" eaLnBrk="1" latinLnBrk="0" hangingPunct="1">
+              <a:spcBef>
+                <a:spcPct val="20000"/>
+              </a:spcBef>
+              <a:spcAft>
+                <a:spcPts val="600"/>
+              </a:spcAft>
+              <a:buClr>
+                <a:schemeClr val="accent2"/>
+              </a:buClr>
+              <a:buSzPct val="92000"/>
+              <a:buFont typeface="Wingdings 2" panose="05020102010507070707" pitchFamily="18" charset="2"/>
+              <a:buChar char=""/>
+              <a:defRPr sz="1600" kern="1200">
+                <a:solidFill>
+                  <a:schemeClr val="tx2"/>
+                </a:solidFill>
+                <a:latin typeface="+mn-lt"/>
+                <a:ea typeface="+mn-ea"/>
+                <a:cs typeface="+mn-cs"/>
+              </a:defRPr>
+            </a:lvl2pPr>
+            <a:lvl3pPr marL="900000" indent="-270000" algn="l" defTabSz="457200" rtl="0" eaLnBrk="1" latinLnBrk="0" hangingPunct="1">
+              <a:spcBef>
+                <a:spcPct val="20000"/>
+              </a:spcBef>
+              <a:spcAft>
+                <a:spcPts val="600"/>
+              </a:spcAft>
+              <a:buClr>
+                <a:schemeClr val="accent2"/>
+              </a:buClr>
+              <a:buSzPct val="92000"/>
+              <a:buFont typeface="Wingdings 2" panose="05020102010507070707" pitchFamily="18" charset="2"/>
+              <a:buChar char=""/>
+              <a:defRPr sz="1400" kern="1200">
+                <a:solidFill>
+                  <a:schemeClr val="tx2"/>
+                </a:solidFill>
+                <a:latin typeface="+mn-lt"/>
+                <a:ea typeface="+mn-ea"/>
+                <a:cs typeface="+mn-cs"/>
+              </a:defRPr>
+            </a:lvl3pPr>
+            <a:lvl4pPr marL="1242000" indent="-234000" algn="l" defTabSz="457200" rtl="0" eaLnBrk="1" latinLnBrk="0" hangingPunct="1">
+              <a:spcBef>
+                <a:spcPct val="20000"/>
+              </a:spcBef>
+              <a:spcAft>
+                <a:spcPts val="600"/>
+              </a:spcAft>
+              <a:buClr>
+                <a:schemeClr val="accent2"/>
+              </a:buClr>
+              <a:buSzPct val="92000"/>
+              <a:buFont typeface="Wingdings 2" panose="05020102010507070707" pitchFamily="18" charset="2"/>
+              <a:buChar char=""/>
+              <a:defRPr sz="1200" kern="1200">
+                <a:solidFill>
+                  <a:schemeClr val="tx2"/>
+                </a:solidFill>
+                <a:latin typeface="+mn-lt"/>
+                <a:ea typeface="+mn-ea"/>
+                <a:cs typeface="+mn-cs"/>
+              </a:defRPr>
+            </a:lvl4pPr>
+            <a:lvl5pPr marL="1602000" indent="-234000" algn="l" defTabSz="457200" rtl="0" eaLnBrk="1" latinLnBrk="0" hangingPunct="1">
+              <a:spcBef>
+                <a:spcPct val="20000"/>
+              </a:spcBef>
+              <a:spcAft>
+                <a:spcPts val="600"/>
+              </a:spcAft>
+              <a:buClr>
+                <a:schemeClr val="accent2"/>
+              </a:buClr>
+              <a:buSzPct val="92000"/>
+              <a:buFont typeface="Wingdings 2" panose="05020102010507070707" pitchFamily="18" charset="2"/>
+              <a:buChar char=""/>
+              <a:defRPr sz="1200" kern="1200">
+                <a:solidFill>
+                  <a:schemeClr val="tx2"/>
+                </a:solidFill>
+                <a:latin typeface="+mn-lt"/>
+                <a:ea typeface="+mn-ea"/>
+                <a:cs typeface="+mn-cs"/>
+              </a:defRPr>
+            </a:lvl5pPr>
+            <a:lvl6pPr marL="1900000" indent="-228600" algn="l" defTabSz="457200" rtl="0" eaLnBrk="1" latinLnBrk="0" hangingPunct="1">
+              <a:spcBef>
+                <a:spcPct val="20000"/>
+              </a:spcBef>
+              <a:spcAft>
+                <a:spcPts val="600"/>
+              </a:spcAft>
+              <a:buClr>
+                <a:schemeClr val="accent2"/>
+              </a:buClr>
+              <a:buSzPct val="92000"/>
+              <a:buFont typeface="Wingdings 2" panose="05020102010507070707" pitchFamily="18" charset="2"/>
+              <a:buChar char=""/>
+              <a:defRPr sz="1200" kern="1200">
+                <a:solidFill>
+                  <a:schemeClr val="tx2"/>
+                </a:solidFill>
+                <a:latin typeface="+mn-lt"/>
+                <a:ea typeface="+mn-ea"/>
+                <a:cs typeface="+mn-cs"/>
+              </a:defRPr>
+            </a:lvl6pPr>
+            <a:lvl7pPr marL="2200000" indent="-228600" algn="l" defTabSz="457200" rtl="0" eaLnBrk="1" latinLnBrk="0" hangingPunct="1">
+              <a:spcBef>
+                <a:spcPct val="20000"/>
+              </a:spcBef>
+              <a:spcAft>
+                <a:spcPts val="600"/>
+              </a:spcAft>
+              <a:buClr>
+                <a:schemeClr val="accent2"/>
+              </a:buClr>
+              <a:buSzPct val="92000"/>
+              <a:buFont typeface="Wingdings 2" panose="05020102010507070707" pitchFamily="18" charset="2"/>
+              <a:buChar char=""/>
+              <a:defRPr sz="1200" kern="1200">
+                <a:solidFill>
+                  <a:schemeClr val="tx2"/>
+                </a:solidFill>
+                <a:latin typeface="+mn-lt"/>
+                <a:ea typeface="+mn-ea"/>
+                <a:cs typeface="+mn-cs"/>
+              </a:defRPr>
+            </a:lvl7pPr>
+            <a:lvl8pPr marL="2500000" indent="-228600" algn="l" defTabSz="457200" rtl="0" eaLnBrk="1" latinLnBrk="0" hangingPunct="1">
+              <a:spcBef>
+                <a:spcPct val="20000"/>
+              </a:spcBef>
+              <a:spcAft>
+                <a:spcPts val="600"/>
+              </a:spcAft>
+              <a:buClr>
+                <a:schemeClr val="accent2"/>
+              </a:buClr>
+              <a:buSzPct val="92000"/>
+              <a:buFont typeface="Wingdings 2" panose="05020102010507070707" pitchFamily="18" charset="2"/>
+              <a:buChar char=""/>
+              <a:defRPr sz="1200" kern="1200">
+                <a:solidFill>
+                  <a:schemeClr val="tx2"/>
+                </a:solidFill>
+                <a:latin typeface="+mn-lt"/>
+                <a:ea typeface="+mn-ea"/>
+                <a:cs typeface="+mn-cs"/>
+              </a:defRPr>
+            </a:lvl8pPr>
+            <a:lvl9pPr marL="2800000" indent="-228600" algn="l" defTabSz="457200" rtl="0" eaLnBrk="1" latinLnBrk="0" hangingPunct="1">
+              <a:spcBef>
+                <a:spcPct val="20000"/>
+              </a:spcBef>
+              <a:spcAft>
+                <a:spcPts val="600"/>
+              </a:spcAft>
+              <a:buClr>
+                <a:schemeClr val="accent2"/>
+              </a:buClr>
+              <a:buSzPct val="92000"/>
+              <a:buFont typeface="Wingdings 2" panose="05020102010507070707" pitchFamily="18" charset="2"/>
+              <a:buChar char=""/>
+              <a:defRPr sz="1200" kern="1200">
+                <a:solidFill>
+                  <a:schemeClr val="tx2"/>
+                </a:solidFill>
+                <a:latin typeface="+mn-lt"/>
+                <a:ea typeface="+mn-ea"/>
+                <a:cs typeface="+mn-cs"/>
+              </a:defRPr>
+            </a:lvl9pPr>
+          </a:lstStyle>
+          <a:p>
+            <a:r>
+              <a:rPr lang="nl-NL" sz="2800" dirty="0" err="1" smtClean="0"/>
+              <a:t>Elements</a:t>
+            </a:r>
+            <a:r>
+              <a:rPr lang="nl-NL" sz="2800" dirty="0" smtClean="0"/>
+              <a:t> in </a:t>
+            </a:r>
+            <a:r>
+              <a:rPr lang="nl-NL" sz="2800" dirty="0" err="1" smtClean="0"/>
+              <a:t>the</a:t>
+            </a:r>
+            <a:r>
+              <a:rPr lang="nl-NL" sz="2800" dirty="0" smtClean="0"/>
+              <a:t> </a:t>
+            </a:r>
+            <a:r>
+              <a:rPr lang="nl-NL" sz="2800" dirty="0" err="1" smtClean="0"/>
+              <a:t>maze</a:t>
+            </a:r>
+            <a:r>
+              <a:rPr lang="nl-NL" sz="2800" dirty="0" smtClean="0"/>
+              <a:t>:</a:t>
+            </a:r>
+          </a:p>
+          <a:p>
+            <a:pPr>
+              <a:buFont typeface="Wingdings" panose="05000000000000000000" pitchFamily="2" charset="2"/>
+              <a:buChar char="Ø"/>
+            </a:pPr>
+            <a:r>
+              <a:rPr lang="nl-NL" sz="2800" dirty="0" smtClean="0"/>
+              <a:t>Walls </a:t>
+            </a:r>
+          </a:p>
+          <a:p>
+            <a:pPr>
+              <a:buFont typeface="Wingdings" panose="05000000000000000000" pitchFamily="2" charset="2"/>
+              <a:buChar char="Ø"/>
+            </a:pPr>
+            <a:r>
+              <a:rPr lang="nl-NL" sz="2800" dirty="0" smtClean="0"/>
+              <a:t>Pits </a:t>
+            </a:r>
+          </a:p>
+          <a:p>
+            <a:pPr>
+              <a:buFont typeface="Wingdings" panose="05000000000000000000" pitchFamily="2" charset="2"/>
+              <a:buChar char="Ø"/>
+            </a:pPr>
+            <a:r>
+              <a:rPr lang="nl-NL" sz="2800" dirty="0" err="1" smtClean="0"/>
+              <a:t>Pairwise</a:t>
+            </a:r>
+            <a:r>
+              <a:rPr lang="nl-NL" sz="2800" dirty="0" smtClean="0"/>
+              <a:t> </a:t>
+            </a:r>
+            <a:r>
+              <a:rPr lang="nl-NL" sz="2800" dirty="0" err="1" smtClean="0"/>
+              <a:t>keys</a:t>
+            </a:r>
+            <a:r>
+              <a:rPr lang="nl-NL" sz="2800" dirty="0" smtClean="0"/>
+              <a:t> -&gt; </a:t>
+            </a:r>
+            <a:r>
+              <a:rPr lang="nl-NL" sz="2800" dirty="0" err="1" smtClean="0"/>
+              <a:t>chests</a:t>
+            </a:r>
+            <a:endParaRPr lang="nl-NL" sz="2800" dirty="0" smtClean="0"/>
+          </a:p>
+          <a:p>
+            <a:pPr>
+              <a:buFont typeface="Wingdings" panose="05000000000000000000" pitchFamily="2" charset="2"/>
+              <a:buChar char="Ø"/>
+            </a:pPr>
+            <a:r>
+              <a:rPr lang="nl-NL" sz="2800" dirty="0" smtClean="0"/>
+              <a:t>Exit</a:t>
+            </a:r>
+          </a:p>
+          <a:p>
+            <a:pPr>
+              <a:buFont typeface="Wingdings" panose="05000000000000000000" pitchFamily="2" charset="2"/>
+              <a:buChar char="Ø"/>
+            </a:pPr>
+            <a:endParaRPr lang="id-ID" sz="2800" dirty="0"/>
           </a:p>
         </p:txBody>
       </p:sp>
@@ -4736,10 +5383,14 @@
           <a:lstStyle/>
           <a:p>
             <a:r>
-              <a:rPr lang="id-ID" smtClean="0"/>
-              <a:t>Methods</a:t>
-            </a:r>
-            <a:endParaRPr lang="id-ID"/>
+              <a:rPr lang="nl-NL" dirty="0" err="1" smtClean="0"/>
+              <a:t>algorithm</a:t>
+            </a:r>
+            <a:r>
+              <a:rPr lang="id-ID" dirty="0" smtClean="0"/>
+              <a:t>s</a:t>
+            </a:r>
+            <a:endParaRPr lang="id-ID" dirty="0"/>
           </a:p>
         </p:txBody>
       </p:sp>
@@ -4755,33 +5406,38 @@
         </p:nvSpPr>
         <p:spPr>
           <a:xfrm>
-            <a:off x="1319134" y="2180496"/>
-            <a:ext cx="10291673" cy="3678303"/>
+            <a:off x="1840681" y="2547289"/>
+            <a:ext cx="3008421" cy="997269"/>
           </a:xfrm>
         </p:spPr>
         <p:txBody>
           <a:bodyPr>
-            <a:normAutofit/>
+            <a:normAutofit fontScale="92500" lnSpcReduction="20000"/>
           </a:bodyPr>
           <a:lstStyle/>
           <a:p>
             <a:r>
-              <a:rPr lang="id-ID" sz="2800" smtClean="0"/>
-              <a:t>Q-learning</a:t>
-            </a:r>
-          </a:p>
-          <a:p>
-            <a:r>
-              <a:rPr lang="id-ID" sz="2800" smtClean="0"/>
-              <a:t>SARSA Lambda</a:t>
-            </a:r>
-          </a:p>
-          <a:p>
-            <a:r>
-              <a:rPr lang="id-ID" sz="2800" smtClean="0"/>
-              <a:t>QV Lambda</a:t>
-            </a:r>
-            <a:endParaRPr lang="id-ID" sz="2800"/>
+              <a:rPr lang="id-ID" sz="2800" dirty="0" smtClean="0"/>
+              <a:t>Q-</a:t>
+            </a:r>
+            <a:r>
+              <a:rPr lang="id-ID" sz="2800" dirty="0" err="1" smtClean="0"/>
+              <a:t>learning</a:t>
+            </a:r>
+            <a:endParaRPr lang="nl-NL" sz="2800" dirty="0" smtClean="0"/>
+          </a:p>
+          <a:p>
+            <a:r>
+              <a:rPr lang="nl-NL" sz="2800" dirty="0" err="1" smtClean="0"/>
+              <a:t>Sarsa</a:t>
+            </a:r>
+            <a:endParaRPr lang="nl-NL" sz="2800" dirty="0" smtClean="0"/>
+          </a:p>
+          <a:p>
+            <a:pPr marL="0" indent="0">
+              <a:buNone/>
+            </a:pPr>
+            <a:endParaRPr lang="nl-NL" sz="2800" dirty="0" smtClean="0"/>
           </a:p>
         </p:txBody>
       </p:sp>
@@ -4793,7 +5449,7 @@
         </p:nvSpPr>
         <p:spPr>
           <a:xfrm>
-            <a:off x="5186926" y="3677899"/>
+            <a:off x="3219735" y="4817127"/>
             <a:ext cx="1034321" cy="554636"/>
           </a:xfrm>
           <a:prstGeom prst="rightArrow">
@@ -4833,7 +5489,7 @@
         </p:nvSpPr>
         <p:spPr>
           <a:xfrm>
-            <a:off x="5097990" y="3277789"/>
+            <a:off x="3130799" y="4375891"/>
             <a:ext cx="1212191" cy="400110"/>
           </a:xfrm>
           <a:prstGeom prst="rect">
@@ -4848,10 +5504,10 @@
           <a:lstStyle/>
           <a:p>
             <a:r>
-              <a:rPr lang="id-ID" sz="2000" smtClean="0"/>
+              <a:rPr lang="id-ID" sz="2000" dirty="0" err="1" smtClean="0"/>
               <a:t>Indicators</a:t>
             </a:r>
-            <a:endParaRPr lang="id-ID" sz="2000"/>
+            <a:endParaRPr lang="id-ID" sz="2000" dirty="0"/>
           </a:p>
         </p:txBody>
       </p:sp>
@@ -4863,8 +5519,8 @@
         </p:nvSpPr>
         <p:spPr>
           <a:xfrm>
-            <a:off x="7214151" y="3604148"/>
-            <a:ext cx="3910301" cy="830997"/>
+            <a:off x="4849102" y="4375891"/>
+            <a:ext cx="5806827" cy="1077218"/>
           </a:xfrm>
           <a:prstGeom prst="rect">
             <a:avLst/>
@@ -4872,7 +5528,7 @@
           <a:noFill/>
         </p:spPr>
         <p:txBody>
-          <a:bodyPr wrap="none" rtlCol="0">
+          <a:bodyPr wrap="square" rtlCol="0">
             <a:spAutoFit/>
           </a:bodyPr>
           <a:lstStyle/>
@@ -4882,9 +5538,34 @@
               <a:buChar char="q"/>
             </a:pPr>
             <a:r>
-              <a:rPr lang="id-ID" sz="2400" smtClean="0"/>
-              <a:t>Time to solve the maze</a:t>
-            </a:r>
+              <a:rPr lang="en-US" sz="3200" dirty="0" smtClean="0"/>
+              <a:t>Maximal</a:t>
+            </a:r>
+            <a:r>
+              <a:rPr lang="nl-NL" sz="3200" dirty="0" smtClean="0"/>
+              <a:t> </a:t>
+            </a:r>
+            <a:r>
+              <a:rPr lang="nl-NL" sz="3200" dirty="0" err="1" smtClean="0"/>
+              <a:t>rewards</a:t>
+            </a:r>
+            <a:r>
+              <a:rPr lang="id-ID" sz="3200" dirty="0" smtClean="0"/>
+              <a:t> </a:t>
+            </a:r>
+            <a:r>
+              <a:rPr lang="id-ID" sz="3200" dirty="0" err="1" smtClean="0"/>
+              <a:t>to</a:t>
+            </a:r>
+            <a:r>
+              <a:rPr lang="id-ID" sz="3200" dirty="0" smtClean="0"/>
+              <a:t> </a:t>
+            </a:r>
+            <a:r>
+              <a:rPr lang="nl-NL" sz="3200" dirty="0" err="1" smtClean="0"/>
+              <a:t>obtian</a:t>
+            </a:r>
+            <a:endParaRPr lang="id-ID" sz="3200" dirty="0" smtClean="0"/>
           </a:p>
           <a:p>
             <a:pPr marL="342900" indent="-342900">
@@ -4892,10 +5573,393 @@
               <a:buChar char="q"/>
             </a:pPr>
             <a:r>
-              <a:rPr lang="id-ID" sz="2400" smtClean="0"/>
-              <a:t>Distance to solve the maze</a:t>
-            </a:r>
-            <a:endParaRPr lang="id-ID" sz="2400"/>
+              <a:rPr lang="nl-NL" sz="3200" dirty="0" smtClean="0"/>
+              <a:t>Steps</a:t>
+            </a:r>
+            <a:r>
+              <a:rPr lang="id-ID" sz="3200" dirty="0" smtClean="0"/>
+              <a:t> </a:t>
+            </a:r>
+            <a:r>
+              <a:rPr lang="id-ID" sz="3200" dirty="0" err="1" smtClean="0"/>
+              <a:t>to</a:t>
+            </a:r>
+            <a:r>
+              <a:rPr lang="id-ID" sz="3200" dirty="0" smtClean="0"/>
+              <a:t> </a:t>
+            </a:r>
+            <a:r>
+              <a:rPr lang="id-ID" sz="3200" dirty="0" err="1" smtClean="0"/>
+              <a:t>solve</a:t>
+            </a:r>
+            <a:r>
+              <a:rPr lang="id-ID" sz="3200" dirty="0" smtClean="0"/>
+              <a:t> </a:t>
+            </a:r>
+            <a:r>
+              <a:rPr lang="id-ID" sz="3200" dirty="0" err="1" smtClean="0"/>
+              <a:t>the</a:t>
+            </a:r>
+            <a:r>
+              <a:rPr lang="id-ID" sz="3200" dirty="0" smtClean="0"/>
+              <a:t> </a:t>
+            </a:r>
+            <a:r>
+              <a:rPr lang="id-ID" sz="3200" dirty="0" err="1" smtClean="0"/>
+              <a:t>maze</a:t>
+            </a:r>
+            <a:endParaRPr lang="id-ID" sz="3200" dirty="0"/>
+          </a:p>
+        </p:txBody>
+      </p:sp>
+      <p:sp>
+        <p:nvSpPr>
+          <p:cNvPr id="7" name="Content Placeholder 2"/>
+          <p:cNvSpPr txBox="1">
+            <a:spLocks/>
+          </p:cNvSpPr>
+          <p:nvPr/>
+        </p:nvSpPr>
+        <p:spPr>
+          <a:xfrm>
+            <a:off x="5574263" y="2547289"/>
+            <a:ext cx="3008421" cy="1640066"/>
+          </a:xfrm>
+          <a:prstGeom prst="rect">
+            <a:avLst/>
+          </a:prstGeom>
+        </p:spPr>
+        <p:txBody>
+          <a:bodyPr vert="horz" lIns="91440" tIns="45720" rIns="91440" bIns="45720" rtlCol="0" anchor="ctr">
+            <a:normAutofit fontScale="92500" lnSpcReduction="10000"/>
+          </a:bodyPr>
+          <a:lstStyle>
+            <a:lvl1pPr marL="306000" indent="-306000" algn="l" defTabSz="457200" rtl="0" eaLnBrk="1" latinLnBrk="0" hangingPunct="1">
+              <a:spcBef>
+                <a:spcPct val="20000"/>
+              </a:spcBef>
+              <a:spcAft>
+                <a:spcPts val="600"/>
+              </a:spcAft>
+              <a:buClr>
+                <a:schemeClr val="accent2"/>
+              </a:buClr>
+              <a:buSzPct val="92000"/>
+              <a:buFont typeface="Wingdings 2" panose="05020102010507070707" pitchFamily="18" charset="2"/>
+              <a:buChar char=""/>
+              <a:defRPr sz="1800" kern="1200">
+                <a:solidFill>
+                  <a:schemeClr val="tx2"/>
+                </a:solidFill>
+                <a:latin typeface="+mn-lt"/>
+                <a:ea typeface="+mn-ea"/>
+                <a:cs typeface="+mn-cs"/>
+              </a:defRPr>
+            </a:lvl1pPr>
+            <a:lvl2pPr marL="630000" indent="-306000" algn="l" defTabSz="457200" rtl="0" eaLnBrk="1" latinLnBrk="0" hangingPunct="1">
+              <a:spcBef>
+                <a:spcPct val="20000"/>
+              </a:spcBef>
+              <a:spcAft>
+                <a:spcPts val="600"/>
+              </a:spcAft>
+              <a:buClr>
+                <a:schemeClr val="accent2"/>
+              </a:buClr>
+              <a:buSzPct val="92000"/>
+              <a:buFont typeface="Wingdings 2" panose="05020102010507070707" pitchFamily="18" charset="2"/>
+              <a:buChar char=""/>
+              <a:defRPr sz="1600" kern="1200">
+                <a:solidFill>
+                  <a:schemeClr val="tx2"/>
+                </a:solidFill>
+                <a:latin typeface="+mn-lt"/>
+                <a:ea typeface="+mn-ea"/>
+                <a:cs typeface="+mn-cs"/>
+              </a:defRPr>
+            </a:lvl2pPr>
+            <a:lvl3pPr marL="900000" indent="-270000" algn="l" defTabSz="457200" rtl="0" eaLnBrk="1" latinLnBrk="0" hangingPunct="1">
+              <a:spcBef>
+                <a:spcPct val="20000"/>
+              </a:spcBef>
+              <a:spcAft>
+                <a:spcPts val="600"/>
+              </a:spcAft>
+              <a:buClr>
+                <a:schemeClr val="accent2"/>
+              </a:buClr>
+              <a:buSzPct val="92000"/>
+              <a:buFont typeface="Wingdings 2" panose="05020102010507070707" pitchFamily="18" charset="2"/>
+              <a:buChar char=""/>
+              <a:defRPr sz="1400" kern="1200">
+                <a:solidFill>
+                  <a:schemeClr val="tx2"/>
+                </a:solidFill>
+                <a:latin typeface="+mn-lt"/>
+                <a:ea typeface="+mn-ea"/>
+                <a:cs typeface="+mn-cs"/>
+              </a:defRPr>
+            </a:lvl3pPr>
+            <a:lvl4pPr marL="1242000" indent="-234000" algn="l" defTabSz="457200" rtl="0" eaLnBrk="1" latinLnBrk="0" hangingPunct="1">
+              <a:spcBef>
+                <a:spcPct val="20000"/>
+              </a:spcBef>
+              <a:spcAft>
+                <a:spcPts val="600"/>
+              </a:spcAft>
+              <a:buClr>
+                <a:schemeClr val="accent2"/>
+              </a:buClr>
+              <a:buSzPct val="92000"/>
+              <a:buFont typeface="Wingdings 2" panose="05020102010507070707" pitchFamily="18" charset="2"/>
+              <a:buChar char=""/>
+              <a:defRPr sz="1200" kern="1200">
+                <a:solidFill>
+                  <a:schemeClr val="tx2"/>
+                </a:solidFill>
+                <a:latin typeface="+mn-lt"/>
+                <a:ea typeface="+mn-ea"/>
+                <a:cs typeface="+mn-cs"/>
+              </a:defRPr>
+            </a:lvl4pPr>
+            <a:lvl5pPr marL="1602000" indent="-234000" algn="l" defTabSz="457200" rtl="0" eaLnBrk="1" latinLnBrk="0" hangingPunct="1">
+              <a:spcBef>
+                <a:spcPct val="20000"/>
+              </a:spcBef>
+              <a:spcAft>
+                <a:spcPts val="600"/>
+              </a:spcAft>
+              <a:buClr>
+                <a:schemeClr val="accent2"/>
+              </a:buClr>
+              <a:buSzPct val="92000"/>
+              <a:buFont typeface="Wingdings 2" panose="05020102010507070707" pitchFamily="18" charset="2"/>
+              <a:buChar char=""/>
+              <a:defRPr sz="1200" kern="1200">
+                <a:solidFill>
+                  <a:schemeClr val="tx2"/>
+                </a:solidFill>
+                <a:latin typeface="+mn-lt"/>
+                <a:ea typeface="+mn-ea"/>
+                <a:cs typeface="+mn-cs"/>
+              </a:defRPr>
+            </a:lvl5pPr>
+            <a:lvl6pPr marL="1900000" indent="-228600" algn="l" defTabSz="457200" rtl="0" eaLnBrk="1" latinLnBrk="0" hangingPunct="1">
+              <a:spcBef>
+                <a:spcPct val="20000"/>
+              </a:spcBef>
+              <a:spcAft>
+                <a:spcPts val="600"/>
+              </a:spcAft>
+              <a:buClr>
+                <a:schemeClr val="accent2"/>
+              </a:buClr>
+              <a:buSzPct val="92000"/>
+              <a:buFont typeface="Wingdings 2" panose="05020102010507070707" pitchFamily="18" charset="2"/>
+              <a:buChar char=""/>
+              <a:defRPr sz="1200" kern="1200">
+                <a:solidFill>
+                  <a:schemeClr val="tx2"/>
+                </a:solidFill>
+                <a:latin typeface="+mn-lt"/>
+                <a:ea typeface="+mn-ea"/>
+                <a:cs typeface="+mn-cs"/>
+              </a:defRPr>
+            </a:lvl6pPr>
+            <a:lvl7pPr marL="2200000" indent="-228600" algn="l" defTabSz="457200" rtl="0" eaLnBrk="1" latinLnBrk="0" hangingPunct="1">
+              <a:spcBef>
+                <a:spcPct val="20000"/>
+              </a:spcBef>
+              <a:spcAft>
+                <a:spcPts val="600"/>
+              </a:spcAft>
+              <a:buClr>
+                <a:schemeClr val="accent2"/>
+              </a:buClr>
+              <a:buSzPct val="92000"/>
+              <a:buFont typeface="Wingdings 2" panose="05020102010507070707" pitchFamily="18" charset="2"/>
+              <a:buChar char=""/>
+              <a:defRPr sz="1200" kern="1200">
+                <a:solidFill>
+                  <a:schemeClr val="tx2"/>
+                </a:solidFill>
+                <a:latin typeface="+mn-lt"/>
+                <a:ea typeface="+mn-ea"/>
+                <a:cs typeface="+mn-cs"/>
+              </a:defRPr>
+            </a:lvl7pPr>
+            <a:lvl8pPr marL="2500000" indent="-228600" algn="l" defTabSz="457200" rtl="0" eaLnBrk="1" latinLnBrk="0" hangingPunct="1">
+              <a:spcBef>
+                <a:spcPct val="20000"/>
+              </a:spcBef>
+              <a:spcAft>
+                <a:spcPts val="600"/>
+              </a:spcAft>
+              <a:buClr>
+                <a:schemeClr val="accent2"/>
+              </a:buClr>
+              <a:buSzPct val="92000"/>
+              <a:buFont typeface="Wingdings 2" panose="05020102010507070707" pitchFamily="18" charset="2"/>
+              <a:buChar char=""/>
+              <a:defRPr sz="1200" kern="1200">
+                <a:solidFill>
+                  <a:schemeClr val="tx2"/>
+                </a:solidFill>
+                <a:latin typeface="+mn-lt"/>
+                <a:ea typeface="+mn-ea"/>
+                <a:cs typeface="+mn-cs"/>
+              </a:defRPr>
+            </a:lvl8pPr>
+            <a:lvl9pPr marL="2800000" indent="-228600" algn="l" defTabSz="457200" rtl="0" eaLnBrk="1" latinLnBrk="0" hangingPunct="1">
+              <a:spcBef>
+                <a:spcPct val="20000"/>
+              </a:spcBef>
+              <a:spcAft>
+                <a:spcPts val="600"/>
+              </a:spcAft>
+              <a:buClr>
+                <a:schemeClr val="accent2"/>
+              </a:buClr>
+              <a:buSzPct val="92000"/>
+              <a:buFont typeface="Wingdings 2" panose="05020102010507070707" pitchFamily="18" charset="2"/>
+              <a:buChar char=""/>
+              <a:defRPr sz="1200" kern="1200">
+                <a:solidFill>
+                  <a:schemeClr val="tx2"/>
+                </a:solidFill>
+                <a:latin typeface="+mn-lt"/>
+                <a:ea typeface="+mn-ea"/>
+                <a:cs typeface="+mn-cs"/>
+              </a:defRPr>
+            </a:lvl9pPr>
+          </a:lstStyle>
+          <a:p>
+            <a:r>
+              <a:rPr lang="id-ID" sz="2800" dirty="0" smtClean="0"/>
+              <a:t>Q-</a:t>
+            </a:r>
+            <a:r>
+              <a:rPr lang="nl-NL" sz="2800" dirty="0" err="1" smtClean="0"/>
+              <a:t>lambda</a:t>
+            </a:r>
+            <a:endParaRPr lang="nl-NL" sz="2800" dirty="0" smtClean="0"/>
+          </a:p>
+          <a:p>
+            <a:r>
+              <a:rPr lang="nl-NL" sz="2800" dirty="0" err="1" smtClean="0"/>
+              <a:t>Sarsa-lambda</a:t>
+            </a:r>
+            <a:endParaRPr lang="nl-NL" sz="2800" dirty="0" smtClean="0"/>
+          </a:p>
+          <a:p>
+            <a:r>
+              <a:rPr lang="nl-NL" sz="2800" dirty="0" smtClean="0"/>
+              <a:t>QV-</a:t>
+            </a:r>
+            <a:r>
+              <a:rPr lang="nl-NL" sz="2800" dirty="0" err="1" smtClean="0"/>
+              <a:t>lambda</a:t>
+            </a:r>
+            <a:endParaRPr lang="nl-NL" sz="2800" dirty="0" smtClean="0"/>
+          </a:p>
+          <a:p>
+            <a:pPr marL="0" indent="0">
+              <a:buFont typeface="Wingdings 2" panose="05020102010507070707" pitchFamily="18" charset="2"/>
+              <a:buNone/>
+            </a:pPr>
+            <a:endParaRPr lang="nl-NL" sz="2800" dirty="0" smtClean="0"/>
+          </a:p>
+        </p:txBody>
+      </p:sp>
+      <p:sp>
+        <p:nvSpPr>
+          <p:cNvPr id="10" name="TextBox 9"/>
+          <p:cNvSpPr txBox="1"/>
+          <p:nvPr/>
+        </p:nvSpPr>
+        <p:spPr>
+          <a:xfrm>
+            <a:off x="5574263" y="1900791"/>
+            <a:ext cx="3759860" cy="461665"/>
+          </a:xfrm>
+          <a:prstGeom prst="rect">
+            <a:avLst/>
+          </a:prstGeom>
+          <a:noFill/>
+        </p:spPr>
+        <p:txBody>
+          <a:bodyPr wrap="square" rtlCol="0">
+            <a:spAutoFit/>
+          </a:bodyPr>
+          <a:lstStyle/>
+          <a:p>
+            <a:r>
+              <a:rPr lang="nl-NL" sz="2400" dirty="0" smtClean="0"/>
+              <a:t>2</a:t>
+            </a:r>
+            <a:r>
+              <a:rPr lang="nl-NL" sz="2400" smtClean="0"/>
+              <a:t>. </a:t>
+            </a:r>
+            <a:r>
+              <a:rPr lang="en-US" sz="2400" dirty="0" smtClean="0"/>
+              <a:t>Algorithms</a:t>
+            </a:r>
+            <a:r>
+              <a:rPr lang="nl-NL" sz="2400" dirty="0" smtClean="0"/>
+              <a:t> with </a:t>
+            </a:r>
+            <a:r>
+              <a:rPr lang="nl-NL" sz="2400" dirty="0" err="1" smtClean="0"/>
+              <a:t>lambda</a:t>
+            </a:r>
+            <a:r>
+              <a:rPr lang="nl-NL" sz="2400" dirty="0" smtClean="0"/>
+              <a:t>:</a:t>
+            </a:r>
+            <a:endParaRPr lang="nl-NL" sz="2400" dirty="0"/>
+          </a:p>
+        </p:txBody>
+      </p:sp>
+      <p:sp>
+        <p:nvSpPr>
+          <p:cNvPr id="11" name="TextBox 10"/>
+          <p:cNvSpPr txBox="1"/>
+          <p:nvPr/>
+        </p:nvSpPr>
+        <p:spPr>
+          <a:xfrm>
+            <a:off x="1777307" y="1900790"/>
+            <a:ext cx="2812799" cy="461665"/>
+          </a:xfrm>
+          <a:prstGeom prst="rect">
+            <a:avLst/>
+          </a:prstGeom>
+          <a:noFill/>
+        </p:spPr>
+        <p:txBody>
+          <a:bodyPr wrap="square" rtlCol="0">
+            <a:spAutoFit/>
+          </a:bodyPr>
+          <a:lstStyle/>
+          <a:p>
+            <a:r>
+              <a:rPr lang="nl-NL" sz="2400" dirty="0"/>
+              <a:t>1</a:t>
+            </a:r>
+            <a:r>
+              <a:rPr lang="nl-NL" sz="2400" dirty="0" smtClean="0"/>
+              <a:t>. Basic </a:t>
+            </a:r>
+            <a:r>
+              <a:rPr lang="nl-NL" sz="2400" dirty="0" err="1" smtClean="0"/>
+              <a:t>algorithms</a:t>
+            </a:r>
+            <a:r>
+              <a:rPr lang="nl-NL" sz="2400" dirty="0" smtClean="0"/>
+              <a:t>:</a:t>
+            </a:r>
+            <a:endParaRPr lang="nl-NL" sz="2400" dirty="0"/>
           </a:p>
         </p:txBody>
       </p:sp>
@@ -4945,10 +6009,10 @@
           <a:lstStyle/>
           <a:p>
             <a:r>
-              <a:rPr lang="id-ID" smtClean="0"/>
-              <a:t>Q-LEARNING</a:t>
-            </a:r>
-            <a:endParaRPr lang="id-ID"/>
+              <a:rPr lang="en-US" dirty="0" smtClean="0"/>
+              <a:t>Goal &amp; rules</a:t>
+            </a:r>
+            <a:endParaRPr lang="en-US" dirty="0"/>
           </a:p>
         </p:txBody>
       </p:sp>
@@ -4962,55 +6026,303 @@
             <p:ph idx="1"/>
           </p:nvPr>
         </p:nvSpPr>
-        <p:spPr/>
-        <p:txBody>
-          <a:bodyPr>
-            <a:normAutofit/>
-          </a:bodyPr>
-          <a:lstStyle/>
-          <a:p>
-            <a:r>
-              <a:rPr lang="id-ID" sz="2400" smtClean="0"/>
-              <a:t>Add plots (results) here..</a:t>
-            </a:r>
-            <a:endParaRPr lang="id-ID" sz="2400"/>
-          </a:p>
-        </p:txBody>
-      </p:sp>
-      <p:sp>
-        <p:nvSpPr>
-          <p:cNvPr id="4" name="TextBox 3"/>
-          <p:cNvSpPr txBox="1"/>
-          <p:nvPr/>
-        </p:nvSpPr>
         <p:spPr>
           <a:xfrm>
-            <a:off x="7387791" y="3788814"/>
-            <a:ext cx="4223016" cy="461665"/>
+            <a:off x="581193" y="2180497"/>
+            <a:ext cx="3286719" cy="2418936"/>
+          </a:xfrm>
+        </p:spPr>
+        <p:txBody>
+          <a:bodyPr/>
+          <a:lstStyle/>
+          <a:p>
+            <a:r>
+              <a:rPr lang="en-US" dirty="0" smtClean="0"/>
+              <a:t>Add a maze here:</a:t>
+            </a:r>
+            <a:endParaRPr lang="en-US" dirty="0"/>
+          </a:p>
+        </p:txBody>
+      </p:sp>
+      <p:sp>
+        <p:nvSpPr>
+          <p:cNvPr id="4" name="Content Placeholder 2"/>
+          <p:cNvSpPr txBox="1">
+            <a:spLocks/>
+          </p:cNvSpPr>
+          <p:nvPr/>
+        </p:nvSpPr>
+        <p:spPr>
+          <a:xfrm>
+            <a:off x="4288536" y="2433481"/>
+            <a:ext cx="6647689" cy="2806032"/>
           </a:xfrm>
           <a:prstGeom prst="rect">
             <a:avLst/>
           </a:prstGeom>
-          <a:noFill/>
         </p:spPr>
         <p:txBody>
-          <a:bodyPr wrap="none" rtlCol="0">
-            <a:spAutoFit/>
+          <a:bodyPr vert="horz" lIns="91440" tIns="45720" rIns="91440" bIns="45720" rtlCol="0" anchor="ctr">
+            <a:noAutofit/>
           </a:bodyPr>
-          <a:lstStyle/>
-          <a:p>
-            <a:r>
-              <a:rPr lang="id-ID" sz="2400" smtClean="0"/>
-              <a:t>Add video/short simulation here</a:t>
-            </a:r>
-            <a:endParaRPr lang="id-ID" sz="2400"/>
+          <a:lstStyle>
+            <a:lvl1pPr marL="306000" indent="-306000" algn="l" defTabSz="457200" rtl="0" eaLnBrk="1" latinLnBrk="0" hangingPunct="1">
+              <a:spcBef>
+                <a:spcPct val="20000"/>
+              </a:spcBef>
+              <a:spcAft>
+                <a:spcPts val="600"/>
+              </a:spcAft>
+              <a:buClr>
+                <a:schemeClr val="accent2"/>
+              </a:buClr>
+              <a:buSzPct val="92000"/>
+              <a:buFont typeface="Wingdings 2" panose="05020102010507070707" pitchFamily="18" charset="2"/>
+              <a:buChar char=""/>
+              <a:defRPr sz="1800" kern="1200">
+                <a:solidFill>
+                  <a:schemeClr val="tx2"/>
+                </a:solidFill>
+                <a:latin typeface="+mn-lt"/>
+                <a:ea typeface="+mn-ea"/>
+                <a:cs typeface="+mn-cs"/>
+              </a:defRPr>
+            </a:lvl1pPr>
+            <a:lvl2pPr marL="630000" indent="-306000" algn="l" defTabSz="457200" rtl="0" eaLnBrk="1" latinLnBrk="0" hangingPunct="1">
+              <a:spcBef>
+                <a:spcPct val="20000"/>
+              </a:spcBef>
+              <a:spcAft>
+                <a:spcPts val="600"/>
+              </a:spcAft>
+              <a:buClr>
+                <a:schemeClr val="accent2"/>
+              </a:buClr>
+              <a:buSzPct val="92000"/>
+              <a:buFont typeface="Wingdings 2" panose="05020102010507070707" pitchFamily="18" charset="2"/>
+              <a:buChar char=""/>
+              <a:defRPr sz="1600" kern="1200">
+                <a:solidFill>
+                  <a:schemeClr val="tx2"/>
+                </a:solidFill>
+                <a:latin typeface="+mn-lt"/>
+                <a:ea typeface="+mn-ea"/>
+                <a:cs typeface="+mn-cs"/>
+              </a:defRPr>
+            </a:lvl2pPr>
+            <a:lvl3pPr marL="900000" indent="-270000" algn="l" defTabSz="457200" rtl="0" eaLnBrk="1" latinLnBrk="0" hangingPunct="1">
+              <a:spcBef>
+                <a:spcPct val="20000"/>
+              </a:spcBef>
+              <a:spcAft>
+                <a:spcPts val="600"/>
+              </a:spcAft>
+              <a:buClr>
+                <a:schemeClr val="accent2"/>
+              </a:buClr>
+              <a:buSzPct val="92000"/>
+              <a:buFont typeface="Wingdings 2" panose="05020102010507070707" pitchFamily="18" charset="2"/>
+              <a:buChar char=""/>
+              <a:defRPr sz="1400" kern="1200">
+                <a:solidFill>
+                  <a:schemeClr val="tx2"/>
+                </a:solidFill>
+                <a:latin typeface="+mn-lt"/>
+                <a:ea typeface="+mn-ea"/>
+                <a:cs typeface="+mn-cs"/>
+              </a:defRPr>
+            </a:lvl3pPr>
+            <a:lvl4pPr marL="1242000" indent="-234000" algn="l" defTabSz="457200" rtl="0" eaLnBrk="1" latinLnBrk="0" hangingPunct="1">
+              <a:spcBef>
+                <a:spcPct val="20000"/>
+              </a:spcBef>
+              <a:spcAft>
+                <a:spcPts val="600"/>
+              </a:spcAft>
+              <a:buClr>
+                <a:schemeClr val="accent2"/>
+              </a:buClr>
+              <a:buSzPct val="92000"/>
+              <a:buFont typeface="Wingdings 2" panose="05020102010507070707" pitchFamily="18" charset="2"/>
+              <a:buChar char=""/>
+              <a:defRPr sz="1200" kern="1200">
+                <a:solidFill>
+                  <a:schemeClr val="tx2"/>
+                </a:solidFill>
+                <a:latin typeface="+mn-lt"/>
+                <a:ea typeface="+mn-ea"/>
+                <a:cs typeface="+mn-cs"/>
+              </a:defRPr>
+            </a:lvl4pPr>
+            <a:lvl5pPr marL="1602000" indent="-234000" algn="l" defTabSz="457200" rtl="0" eaLnBrk="1" latinLnBrk="0" hangingPunct="1">
+              <a:spcBef>
+                <a:spcPct val="20000"/>
+              </a:spcBef>
+              <a:spcAft>
+                <a:spcPts val="600"/>
+              </a:spcAft>
+              <a:buClr>
+                <a:schemeClr val="accent2"/>
+              </a:buClr>
+              <a:buSzPct val="92000"/>
+              <a:buFont typeface="Wingdings 2" panose="05020102010507070707" pitchFamily="18" charset="2"/>
+              <a:buChar char=""/>
+              <a:defRPr sz="1200" kern="1200">
+                <a:solidFill>
+                  <a:schemeClr val="tx2"/>
+                </a:solidFill>
+                <a:latin typeface="+mn-lt"/>
+                <a:ea typeface="+mn-ea"/>
+                <a:cs typeface="+mn-cs"/>
+              </a:defRPr>
+            </a:lvl5pPr>
+            <a:lvl6pPr marL="1900000" indent="-228600" algn="l" defTabSz="457200" rtl="0" eaLnBrk="1" latinLnBrk="0" hangingPunct="1">
+              <a:spcBef>
+                <a:spcPct val="20000"/>
+              </a:spcBef>
+              <a:spcAft>
+                <a:spcPts val="600"/>
+              </a:spcAft>
+              <a:buClr>
+                <a:schemeClr val="accent2"/>
+              </a:buClr>
+              <a:buSzPct val="92000"/>
+              <a:buFont typeface="Wingdings 2" panose="05020102010507070707" pitchFamily="18" charset="2"/>
+              <a:buChar char=""/>
+              <a:defRPr sz="1200" kern="1200">
+                <a:solidFill>
+                  <a:schemeClr val="tx2"/>
+                </a:solidFill>
+                <a:latin typeface="+mn-lt"/>
+                <a:ea typeface="+mn-ea"/>
+                <a:cs typeface="+mn-cs"/>
+              </a:defRPr>
+            </a:lvl6pPr>
+            <a:lvl7pPr marL="2200000" indent="-228600" algn="l" defTabSz="457200" rtl="0" eaLnBrk="1" latinLnBrk="0" hangingPunct="1">
+              <a:spcBef>
+                <a:spcPct val="20000"/>
+              </a:spcBef>
+              <a:spcAft>
+                <a:spcPts val="600"/>
+              </a:spcAft>
+              <a:buClr>
+                <a:schemeClr val="accent2"/>
+              </a:buClr>
+              <a:buSzPct val="92000"/>
+              <a:buFont typeface="Wingdings 2" panose="05020102010507070707" pitchFamily="18" charset="2"/>
+              <a:buChar char=""/>
+              <a:defRPr sz="1200" kern="1200">
+                <a:solidFill>
+                  <a:schemeClr val="tx2"/>
+                </a:solidFill>
+                <a:latin typeface="+mn-lt"/>
+                <a:ea typeface="+mn-ea"/>
+                <a:cs typeface="+mn-cs"/>
+              </a:defRPr>
+            </a:lvl7pPr>
+            <a:lvl8pPr marL="2500000" indent="-228600" algn="l" defTabSz="457200" rtl="0" eaLnBrk="1" latinLnBrk="0" hangingPunct="1">
+              <a:spcBef>
+                <a:spcPct val="20000"/>
+              </a:spcBef>
+              <a:spcAft>
+                <a:spcPts val="600"/>
+              </a:spcAft>
+              <a:buClr>
+                <a:schemeClr val="accent2"/>
+              </a:buClr>
+              <a:buSzPct val="92000"/>
+              <a:buFont typeface="Wingdings 2" panose="05020102010507070707" pitchFamily="18" charset="2"/>
+              <a:buChar char=""/>
+              <a:defRPr sz="1200" kern="1200">
+                <a:solidFill>
+                  <a:schemeClr val="tx2"/>
+                </a:solidFill>
+                <a:latin typeface="+mn-lt"/>
+                <a:ea typeface="+mn-ea"/>
+                <a:cs typeface="+mn-cs"/>
+              </a:defRPr>
+            </a:lvl8pPr>
+            <a:lvl9pPr marL="2800000" indent="-228600" algn="l" defTabSz="457200" rtl="0" eaLnBrk="1" latinLnBrk="0" hangingPunct="1">
+              <a:spcBef>
+                <a:spcPct val="20000"/>
+              </a:spcBef>
+              <a:spcAft>
+                <a:spcPts val="600"/>
+              </a:spcAft>
+              <a:buClr>
+                <a:schemeClr val="accent2"/>
+              </a:buClr>
+              <a:buSzPct val="92000"/>
+              <a:buFont typeface="Wingdings 2" panose="05020102010507070707" pitchFamily="18" charset="2"/>
+              <a:buChar char=""/>
+              <a:defRPr sz="1200" kern="1200">
+                <a:solidFill>
+                  <a:schemeClr val="tx2"/>
+                </a:solidFill>
+                <a:latin typeface="+mn-lt"/>
+                <a:ea typeface="+mn-ea"/>
+                <a:cs typeface="+mn-cs"/>
+              </a:defRPr>
+            </a:lvl9pPr>
+          </a:lstStyle>
+          <a:p>
+            <a:endParaRPr lang="en-US" sz="2400" dirty="0" smtClean="0"/>
+          </a:p>
+          <a:p>
+            <a:r>
+              <a:rPr lang="en-US" sz="2400" dirty="0" smtClean="0"/>
+              <a:t>Get maximal rewards in shortest path</a:t>
+            </a:r>
+          </a:p>
+          <a:p>
+            <a:r>
+              <a:rPr lang="en-US" sz="2400" dirty="0" smtClean="0"/>
+              <a:t>Find </a:t>
+            </a:r>
+            <a:r>
+              <a:rPr lang="en-US" sz="2400" dirty="0"/>
+              <a:t>the key -&gt; open the chest -&gt;  </a:t>
+            </a:r>
+            <a:r>
+              <a:rPr lang="en-US" sz="2400" dirty="0" smtClean="0"/>
+              <a:t>exit  </a:t>
+            </a:r>
+            <a:r>
+              <a:rPr lang="en-US" sz="2400" dirty="0" smtClean="0">
+                <a:sym typeface="Wingdings" panose="05000000000000000000" pitchFamily="2" charset="2"/>
+              </a:rPr>
+              <a:t></a:t>
+            </a:r>
+            <a:endParaRPr lang="en-US" sz="2400" dirty="0"/>
+          </a:p>
+          <a:p>
+            <a:r>
+              <a:rPr lang="en-US" sz="2400" dirty="0" smtClean="0"/>
+              <a:t>Can not go through the fixed walls</a:t>
+            </a:r>
+          </a:p>
+          <a:p>
+            <a:r>
+              <a:rPr lang="en-US" sz="2400" dirty="0" smtClean="0"/>
+              <a:t>Have punishment when stepping into the pits </a:t>
+            </a:r>
+            <a:r>
+              <a:rPr lang="en-US" sz="2400" dirty="0" smtClean="0">
+                <a:sym typeface="Wingdings" panose="05000000000000000000" pitchFamily="2" charset="2"/>
+              </a:rPr>
+              <a:t></a:t>
+            </a:r>
+            <a:endParaRPr lang="en-US" sz="2400" dirty="0" smtClean="0"/>
+          </a:p>
+          <a:p>
+            <a:endParaRPr lang="en-US" sz="2400" dirty="0"/>
           </a:p>
         </p:txBody>
       </p:sp>
     </p:spTree>
     <p:extLst>
       <p:ext uri="{BB962C8B-B14F-4D97-AF65-F5344CB8AC3E}">
-        <p14:creationId xmlns:p14="http://schemas.microsoft.com/office/powerpoint/2010/main" val="2252647845"/>
+        <p14:creationId xmlns:p14="http://schemas.microsoft.com/office/powerpoint/2010/main" val="1834345714"/>
       </p:ext>
     </p:extLst>
   </p:cSld>
@@ -5053,10 +6365,18 @@
           <a:lstStyle/>
           <a:p>
             <a:r>
-              <a:rPr lang="id-ID" smtClean="0"/>
-              <a:t>SARSA LAMBDA</a:t>
-            </a:r>
-            <a:endParaRPr lang="id-ID"/>
+              <a:rPr lang="id-ID" dirty="0" smtClean="0"/>
+              <a:t>Q-LEARNING</a:t>
+            </a:r>
+            <a:r>
+              <a:rPr lang="nl-NL" dirty="0" smtClean="0"/>
+              <a:t> &amp; </a:t>
+            </a:r>
+            <a:r>
+              <a:rPr lang="nl-NL" noProof="1" smtClean="0"/>
+              <a:t>Sarsa</a:t>
+            </a:r>
+            <a:endParaRPr lang="nl-NL" noProof="1"/>
           </a:p>
         </p:txBody>
       </p:sp>
@@ -5070,7 +6390,12 @@
             <p:ph idx="1"/>
           </p:nvPr>
         </p:nvSpPr>
-        <p:spPr/>
+        <p:spPr>
+          <a:xfrm>
+            <a:off x="581192" y="2331372"/>
+            <a:ext cx="3405591" cy="1285081"/>
+          </a:xfrm>
+        </p:spPr>
         <p:txBody>
           <a:bodyPr>
             <a:normAutofit/>
@@ -5078,47 +6403,793 @@
           <a:lstStyle/>
           <a:p>
             <a:r>
-              <a:rPr lang="id-ID" sz="2400" smtClean="0"/>
-              <a:t>Add plots (results) here..</a:t>
-            </a:r>
-            <a:endParaRPr lang="id-ID" sz="2400"/>
-          </a:p>
-        </p:txBody>
-      </p:sp>
-      <p:sp>
-        <p:nvSpPr>
-          <p:cNvPr id="4" name="TextBox 3"/>
-          <p:cNvSpPr txBox="1"/>
+              <a:rPr lang="id-ID" sz="2400" dirty="0" err="1" smtClean="0"/>
+              <a:t>Add</a:t>
+            </a:r>
+            <a:r>
+              <a:rPr lang="id-ID" sz="2400" dirty="0" smtClean="0"/>
+              <a:t> </a:t>
+            </a:r>
+            <a:r>
+              <a:rPr lang="nl-NL" sz="2400" dirty="0" smtClean="0"/>
+              <a:t>Q plot here</a:t>
+            </a:r>
+            <a:endParaRPr lang="id-ID" sz="2400" dirty="0"/>
+          </a:p>
+        </p:txBody>
+      </p:sp>
+      <p:sp>
+        <p:nvSpPr>
+          <p:cNvPr id="5" name="Content Placeholder 2"/>
+          <p:cNvSpPr txBox="1">
+            <a:spLocks/>
+          </p:cNvSpPr>
           <p:nvPr/>
         </p:nvSpPr>
         <p:spPr>
           <a:xfrm>
-            <a:off x="7387791" y="3788814"/>
-            <a:ext cx="4223016" cy="461665"/>
+            <a:off x="6096000" y="2287177"/>
+            <a:ext cx="3532632" cy="1178400"/>
           </a:xfrm>
           <a:prstGeom prst="rect">
             <a:avLst/>
           </a:prstGeom>
-          <a:noFill/>
         </p:spPr>
         <p:txBody>
-          <a:bodyPr wrap="none" rtlCol="0">
-            <a:spAutoFit/>
+          <a:bodyPr vert="horz" lIns="91440" tIns="45720" rIns="91440" bIns="45720" rtlCol="0" anchor="ctr">
+            <a:normAutofit/>
           </a:bodyPr>
-          <a:lstStyle/>
-          <a:p>
-            <a:r>
-              <a:rPr lang="id-ID" sz="2400" smtClean="0"/>
-              <a:t>Add video/short simulation here</a:t>
-            </a:r>
-            <a:endParaRPr lang="id-ID" sz="2400"/>
+          <a:lstStyle>
+            <a:lvl1pPr marL="306000" indent="-306000" algn="l" defTabSz="457200" rtl="0" eaLnBrk="1" latinLnBrk="0" hangingPunct="1">
+              <a:spcBef>
+                <a:spcPct val="20000"/>
+              </a:spcBef>
+              <a:spcAft>
+                <a:spcPts val="600"/>
+              </a:spcAft>
+              <a:buClr>
+                <a:schemeClr val="accent2"/>
+              </a:buClr>
+              <a:buSzPct val="92000"/>
+              <a:buFont typeface="Wingdings 2" panose="05020102010507070707" pitchFamily="18" charset="2"/>
+              <a:buChar char=""/>
+              <a:defRPr sz="1800" kern="1200">
+                <a:solidFill>
+                  <a:schemeClr val="tx2"/>
+                </a:solidFill>
+                <a:latin typeface="+mn-lt"/>
+                <a:ea typeface="+mn-ea"/>
+                <a:cs typeface="+mn-cs"/>
+              </a:defRPr>
+            </a:lvl1pPr>
+            <a:lvl2pPr marL="630000" indent="-306000" algn="l" defTabSz="457200" rtl="0" eaLnBrk="1" latinLnBrk="0" hangingPunct="1">
+              <a:spcBef>
+                <a:spcPct val="20000"/>
+              </a:spcBef>
+              <a:spcAft>
+                <a:spcPts val="600"/>
+              </a:spcAft>
+              <a:buClr>
+                <a:schemeClr val="accent2"/>
+              </a:buClr>
+              <a:buSzPct val="92000"/>
+              <a:buFont typeface="Wingdings 2" panose="05020102010507070707" pitchFamily="18" charset="2"/>
+              <a:buChar char=""/>
+              <a:defRPr sz="1600" kern="1200">
+                <a:solidFill>
+                  <a:schemeClr val="tx2"/>
+                </a:solidFill>
+                <a:latin typeface="+mn-lt"/>
+                <a:ea typeface="+mn-ea"/>
+                <a:cs typeface="+mn-cs"/>
+              </a:defRPr>
+            </a:lvl2pPr>
+            <a:lvl3pPr marL="900000" indent="-270000" algn="l" defTabSz="457200" rtl="0" eaLnBrk="1" latinLnBrk="0" hangingPunct="1">
+              <a:spcBef>
+                <a:spcPct val="20000"/>
+              </a:spcBef>
+              <a:spcAft>
+                <a:spcPts val="600"/>
+              </a:spcAft>
+              <a:buClr>
+                <a:schemeClr val="accent2"/>
+              </a:buClr>
+              <a:buSzPct val="92000"/>
+              <a:buFont typeface="Wingdings 2" panose="05020102010507070707" pitchFamily="18" charset="2"/>
+              <a:buChar char=""/>
+              <a:defRPr sz="1400" kern="1200">
+                <a:solidFill>
+                  <a:schemeClr val="tx2"/>
+                </a:solidFill>
+                <a:latin typeface="+mn-lt"/>
+                <a:ea typeface="+mn-ea"/>
+                <a:cs typeface="+mn-cs"/>
+              </a:defRPr>
+            </a:lvl3pPr>
+            <a:lvl4pPr marL="1242000" indent="-234000" algn="l" defTabSz="457200" rtl="0" eaLnBrk="1" latinLnBrk="0" hangingPunct="1">
+              <a:spcBef>
+                <a:spcPct val="20000"/>
+              </a:spcBef>
+              <a:spcAft>
+                <a:spcPts val="600"/>
+              </a:spcAft>
+              <a:buClr>
+                <a:schemeClr val="accent2"/>
+              </a:buClr>
+              <a:buSzPct val="92000"/>
+              <a:buFont typeface="Wingdings 2" panose="05020102010507070707" pitchFamily="18" charset="2"/>
+              <a:buChar char=""/>
+              <a:defRPr sz="1200" kern="1200">
+                <a:solidFill>
+                  <a:schemeClr val="tx2"/>
+                </a:solidFill>
+                <a:latin typeface="+mn-lt"/>
+                <a:ea typeface="+mn-ea"/>
+                <a:cs typeface="+mn-cs"/>
+              </a:defRPr>
+            </a:lvl4pPr>
+            <a:lvl5pPr marL="1602000" indent="-234000" algn="l" defTabSz="457200" rtl="0" eaLnBrk="1" latinLnBrk="0" hangingPunct="1">
+              <a:spcBef>
+                <a:spcPct val="20000"/>
+              </a:spcBef>
+              <a:spcAft>
+                <a:spcPts val="600"/>
+              </a:spcAft>
+              <a:buClr>
+                <a:schemeClr val="accent2"/>
+              </a:buClr>
+              <a:buSzPct val="92000"/>
+              <a:buFont typeface="Wingdings 2" panose="05020102010507070707" pitchFamily="18" charset="2"/>
+              <a:buChar char=""/>
+              <a:defRPr sz="1200" kern="1200">
+                <a:solidFill>
+                  <a:schemeClr val="tx2"/>
+                </a:solidFill>
+                <a:latin typeface="+mn-lt"/>
+                <a:ea typeface="+mn-ea"/>
+                <a:cs typeface="+mn-cs"/>
+              </a:defRPr>
+            </a:lvl5pPr>
+            <a:lvl6pPr marL="1900000" indent="-228600" algn="l" defTabSz="457200" rtl="0" eaLnBrk="1" latinLnBrk="0" hangingPunct="1">
+              <a:spcBef>
+                <a:spcPct val="20000"/>
+              </a:spcBef>
+              <a:spcAft>
+                <a:spcPts val="600"/>
+              </a:spcAft>
+              <a:buClr>
+                <a:schemeClr val="accent2"/>
+              </a:buClr>
+              <a:buSzPct val="92000"/>
+              <a:buFont typeface="Wingdings 2" panose="05020102010507070707" pitchFamily="18" charset="2"/>
+              <a:buChar char=""/>
+              <a:defRPr sz="1200" kern="1200">
+                <a:solidFill>
+                  <a:schemeClr val="tx2"/>
+                </a:solidFill>
+                <a:latin typeface="+mn-lt"/>
+                <a:ea typeface="+mn-ea"/>
+                <a:cs typeface="+mn-cs"/>
+              </a:defRPr>
+            </a:lvl6pPr>
+            <a:lvl7pPr marL="2200000" indent="-228600" algn="l" defTabSz="457200" rtl="0" eaLnBrk="1" latinLnBrk="0" hangingPunct="1">
+              <a:spcBef>
+                <a:spcPct val="20000"/>
+              </a:spcBef>
+              <a:spcAft>
+                <a:spcPts val="600"/>
+              </a:spcAft>
+              <a:buClr>
+                <a:schemeClr val="accent2"/>
+              </a:buClr>
+              <a:buSzPct val="92000"/>
+              <a:buFont typeface="Wingdings 2" panose="05020102010507070707" pitchFamily="18" charset="2"/>
+              <a:buChar char=""/>
+              <a:defRPr sz="1200" kern="1200">
+                <a:solidFill>
+                  <a:schemeClr val="tx2"/>
+                </a:solidFill>
+                <a:latin typeface="+mn-lt"/>
+                <a:ea typeface="+mn-ea"/>
+                <a:cs typeface="+mn-cs"/>
+              </a:defRPr>
+            </a:lvl7pPr>
+            <a:lvl8pPr marL="2500000" indent="-228600" algn="l" defTabSz="457200" rtl="0" eaLnBrk="1" latinLnBrk="0" hangingPunct="1">
+              <a:spcBef>
+                <a:spcPct val="20000"/>
+              </a:spcBef>
+              <a:spcAft>
+                <a:spcPts val="600"/>
+              </a:spcAft>
+              <a:buClr>
+                <a:schemeClr val="accent2"/>
+              </a:buClr>
+              <a:buSzPct val="92000"/>
+              <a:buFont typeface="Wingdings 2" panose="05020102010507070707" pitchFamily="18" charset="2"/>
+              <a:buChar char=""/>
+              <a:defRPr sz="1200" kern="1200">
+                <a:solidFill>
+                  <a:schemeClr val="tx2"/>
+                </a:solidFill>
+                <a:latin typeface="+mn-lt"/>
+                <a:ea typeface="+mn-ea"/>
+                <a:cs typeface="+mn-cs"/>
+              </a:defRPr>
+            </a:lvl8pPr>
+            <a:lvl9pPr marL="2800000" indent="-228600" algn="l" defTabSz="457200" rtl="0" eaLnBrk="1" latinLnBrk="0" hangingPunct="1">
+              <a:spcBef>
+                <a:spcPct val="20000"/>
+              </a:spcBef>
+              <a:spcAft>
+                <a:spcPts val="600"/>
+              </a:spcAft>
+              <a:buClr>
+                <a:schemeClr val="accent2"/>
+              </a:buClr>
+              <a:buSzPct val="92000"/>
+              <a:buFont typeface="Wingdings 2" panose="05020102010507070707" pitchFamily="18" charset="2"/>
+              <a:buChar char=""/>
+              <a:defRPr sz="1200" kern="1200">
+                <a:solidFill>
+                  <a:schemeClr val="tx2"/>
+                </a:solidFill>
+                <a:latin typeface="+mn-lt"/>
+                <a:ea typeface="+mn-ea"/>
+                <a:cs typeface="+mn-cs"/>
+              </a:defRPr>
+            </a:lvl9pPr>
+          </a:lstStyle>
+          <a:p>
+            <a:r>
+              <a:rPr lang="id-ID" sz="2400" dirty="0" err="1" smtClean="0"/>
+              <a:t>Add</a:t>
+            </a:r>
+            <a:r>
+              <a:rPr lang="id-ID" sz="2400" dirty="0" smtClean="0"/>
+              <a:t> </a:t>
+            </a:r>
+            <a:r>
+              <a:rPr lang="nl-NL" sz="2400" dirty="0" err="1" smtClean="0"/>
+              <a:t>Sarsa</a:t>
+            </a:r>
+            <a:r>
+              <a:rPr lang="nl-NL" sz="2400" dirty="0" smtClean="0"/>
+              <a:t> plot here</a:t>
+            </a:r>
+            <a:endParaRPr lang="id-ID" sz="2400" dirty="0"/>
+          </a:p>
+        </p:txBody>
+      </p:sp>
+      <p:sp>
+        <p:nvSpPr>
+          <p:cNvPr id="6" name="Content Placeholder 2"/>
+          <p:cNvSpPr txBox="1">
+            <a:spLocks/>
+          </p:cNvSpPr>
+          <p:nvPr/>
+        </p:nvSpPr>
+        <p:spPr>
+          <a:xfrm>
+            <a:off x="581192" y="4131217"/>
+            <a:ext cx="2791968" cy="1178400"/>
+          </a:xfrm>
+          <a:prstGeom prst="rect">
+            <a:avLst/>
+          </a:prstGeom>
+        </p:spPr>
+        <p:txBody>
+          <a:bodyPr vert="horz" lIns="91440" tIns="45720" rIns="91440" bIns="45720" rtlCol="0" anchor="ctr">
+            <a:normAutofit/>
+          </a:bodyPr>
+          <a:lstStyle>
+            <a:lvl1pPr marL="306000" indent="-306000" algn="l" defTabSz="457200" rtl="0" eaLnBrk="1" latinLnBrk="0" hangingPunct="1">
+              <a:spcBef>
+                <a:spcPct val="20000"/>
+              </a:spcBef>
+              <a:spcAft>
+                <a:spcPts val="600"/>
+              </a:spcAft>
+              <a:buClr>
+                <a:schemeClr val="accent2"/>
+              </a:buClr>
+              <a:buSzPct val="92000"/>
+              <a:buFont typeface="Wingdings 2" panose="05020102010507070707" pitchFamily="18" charset="2"/>
+              <a:buChar char=""/>
+              <a:defRPr sz="1800" kern="1200">
+                <a:solidFill>
+                  <a:schemeClr val="tx2"/>
+                </a:solidFill>
+                <a:latin typeface="+mn-lt"/>
+                <a:ea typeface="+mn-ea"/>
+                <a:cs typeface="+mn-cs"/>
+              </a:defRPr>
+            </a:lvl1pPr>
+            <a:lvl2pPr marL="630000" indent="-306000" algn="l" defTabSz="457200" rtl="0" eaLnBrk="1" latinLnBrk="0" hangingPunct="1">
+              <a:spcBef>
+                <a:spcPct val="20000"/>
+              </a:spcBef>
+              <a:spcAft>
+                <a:spcPts val="600"/>
+              </a:spcAft>
+              <a:buClr>
+                <a:schemeClr val="accent2"/>
+              </a:buClr>
+              <a:buSzPct val="92000"/>
+              <a:buFont typeface="Wingdings 2" panose="05020102010507070707" pitchFamily="18" charset="2"/>
+              <a:buChar char=""/>
+              <a:defRPr sz="1600" kern="1200">
+                <a:solidFill>
+                  <a:schemeClr val="tx2"/>
+                </a:solidFill>
+                <a:latin typeface="+mn-lt"/>
+                <a:ea typeface="+mn-ea"/>
+                <a:cs typeface="+mn-cs"/>
+              </a:defRPr>
+            </a:lvl2pPr>
+            <a:lvl3pPr marL="900000" indent="-270000" algn="l" defTabSz="457200" rtl="0" eaLnBrk="1" latinLnBrk="0" hangingPunct="1">
+              <a:spcBef>
+                <a:spcPct val="20000"/>
+              </a:spcBef>
+              <a:spcAft>
+                <a:spcPts val="600"/>
+              </a:spcAft>
+              <a:buClr>
+                <a:schemeClr val="accent2"/>
+              </a:buClr>
+              <a:buSzPct val="92000"/>
+              <a:buFont typeface="Wingdings 2" panose="05020102010507070707" pitchFamily="18" charset="2"/>
+              <a:buChar char=""/>
+              <a:defRPr sz="1400" kern="1200">
+                <a:solidFill>
+                  <a:schemeClr val="tx2"/>
+                </a:solidFill>
+                <a:latin typeface="+mn-lt"/>
+                <a:ea typeface="+mn-ea"/>
+                <a:cs typeface="+mn-cs"/>
+              </a:defRPr>
+            </a:lvl3pPr>
+            <a:lvl4pPr marL="1242000" indent="-234000" algn="l" defTabSz="457200" rtl="0" eaLnBrk="1" latinLnBrk="0" hangingPunct="1">
+              <a:spcBef>
+                <a:spcPct val="20000"/>
+              </a:spcBef>
+              <a:spcAft>
+                <a:spcPts val="600"/>
+              </a:spcAft>
+              <a:buClr>
+                <a:schemeClr val="accent2"/>
+              </a:buClr>
+              <a:buSzPct val="92000"/>
+              <a:buFont typeface="Wingdings 2" panose="05020102010507070707" pitchFamily="18" charset="2"/>
+              <a:buChar char=""/>
+              <a:defRPr sz="1200" kern="1200">
+                <a:solidFill>
+                  <a:schemeClr val="tx2"/>
+                </a:solidFill>
+                <a:latin typeface="+mn-lt"/>
+                <a:ea typeface="+mn-ea"/>
+                <a:cs typeface="+mn-cs"/>
+              </a:defRPr>
+            </a:lvl4pPr>
+            <a:lvl5pPr marL="1602000" indent="-234000" algn="l" defTabSz="457200" rtl="0" eaLnBrk="1" latinLnBrk="0" hangingPunct="1">
+              <a:spcBef>
+                <a:spcPct val="20000"/>
+              </a:spcBef>
+              <a:spcAft>
+                <a:spcPts val="600"/>
+              </a:spcAft>
+              <a:buClr>
+                <a:schemeClr val="accent2"/>
+              </a:buClr>
+              <a:buSzPct val="92000"/>
+              <a:buFont typeface="Wingdings 2" panose="05020102010507070707" pitchFamily="18" charset="2"/>
+              <a:buChar char=""/>
+              <a:defRPr sz="1200" kern="1200">
+                <a:solidFill>
+                  <a:schemeClr val="tx2"/>
+                </a:solidFill>
+                <a:latin typeface="+mn-lt"/>
+                <a:ea typeface="+mn-ea"/>
+                <a:cs typeface="+mn-cs"/>
+              </a:defRPr>
+            </a:lvl5pPr>
+            <a:lvl6pPr marL="1900000" indent="-228600" algn="l" defTabSz="457200" rtl="0" eaLnBrk="1" latinLnBrk="0" hangingPunct="1">
+              <a:spcBef>
+                <a:spcPct val="20000"/>
+              </a:spcBef>
+              <a:spcAft>
+                <a:spcPts val="600"/>
+              </a:spcAft>
+              <a:buClr>
+                <a:schemeClr val="accent2"/>
+              </a:buClr>
+              <a:buSzPct val="92000"/>
+              <a:buFont typeface="Wingdings 2" panose="05020102010507070707" pitchFamily="18" charset="2"/>
+              <a:buChar char=""/>
+              <a:defRPr sz="1200" kern="1200">
+                <a:solidFill>
+                  <a:schemeClr val="tx2"/>
+                </a:solidFill>
+                <a:latin typeface="+mn-lt"/>
+                <a:ea typeface="+mn-ea"/>
+                <a:cs typeface="+mn-cs"/>
+              </a:defRPr>
+            </a:lvl6pPr>
+            <a:lvl7pPr marL="2200000" indent="-228600" algn="l" defTabSz="457200" rtl="0" eaLnBrk="1" latinLnBrk="0" hangingPunct="1">
+              <a:spcBef>
+                <a:spcPct val="20000"/>
+              </a:spcBef>
+              <a:spcAft>
+                <a:spcPts val="600"/>
+              </a:spcAft>
+              <a:buClr>
+                <a:schemeClr val="accent2"/>
+              </a:buClr>
+              <a:buSzPct val="92000"/>
+              <a:buFont typeface="Wingdings 2" panose="05020102010507070707" pitchFamily="18" charset="2"/>
+              <a:buChar char=""/>
+              <a:defRPr sz="1200" kern="1200">
+                <a:solidFill>
+                  <a:schemeClr val="tx2"/>
+                </a:solidFill>
+                <a:latin typeface="+mn-lt"/>
+                <a:ea typeface="+mn-ea"/>
+                <a:cs typeface="+mn-cs"/>
+              </a:defRPr>
+            </a:lvl7pPr>
+            <a:lvl8pPr marL="2500000" indent="-228600" algn="l" defTabSz="457200" rtl="0" eaLnBrk="1" latinLnBrk="0" hangingPunct="1">
+              <a:spcBef>
+                <a:spcPct val="20000"/>
+              </a:spcBef>
+              <a:spcAft>
+                <a:spcPts val="600"/>
+              </a:spcAft>
+              <a:buClr>
+                <a:schemeClr val="accent2"/>
+              </a:buClr>
+              <a:buSzPct val="92000"/>
+              <a:buFont typeface="Wingdings 2" panose="05020102010507070707" pitchFamily="18" charset="2"/>
+              <a:buChar char=""/>
+              <a:defRPr sz="1200" kern="1200">
+                <a:solidFill>
+                  <a:schemeClr val="tx2"/>
+                </a:solidFill>
+                <a:latin typeface="+mn-lt"/>
+                <a:ea typeface="+mn-ea"/>
+                <a:cs typeface="+mn-cs"/>
+              </a:defRPr>
+            </a:lvl8pPr>
+            <a:lvl9pPr marL="2800000" indent="-228600" algn="l" defTabSz="457200" rtl="0" eaLnBrk="1" latinLnBrk="0" hangingPunct="1">
+              <a:spcBef>
+                <a:spcPct val="20000"/>
+              </a:spcBef>
+              <a:spcAft>
+                <a:spcPts val="600"/>
+              </a:spcAft>
+              <a:buClr>
+                <a:schemeClr val="accent2"/>
+              </a:buClr>
+              <a:buSzPct val="92000"/>
+              <a:buFont typeface="Wingdings 2" panose="05020102010507070707" pitchFamily="18" charset="2"/>
+              <a:buChar char=""/>
+              <a:defRPr sz="1200" kern="1200">
+                <a:solidFill>
+                  <a:schemeClr val="tx2"/>
+                </a:solidFill>
+                <a:latin typeface="+mn-lt"/>
+                <a:ea typeface="+mn-ea"/>
+                <a:cs typeface="+mn-cs"/>
+              </a:defRPr>
+            </a:lvl9pPr>
+          </a:lstStyle>
+          <a:p>
+            <a:endParaRPr lang="id-ID" sz="2400" dirty="0"/>
+          </a:p>
+        </p:txBody>
+      </p:sp>
+      <p:sp>
+        <p:nvSpPr>
+          <p:cNvPr id="7" name="Content Placeholder 2"/>
+          <p:cNvSpPr txBox="1">
+            <a:spLocks/>
+          </p:cNvSpPr>
+          <p:nvPr/>
+        </p:nvSpPr>
+        <p:spPr>
+          <a:xfrm>
+            <a:off x="581192" y="4515333"/>
+            <a:ext cx="7595616" cy="1178400"/>
+          </a:xfrm>
+          <a:prstGeom prst="rect">
+            <a:avLst/>
+          </a:prstGeom>
+        </p:spPr>
+        <p:txBody>
+          <a:bodyPr vert="horz" lIns="91440" tIns="45720" rIns="91440" bIns="45720" rtlCol="0" anchor="ctr">
+            <a:normAutofit/>
+          </a:bodyPr>
+          <a:lstStyle>
+            <a:lvl1pPr marL="306000" indent="-306000" algn="l" defTabSz="457200" rtl="0" eaLnBrk="1" latinLnBrk="0" hangingPunct="1">
+              <a:spcBef>
+                <a:spcPct val="20000"/>
+              </a:spcBef>
+              <a:spcAft>
+                <a:spcPts val="600"/>
+              </a:spcAft>
+              <a:buClr>
+                <a:schemeClr val="accent2"/>
+              </a:buClr>
+              <a:buSzPct val="92000"/>
+              <a:buFont typeface="Wingdings 2" panose="05020102010507070707" pitchFamily="18" charset="2"/>
+              <a:buChar char=""/>
+              <a:defRPr sz="1800" kern="1200">
+                <a:solidFill>
+                  <a:schemeClr val="tx2"/>
+                </a:solidFill>
+                <a:latin typeface="+mn-lt"/>
+                <a:ea typeface="+mn-ea"/>
+                <a:cs typeface="+mn-cs"/>
+              </a:defRPr>
+            </a:lvl1pPr>
+            <a:lvl2pPr marL="630000" indent="-306000" algn="l" defTabSz="457200" rtl="0" eaLnBrk="1" latinLnBrk="0" hangingPunct="1">
+              <a:spcBef>
+                <a:spcPct val="20000"/>
+              </a:spcBef>
+              <a:spcAft>
+                <a:spcPts val="600"/>
+              </a:spcAft>
+              <a:buClr>
+                <a:schemeClr val="accent2"/>
+              </a:buClr>
+              <a:buSzPct val="92000"/>
+              <a:buFont typeface="Wingdings 2" panose="05020102010507070707" pitchFamily="18" charset="2"/>
+              <a:buChar char=""/>
+              <a:defRPr sz="1600" kern="1200">
+                <a:solidFill>
+                  <a:schemeClr val="tx2"/>
+                </a:solidFill>
+                <a:latin typeface="+mn-lt"/>
+                <a:ea typeface="+mn-ea"/>
+                <a:cs typeface="+mn-cs"/>
+              </a:defRPr>
+            </a:lvl2pPr>
+            <a:lvl3pPr marL="900000" indent="-270000" algn="l" defTabSz="457200" rtl="0" eaLnBrk="1" latinLnBrk="0" hangingPunct="1">
+              <a:spcBef>
+                <a:spcPct val="20000"/>
+              </a:spcBef>
+              <a:spcAft>
+                <a:spcPts val="600"/>
+              </a:spcAft>
+              <a:buClr>
+                <a:schemeClr val="accent2"/>
+              </a:buClr>
+              <a:buSzPct val="92000"/>
+              <a:buFont typeface="Wingdings 2" panose="05020102010507070707" pitchFamily="18" charset="2"/>
+              <a:buChar char=""/>
+              <a:defRPr sz="1400" kern="1200">
+                <a:solidFill>
+                  <a:schemeClr val="tx2"/>
+                </a:solidFill>
+                <a:latin typeface="+mn-lt"/>
+                <a:ea typeface="+mn-ea"/>
+                <a:cs typeface="+mn-cs"/>
+              </a:defRPr>
+            </a:lvl3pPr>
+            <a:lvl4pPr marL="1242000" indent="-234000" algn="l" defTabSz="457200" rtl="0" eaLnBrk="1" latinLnBrk="0" hangingPunct="1">
+              <a:spcBef>
+                <a:spcPct val="20000"/>
+              </a:spcBef>
+              <a:spcAft>
+                <a:spcPts val="600"/>
+              </a:spcAft>
+              <a:buClr>
+                <a:schemeClr val="accent2"/>
+              </a:buClr>
+              <a:buSzPct val="92000"/>
+              <a:buFont typeface="Wingdings 2" panose="05020102010507070707" pitchFamily="18" charset="2"/>
+              <a:buChar char=""/>
+              <a:defRPr sz="1200" kern="1200">
+                <a:solidFill>
+                  <a:schemeClr val="tx2"/>
+                </a:solidFill>
+                <a:latin typeface="+mn-lt"/>
+                <a:ea typeface="+mn-ea"/>
+                <a:cs typeface="+mn-cs"/>
+              </a:defRPr>
+            </a:lvl4pPr>
+            <a:lvl5pPr marL="1602000" indent="-234000" algn="l" defTabSz="457200" rtl="0" eaLnBrk="1" latinLnBrk="0" hangingPunct="1">
+              <a:spcBef>
+                <a:spcPct val="20000"/>
+              </a:spcBef>
+              <a:spcAft>
+                <a:spcPts val="600"/>
+              </a:spcAft>
+              <a:buClr>
+                <a:schemeClr val="accent2"/>
+              </a:buClr>
+              <a:buSzPct val="92000"/>
+              <a:buFont typeface="Wingdings 2" panose="05020102010507070707" pitchFamily="18" charset="2"/>
+              <a:buChar char=""/>
+              <a:defRPr sz="1200" kern="1200">
+                <a:solidFill>
+                  <a:schemeClr val="tx2"/>
+                </a:solidFill>
+                <a:latin typeface="+mn-lt"/>
+                <a:ea typeface="+mn-ea"/>
+                <a:cs typeface="+mn-cs"/>
+              </a:defRPr>
+            </a:lvl5pPr>
+            <a:lvl6pPr marL="1900000" indent="-228600" algn="l" defTabSz="457200" rtl="0" eaLnBrk="1" latinLnBrk="0" hangingPunct="1">
+              <a:spcBef>
+                <a:spcPct val="20000"/>
+              </a:spcBef>
+              <a:spcAft>
+                <a:spcPts val="600"/>
+              </a:spcAft>
+              <a:buClr>
+                <a:schemeClr val="accent2"/>
+              </a:buClr>
+              <a:buSzPct val="92000"/>
+              <a:buFont typeface="Wingdings 2" panose="05020102010507070707" pitchFamily="18" charset="2"/>
+              <a:buChar char=""/>
+              <a:defRPr sz="1200" kern="1200">
+                <a:solidFill>
+                  <a:schemeClr val="tx2"/>
+                </a:solidFill>
+                <a:latin typeface="+mn-lt"/>
+                <a:ea typeface="+mn-ea"/>
+                <a:cs typeface="+mn-cs"/>
+              </a:defRPr>
+            </a:lvl6pPr>
+            <a:lvl7pPr marL="2200000" indent="-228600" algn="l" defTabSz="457200" rtl="0" eaLnBrk="1" latinLnBrk="0" hangingPunct="1">
+              <a:spcBef>
+                <a:spcPct val="20000"/>
+              </a:spcBef>
+              <a:spcAft>
+                <a:spcPts val="600"/>
+              </a:spcAft>
+              <a:buClr>
+                <a:schemeClr val="accent2"/>
+              </a:buClr>
+              <a:buSzPct val="92000"/>
+              <a:buFont typeface="Wingdings 2" panose="05020102010507070707" pitchFamily="18" charset="2"/>
+              <a:buChar char=""/>
+              <a:defRPr sz="1200" kern="1200">
+                <a:solidFill>
+                  <a:schemeClr val="tx2"/>
+                </a:solidFill>
+                <a:latin typeface="+mn-lt"/>
+                <a:ea typeface="+mn-ea"/>
+                <a:cs typeface="+mn-cs"/>
+              </a:defRPr>
+            </a:lvl7pPr>
+            <a:lvl8pPr marL="2500000" indent="-228600" algn="l" defTabSz="457200" rtl="0" eaLnBrk="1" latinLnBrk="0" hangingPunct="1">
+              <a:spcBef>
+                <a:spcPct val="20000"/>
+              </a:spcBef>
+              <a:spcAft>
+                <a:spcPts val="600"/>
+              </a:spcAft>
+              <a:buClr>
+                <a:schemeClr val="accent2"/>
+              </a:buClr>
+              <a:buSzPct val="92000"/>
+              <a:buFont typeface="Wingdings 2" panose="05020102010507070707" pitchFamily="18" charset="2"/>
+              <a:buChar char=""/>
+              <a:defRPr sz="1200" kern="1200">
+                <a:solidFill>
+                  <a:schemeClr val="tx2"/>
+                </a:solidFill>
+                <a:latin typeface="+mn-lt"/>
+                <a:ea typeface="+mn-ea"/>
+                <a:cs typeface="+mn-cs"/>
+              </a:defRPr>
+            </a:lvl8pPr>
+            <a:lvl9pPr marL="2800000" indent="-228600" algn="l" defTabSz="457200" rtl="0" eaLnBrk="1" latinLnBrk="0" hangingPunct="1">
+              <a:spcBef>
+                <a:spcPct val="20000"/>
+              </a:spcBef>
+              <a:spcAft>
+                <a:spcPts val="600"/>
+              </a:spcAft>
+              <a:buClr>
+                <a:schemeClr val="accent2"/>
+              </a:buClr>
+              <a:buSzPct val="92000"/>
+              <a:buFont typeface="Wingdings 2" panose="05020102010507070707" pitchFamily="18" charset="2"/>
+              <a:buChar char=""/>
+              <a:defRPr sz="1200" kern="1200">
+                <a:solidFill>
+                  <a:schemeClr val="tx2"/>
+                </a:solidFill>
+                <a:latin typeface="+mn-lt"/>
+                <a:ea typeface="+mn-ea"/>
+                <a:cs typeface="+mn-cs"/>
+              </a:defRPr>
+            </a:lvl9pPr>
+          </a:lstStyle>
+          <a:p>
+            <a:r>
+              <a:rPr lang="nl-NL" sz="2400" dirty="0" smtClean="0"/>
+              <a:t>We </a:t>
+            </a:r>
+            <a:r>
+              <a:rPr lang="nl-NL" sz="2400" dirty="0" err="1" smtClean="0"/>
+              <a:t>can</a:t>
+            </a:r>
+            <a:r>
+              <a:rPr lang="nl-NL" sz="2400" dirty="0" smtClean="0"/>
+              <a:t> </a:t>
+            </a:r>
+            <a:r>
+              <a:rPr lang="nl-NL" sz="2400" dirty="0" err="1" smtClean="0"/>
+              <a:t>see</a:t>
+            </a:r>
+            <a:r>
+              <a:rPr lang="nl-NL" sz="2400" dirty="0" smtClean="0"/>
+              <a:t> </a:t>
+            </a:r>
+            <a:r>
+              <a:rPr lang="nl-NL" sz="2400" dirty="0" err="1" smtClean="0"/>
+              <a:t>the</a:t>
+            </a:r>
+            <a:r>
+              <a:rPr lang="nl-NL" sz="2400" dirty="0" smtClean="0"/>
+              <a:t> </a:t>
+            </a:r>
+            <a:r>
+              <a:rPr lang="nl-NL" sz="2400" dirty="0" err="1" smtClean="0"/>
+              <a:t>difference</a:t>
+            </a:r>
+            <a:r>
+              <a:rPr lang="nl-NL" sz="2400" dirty="0"/>
+              <a:t> </a:t>
+            </a:r>
+            <a:r>
+              <a:rPr lang="nl-NL" sz="2400" dirty="0" err="1" smtClean="0"/>
+              <a:t>between</a:t>
+            </a:r>
+            <a:r>
+              <a:rPr lang="nl-NL" sz="2400" dirty="0" smtClean="0"/>
+              <a:t> </a:t>
+            </a:r>
+            <a:r>
+              <a:rPr lang="nl-NL" sz="2400" dirty="0" err="1" smtClean="0"/>
+              <a:t>the</a:t>
+            </a:r>
+            <a:r>
+              <a:rPr lang="nl-NL" sz="2400" dirty="0" smtClean="0"/>
+              <a:t> </a:t>
+            </a:r>
+            <a:r>
+              <a:rPr lang="nl-NL" sz="2400" dirty="0" err="1" smtClean="0"/>
+              <a:t>two</a:t>
+            </a:r>
+            <a:r>
+              <a:rPr lang="nl-NL" sz="2400" dirty="0" smtClean="0"/>
+              <a:t> </a:t>
+            </a:r>
+            <a:r>
+              <a:rPr lang="nl-NL" sz="2400" dirty="0" err="1" smtClean="0"/>
+              <a:t>alogrithms</a:t>
+            </a:r>
+            <a:r>
+              <a:rPr lang="nl-NL" sz="2400" dirty="0" smtClean="0"/>
+              <a:t>:</a:t>
+            </a:r>
+          </a:p>
+          <a:p>
+            <a:r>
+              <a:rPr lang="nl-NL" sz="2400" dirty="0" smtClean="0"/>
+              <a:t>………</a:t>
+            </a:r>
+            <a:endParaRPr lang="nl-NL" sz="2400" dirty="0"/>
           </a:p>
         </p:txBody>
       </p:sp>
     </p:spTree>
     <p:extLst>
       <p:ext uri="{BB962C8B-B14F-4D97-AF65-F5344CB8AC3E}">
-        <p14:creationId xmlns:p14="http://schemas.microsoft.com/office/powerpoint/2010/main" val="2941958862"/>
+        <p14:creationId xmlns:p14="http://schemas.microsoft.com/office/powerpoint/2010/main" val="2252647845"/>
       </p:ext>
     </p:extLst>
   </p:cSld>
@@ -5161,10 +7232,26 @@
           <a:lstStyle/>
           <a:p>
             <a:r>
-              <a:rPr lang="id-ID" smtClean="0"/>
-              <a:t>QV LAMBDA</a:t>
-            </a:r>
-            <a:endParaRPr lang="id-ID"/>
+              <a:rPr lang="nl-NL" dirty="0" err="1" smtClean="0"/>
+              <a:t>Algorithms</a:t>
+            </a:r>
+            <a:r>
+              <a:rPr lang="nl-NL" dirty="0" smtClean="0"/>
+              <a:t> </a:t>
+            </a:r>
+            <a:r>
+              <a:rPr lang="nl-NL" dirty="0" err="1" smtClean="0"/>
+              <a:t>With</a:t>
+            </a:r>
+            <a:r>
+              <a:rPr lang="nl-NL" dirty="0" smtClean="0"/>
+              <a:t> </a:t>
+            </a:r>
+            <a:r>
+              <a:rPr lang="id-ID" dirty="0" smtClean="0"/>
+              <a:t>LAMBDA</a:t>
+            </a:r>
+            <a:endParaRPr lang="id-ID" dirty="0"/>
           </a:p>
         </p:txBody>
       </p:sp>
@@ -5178,55 +7265,1231 @@
             <p:ph idx="1"/>
           </p:nvPr>
         </p:nvSpPr>
-        <p:spPr/>
+        <p:spPr>
+          <a:xfrm>
+            <a:off x="581192" y="2180497"/>
+            <a:ext cx="3305007" cy="827879"/>
+          </a:xfrm>
+        </p:spPr>
         <p:txBody>
           <a:bodyPr>
             <a:normAutofit/>
           </a:bodyPr>
           <a:lstStyle/>
           <a:p>
-            <a:r>
-              <a:rPr lang="id-ID" sz="2400" smtClean="0"/>
-              <a:t>Add plots (results) here..</a:t>
-            </a:r>
-            <a:endParaRPr lang="id-ID" sz="2400"/>
-          </a:p>
-        </p:txBody>
-      </p:sp>
-      <p:sp>
-        <p:nvSpPr>
-          <p:cNvPr id="4" name="TextBox 3"/>
-          <p:cNvSpPr txBox="1"/>
+            <a:pPr marL="0" indent="0">
+              <a:buNone/>
+            </a:pPr>
+            <a:r>
+              <a:rPr lang="nl-NL" sz="2400" dirty="0" smtClean="0"/>
+              <a:t>1.  </a:t>
+            </a:r>
+            <a:r>
+              <a:rPr lang="nl-NL" sz="2400" dirty="0" err="1" smtClean="0"/>
+              <a:t>Lambda</a:t>
+            </a:r>
+            <a:r>
+              <a:rPr lang="nl-NL" sz="2400" dirty="0" smtClean="0"/>
+              <a:t> = 0</a:t>
+            </a:r>
+            <a:endParaRPr lang="id-ID" sz="2400" dirty="0"/>
+          </a:p>
+        </p:txBody>
+      </p:sp>
+      <p:sp>
+        <p:nvSpPr>
+          <p:cNvPr id="5" name="Content Placeholder 2"/>
+          <p:cNvSpPr txBox="1">
+            <a:spLocks/>
+          </p:cNvSpPr>
           <p:nvPr/>
         </p:nvSpPr>
         <p:spPr>
           <a:xfrm>
-            <a:off x="7387791" y="3788814"/>
-            <a:ext cx="4223016" cy="461665"/>
+            <a:off x="581191" y="3306732"/>
+            <a:ext cx="3305007" cy="827879"/>
           </a:xfrm>
           <a:prstGeom prst="rect">
             <a:avLst/>
           </a:prstGeom>
-          <a:noFill/>
         </p:spPr>
         <p:txBody>
-          <a:bodyPr wrap="none" rtlCol="0">
-            <a:spAutoFit/>
+          <a:bodyPr vert="horz" lIns="91440" tIns="45720" rIns="91440" bIns="45720" rtlCol="0" anchor="ctr">
+            <a:normAutofit/>
           </a:bodyPr>
-          <a:lstStyle/>
-          <a:p>
-            <a:r>
-              <a:rPr lang="id-ID" sz="2400" smtClean="0"/>
-              <a:t>Add video/short simulation here</a:t>
-            </a:r>
-            <a:endParaRPr lang="id-ID" sz="2400"/>
+          <a:lstStyle>
+            <a:lvl1pPr marL="306000" indent="-306000" algn="l" defTabSz="457200" rtl="0" eaLnBrk="1" latinLnBrk="0" hangingPunct="1">
+              <a:spcBef>
+                <a:spcPct val="20000"/>
+              </a:spcBef>
+              <a:spcAft>
+                <a:spcPts val="600"/>
+              </a:spcAft>
+              <a:buClr>
+                <a:schemeClr val="accent2"/>
+              </a:buClr>
+              <a:buSzPct val="92000"/>
+              <a:buFont typeface="Wingdings 2" panose="05020102010507070707" pitchFamily="18" charset="2"/>
+              <a:buChar char=""/>
+              <a:defRPr sz="1800" kern="1200">
+                <a:solidFill>
+                  <a:schemeClr val="tx2"/>
+                </a:solidFill>
+                <a:latin typeface="+mn-lt"/>
+                <a:ea typeface="+mn-ea"/>
+                <a:cs typeface="+mn-cs"/>
+              </a:defRPr>
+            </a:lvl1pPr>
+            <a:lvl2pPr marL="630000" indent="-306000" algn="l" defTabSz="457200" rtl="0" eaLnBrk="1" latinLnBrk="0" hangingPunct="1">
+              <a:spcBef>
+                <a:spcPct val="20000"/>
+              </a:spcBef>
+              <a:spcAft>
+                <a:spcPts val="600"/>
+              </a:spcAft>
+              <a:buClr>
+                <a:schemeClr val="accent2"/>
+              </a:buClr>
+              <a:buSzPct val="92000"/>
+              <a:buFont typeface="Wingdings 2" panose="05020102010507070707" pitchFamily="18" charset="2"/>
+              <a:buChar char=""/>
+              <a:defRPr sz="1600" kern="1200">
+                <a:solidFill>
+                  <a:schemeClr val="tx2"/>
+                </a:solidFill>
+                <a:latin typeface="+mn-lt"/>
+                <a:ea typeface="+mn-ea"/>
+                <a:cs typeface="+mn-cs"/>
+              </a:defRPr>
+            </a:lvl2pPr>
+            <a:lvl3pPr marL="900000" indent="-270000" algn="l" defTabSz="457200" rtl="0" eaLnBrk="1" latinLnBrk="0" hangingPunct="1">
+              <a:spcBef>
+                <a:spcPct val="20000"/>
+              </a:spcBef>
+              <a:spcAft>
+                <a:spcPts val="600"/>
+              </a:spcAft>
+              <a:buClr>
+                <a:schemeClr val="accent2"/>
+              </a:buClr>
+              <a:buSzPct val="92000"/>
+              <a:buFont typeface="Wingdings 2" panose="05020102010507070707" pitchFamily="18" charset="2"/>
+              <a:buChar char=""/>
+              <a:defRPr sz="1400" kern="1200">
+                <a:solidFill>
+                  <a:schemeClr val="tx2"/>
+                </a:solidFill>
+                <a:latin typeface="+mn-lt"/>
+                <a:ea typeface="+mn-ea"/>
+                <a:cs typeface="+mn-cs"/>
+              </a:defRPr>
+            </a:lvl3pPr>
+            <a:lvl4pPr marL="1242000" indent="-234000" algn="l" defTabSz="457200" rtl="0" eaLnBrk="1" latinLnBrk="0" hangingPunct="1">
+              <a:spcBef>
+                <a:spcPct val="20000"/>
+              </a:spcBef>
+              <a:spcAft>
+                <a:spcPts val="600"/>
+              </a:spcAft>
+              <a:buClr>
+                <a:schemeClr val="accent2"/>
+              </a:buClr>
+              <a:buSzPct val="92000"/>
+              <a:buFont typeface="Wingdings 2" panose="05020102010507070707" pitchFamily="18" charset="2"/>
+              <a:buChar char=""/>
+              <a:defRPr sz="1200" kern="1200">
+                <a:solidFill>
+                  <a:schemeClr val="tx2"/>
+                </a:solidFill>
+                <a:latin typeface="+mn-lt"/>
+                <a:ea typeface="+mn-ea"/>
+                <a:cs typeface="+mn-cs"/>
+              </a:defRPr>
+            </a:lvl4pPr>
+            <a:lvl5pPr marL="1602000" indent="-234000" algn="l" defTabSz="457200" rtl="0" eaLnBrk="1" latinLnBrk="0" hangingPunct="1">
+              <a:spcBef>
+                <a:spcPct val="20000"/>
+              </a:spcBef>
+              <a:spcAft>
+                <a:spcPts val="600"/>
+              </a:spcAft>
+              <a:buClr>
+                <a:schemeClr val="accent2"/>
+              </a:buClr>
+              <a:buSzPct val="92000"/>
+              <a:buFont typeface="Wingdings 2" panose="05020102010507070707" pitchFamily="18" charset="2"/>
+              <a:buChar char=""/>
+              <a:defRPr sz="1200" kern="1200">
+                <a:solidFill>
+                  <a:schemeClr val="tx2"/>
+                </a:solidFill>
+                <a:latin typeface="+mn-lt"/>
+                <a:ea typeface="+mn-ea"/>
+                <a:cs typeface="+mn-cs"/>
+              </a:defRPr>
+            </a:lvl5pPr>
+            <a:lvl6pPr marL="1900000" indent="-228600" algn="l" defTabSz="457200" rtl="0" eaLnBrk="1" latinLnBrk="0" hangingPunct="1">
+              <a:spcBef>
+                <a:spcPct val="20000"/>
+              </a:spcBef>
+              <a:spcAft>
+                <a:spcPts val="600"/>
+              </a:spcAft>
+              <a:buClr>
+                <a:schemeClr val="accent2"/>
+              </a:buClr>
+              <a:buSzPct val="92000"/>
+              <a:buFont typeface="Wingdings 2" panose="05020102010507070707" pitchFamily="18" charset="2"/>
+              <a:buChar char=""/>
+              <a:defRPr sz="1200" kern="1200">
+                <a:solidFill>
+                  <a:schemeClr val="tx2"/>
+                </a:solidFill>
+                <a:latin typeface="+mn-lt"/>
+                <a:ea typeface="+mn-ea"/>
+                <a:cs typeface="+mn-cs"/>
+              </a:defRPr>
+            </a:lvl6pPr>
+            <a:lvl7pPr marL="2200000" indent="-228600" algn="l" defTabSz="457200" rtl="0" eaLnBrk="1" latinLnBrk="0" hangingPunct="1">
+              <a:spcBef>
+                <a:spcPct val="20000"/>
+              </a:spcBef>
+              <a:spcAft>
+                <a:spcPts val="600"/>
+              </a:spcAft>
+              <a:buClr>
+                <a:schemeClr val="accent2"/>
+              </a:buClr>
+              <a:buSzPct val="92000"/>
+              <a:buFont typeface="Wingdings 2" panose="05020102010507070707" pitchFamily="18" charset="2"/>
+              <a:buChar char=""/>
+              <a:defRPr sz="1200" kern="1200">
+                <a:solidFill>
+                  <a:schemeClr val="tx2"/>
+                </a:solidFill>
+                <a:latin typeface="+mn-lt"/>
+                <a:ea typeface="+mn-ea"/>
+                <a:cs typeface="+mn-cs"/>
+              </a:defRPr>
+            </a:lvl7pPr>
+            <a:lvl8pPr marL="2500000" indent="-228600" algn="l" defTabSz="457200" rtl="0" eaLnBrk="1" latinLnBrk="0" hangingPunct="1">
+              <a:spcBef>
+                <a:spcPct val="20000"/>
+              </a:spcBef>
+              <a:spcAft>
+                <a:spcPts val="600"/>
+              </a:spcAft>
+              <a:buClr>
+                <a:schemeClr val="accent2"/>
+              </a:buClr>
+              <a:buSzPct val="92000"/>
+              <a:buFont typeface="Wingdings 2" panose="05020102010507070707" pitchFamily="18" charset="2"/>
+              <a:buChar char=""/>
+              <a:defRPr sz="1200" kern="1200">
+                <a:solidFill>
+                  <a:schemeClr val="tx2"/>
+                </a:solidFill>
+                <a:latin typeface="+mn-lt"/>
+                <a:ea typeface="+mn-ea"/>
+                <a:cs typeface="+mn-cs"/>
+              </a:defRPr>
+            </a:lvl8pPr>
+            <a:lvl9pPr marL="2800000" indent="-228600" algn="l" defTabSz="457200" rtl="0" eaLnBrk="1" latinLnBrk="0" hangingPunct="1">
+              <a:spcBef>
+                <a:spcPct val="20000"/>
+              </a:spcBef>
+              <a:spcAft>
+                <a:spcPts val="600"/>
+              </a:spcAft>
+              <a:buClr>
+                <a:schemeClr val="accent2"/>
+              </a:buClr>
+              <a:buSzPct val="92000"/>
+              <a:buFont typeface="Wingdings 2" panose="05020102010507070707" pitchFamily="18" charset="2"/>
+              <a:buChar char=""/>
+              <a:defRPr sz="1200" kern="1200">
+                <a:solidFill>
+                  <a:schemeClr val="tx2"/>
+                </a:solidFill>
+                <a:latin typeface="+mn-lt"/>
+                <a:ea typeface="+mn-ea"/>
+                <a:cs typeface="+mn-cs"/>
+              </a:defRPr>
+            </a:lvl9pPr>
+          </a:lstStyle>
+          <a:p>
+            <a:pPr marL="0" indent="0">
+              <a:buFont typeface="Wingdings 2" panose="05020102010507070707" pitchFamily="18" charset="2"/>
+              <a:buNone/>
+            </a:pPr>
+            <a:r>
+              <a:rPr lang="nl-NL" sz="2400" dirty="0" smtClean="0"/>
+              <a:t>2.  </a:t>
+            </a:r>
+            <a:r>
+              <a:rPr lang="nl-NL" sz="2400" dirty="0" err="1" smtClean="0"/>
+              <a:t>Lambda</a:t>
+            </a:r>
+            <a:r>
+              <a:rPr lang="nl-NL" sz="2400" dirty="0" smtClean="0"/>
+              <a:t> = 0.5</a:t>
+            </a:r>
+            <a:endParaRPr lang="id-ID" sz="2400" dirty="0"/>
+          </a:p>
+        </p:txBody>
+      </p:sp>
+      <p:sp>
+        <p:nvSpPr>
+          <p:cNvPr id="6" name="Content Placeholder 2"/>
+          <p:cNvSpPr txBox="1">
+            <a:spLocks/>
+          </p:cNvSpPr>
+          <p:nvPr/>
+        </p:nvSpPr>
+        <p:spPr>
+          <a:xfrm>
+            <a:off x="581191" y="4432969"/>
+            <a:ext cx="3305007" cy="827879"/>
+          </a:xfrm>
+          <a:prstGeom prst="rect">
+            <a:avLst/>
+          </a:prstGeom>
+        </p:spPr>
+        <p:txBody>
+          <a:bodyPr vert="horz" lIns="91440" tIns="45720" rIns="91440" bIns="45720" rtlCol="0" anchor="ctr">
+            <a:normAutofit/>
+          </a:bodyPr>
+          <a:lstStyle>
+            <a:lvl1pPr marL="306000" indent="-306000" algn="l" defTabSz="457200" rtl="0" eaLnBrk="1" latinLnBrk="0" hangingPunct="1">
+              <a:spcBef>
+                <a:spcPct val="20000"/>
+              </a:spcBef>
+              <a:spcAft>
+                <a:spcPts val="600"/>
+              </a:spcAft>
+              <a:buClr>
+                <a:schemeClr val="accent2"/>
+              </a:buClr>
+              <a:buSzPct val="92000"/>
+              <a:buFont typeface="Wingdings 2" panose="05020102010507070707" pitchFamily="18" charset="2"/>
+              <a:buChar char=""/>
+              <a:defRPr sz="1800" kern="1200">
+                <a:solidFill>
+                  <a:schemeClr val="tx2"/>
+                </a:solidFill>
+                <a:latin typeface="+mn-lt"/>
+                <a:ea typeface="+mn-ea"/>
+                <a:cs typeface="+mn-cs"/>
+              </a:defRPr>
+            </a:lvl1pPr>
+            <a:lvl2pPr marL="630000" indent="-306000" algn="l" defTabSz="457200" rtl="0" eaLnBrk="1" latinLnBrk="0" hangingPunct="1">
+              <a:spcBef>
+                <a:spcPct val="20000"/>
+              </a:spcBef>
+              <a:spcAft>
+                <a:spcPts val="600"/>
+              </a:spcAft>
+              <a:buClr>
+                <a:schemeClr val="accent2"/>
+              </a:buClr>
+              <a:buSzPct val="92000"/>
+              <a:buFont typeface="Wingdings 2" panose="05020102010507070707" pitchFamily="18" charset="2"/>
+              <a:buChar char=""/>
+              <a:defRPr sz="1600" kern="1200">
+                <a:solidFill>
+                  <a:schemeClr val="tx2"/>
+                </a:solidFill>
+                <a:latin typeface="+mn-lt"/>
+                <a:ea typeface="+mn-ea"/>
+                <a:cs typeface="+mn-cs"/>
+              </a:defRPr>
+            </a:lvl2pPr>
+            <a:lvl3pPr marL="900000" indent="-270000" algn="l" defTabSz="457200" rtl="0" eaLnBrk="1" latinLnBrk="0" hangingPunct="1">
+              <a:spcBef>
+                <a:spcPct val="20000"/>
+              </a:spcBef>
+              <a:spcAft>
+                <a:spcPts val="600"/>
+              </a:spcAft>
+              <a:buClr>
+                <a:schemeClr val="accent2"/>
+              </a:buClr>
+              <a:buSzPct val="92000"/>
+              <a:buFont typeface="Wingdings 2" panose="05020102010507070707" pitchFamily="18" charset="2"/>
+              <a:buChar char=""/>
+              <a:defRPr sz="1400" kern="1200">
+                <a:solidFill>
+                  <a:schemeClr val="tx2"/>
+                </a:solidFill>
+                <a:latin typeface="+mn-lt"/>
+                <a:ea typeface="+mn-ea"/>
+                <a:cs typeface="+mn-cs"/>
+              </a:defRPr>
+            </a:lvl3pPr>
+            <a:lvl4pPr marL="1242000" indent="-234000" algn="l" defTabSz="457200" rtl="0" eaLnBrk="1" latinLnBrk="0" hangingPunct="1">
+              <a:spcBef>
+                <a:spcPct val="20000"/>
+              </a:spcBef>
+              <a:spcAft>
+                <a:spcPts val="600"/>
+              </a:spcAft>
+              <a:buClr>
+                <a:schemeClr val="accent2"/>
+              </a:buClr>
+              <a:buSzPct val="92000"/>
+              <a:buFont typeface="Wingdings 2" panose="05020102010507070707" pitchFamily="18" charset="2"/>
+              <a:buChar char=""/>
+              <a:defRPr sz="1200" kern="1200">
+                <a:solidFill>
+                  <a:schemeClr val="tx2"/>
+                </a:solidFill>
+                <a:latin typeface="+mn-lt"/>
+                <a:ea typeface="+mn-ea"/>
+                <a:cs typeface="+mn-cs"/>
+              </a:defRPr>
+            </a:lvl4pPr>
+            <a:lvl5pPr marL="1602000" indent="-234000" algn="l" defTabSz="457200" rtl="0" eaLnBrk="1" latinLnBrk="0" hangingPunct="1">
+              <a:spcBef>
+                <a:spcPct val="20000"/>
+              </a:spcBef>
+              <a:spcAft>
+                <a:spcPts val="600"/>
+              </a:spcAft>
+              <a:buClr>
+                <a:schemeClr val="accent2"/>
+              </a:buClr>
+              <a:buSzPct val="92000"/>
+              <a:buFont typeface="Wingdings 2" panose="05020102010507070707" pitchFamily="18" charset="2"/>
+              <a:buChar char=""/>
+              <a:defRPr sz="1200" kern="1200">
+                <a:solidFill>
+                  <a:schemeClr val="tx2"/>
+                </a:solidFill>
+                <a:latin typeface="+mn-lt"/>
+                <a:ea typeface="+mn-ea"/>
+                <a:cs typeface="+mn-cs"/>
+              </a:defRPr>
+            </a:lvl5pPr>
+            <a:lvl6pPr marL="1900000" indent="-228600" algn="l" defTabSz="457200" rtl="0" eaLnBrk="1" latinLnBrk="0" hangingPunct="1">
+              <a:spcBef>
+                <a:spcPct val="20000"/>
+              </a:spcBef>
+              <a:spcAft>
+                <a:spcPts val="600"/>
+              </a:spcAft>
+              <a:buClr>
+                <a:schemeClr val="accent2"/>
+              </a:buClr>
+              <a:buSzPct val="92000"/>
+              <a:buFont typeface="Wingdings 2" panose="05020102010507070707" pitchFamily="18" charset="2"/>
+              <a:buChar char=""/>
+              <a:defRPr sz="1200" kern="1200">
+                <a:solidFill>
+                  <a:schemeClr val="tx2"/>
+                </a:solidFill>
+                <a:latin typeface="+mn-lt"/>
+                <a:ea typeface="+mn-ea"/>
+                <a:cs typeface="+mn-cs"/>
+              </a:defRPr>
+            </a:lvl6pPr>
+            <a:lvl7pPr marL="2200000" indent="-228600" algn="l" defTabSz="457200" rtl="0" eaLnBrk="1" latinLnBrk="0" hangingPunct="1">
+              <a:spcBef>
+                <a:spcPct val="20000"/>
+              </a:spcBef>
+              <a:spcAft>
+                <a:spcPts val="600"/>
+              </a:spcAft>
+              <a:buClr>
+                <a:schemeClr val="accent2"/>
+              </a:buClr>
+              <a:buSzPct val="92000"/>
+              <a:buFont typeface="Wingdings 2" panose="05020102010507070707" pitchFamily="18" charset="2"/>
+              <a:buChar char=""/>
+              <a:defRPr sz="1200" kern="1200">
+                <a:solidFill>
+                  <a:schemeClr val="tx2"/>
+                </a:solidFill>
+                <a:latin typeface="+mn-lt"/>
+                <a:ea typeface="+mn-ea"/>
+                <a:cs typeface="+mn-cs"/>
+              </a:defRPr>
+            </a:lvl7pPr>
+            <a:lvl8pPr marL="2500000" indent="-228600" algn="l" defTabSz="457200" rtl="0" eaLnBrk="1" latinLnBrk="0" hangingPunct="1">
+              <a:spcBef>
+                <a:spcPct val="20000"/>
+              </a:spcBef>
+              <a:spcAft>
+                <a:spcPts val="600"/>
+              </a:spcAft>
+              <a:buClr>
+                <a:schemeClr val="accent2"/>
+              </a:buClr>
+              <a:buSzPct val="92000"/>
+              <a:buFont typeface="Wingdings 2" panose="05020102010507070707" pitchFamily="18" charset="2"/>
+              <a:buChar char=""/>
+              <a:defRPr sz="1200" kern="1200">
+                <a:solidFill>
+                  <a:schemeClr val="tx2"/>
+                </a:solidFill>
+                <a:latin typeface="+mn-lt"/>
+                <a:ea typeface="+mn-ea"/>
+                <a:cs typeface="+mn-cs"/>
+              </a:defRPr>
+            </a:lvl8pPr>
+            <a:lvl9pPr marL="2800000" indent="-228600" algn="l" defTabSz="457200" rtl="0" eaLnBrk="1" latinLnBrk="0" hangingPunct="1">
+              <a:spcBef>
+                <a:spcPct val="20000"/>
+              </a:spcBef>
+              <a:spcAft>
+                <a:spcPts val="600"/>
+              </a:spcAft>
+              <a:buClr>
+                <a:schemeClr val="accent2"/>
+              </a:buClr>
+              <a:buSzPct val="92000"/>
+              <a:buFont typeface="Wingdings 2" panose="05020102010507070707" pitchFamily="18" charset="2"/>
+              <a:buChar char=""/>
+              <a:defRPr sz="1200" kern="1200">
+                <a:solidFill>
+                  <a:schemeClr val="tx2"/>
+                </a:solidFill>
+                <a:latin typeface="+mn-lt"/>
+                <a:ea typeface="+mn-ea"/>
+                <a:cs typeface="+mn-cs"/>
+              </a:defRPr>
+            </a:lvl9pPr>
+          </a:lstStyle>
+          <a:p>
+            <a:pPr marL="0" indent="0">
+              <a:buFont typeface="Wingdings 2" panose="05020102010507070707" pitchFamily="18" charset="2"/>
+              <a:buNone/>
+            </a:pPr>
+            <a:r>
+              <a:rPr lang="nl-NL" sz="2400" dirty="0"/>
+              <a:t>3</a:t>
+            </a:r>
+            <a:r>
+              <a:rPr lang="nl-NL" sz="2400" dirty="0" smtClean="0"/>
+              <a:t>.  </a:t>
+            </a:r>
+            <a:r>
+              <a:rPr lang="nl-NL" sz="2400" dirty="0" err="1" smtClean="0"/>
+              <a:t>Lambda</a:t>
+            </a:r>
+            <a:r>
+              <a:rPr lang="nl-NL" sz="2400" dirty="0" smtClean="0"/>
+              <a:t> = 0.8</a:t>
+            </a:r>
+            <a:endParaRPr lang="id-ID" sz="2400" dirty="0"/>
+          </a:p>
+        </p:txBody>
+      </p:sp>
+      <p:sp>
+        <p:nvSpPr>
+          <p:cNvPr id="7" name="Content Placeholder 2"/>
+          <p:cNvSpPr txBox="1">
+            <a:spLocks/>
+          </p:cNvSpPr>
+          <p:nvPr/>
+        </p:nvSpPr>
+        <p:spPr>
+          <a:xfrm>
+            <a:off x="3886198" y="2180497"/>
+            <a:ext cx="3305007" cy="827879"/>
+          </a:xfrm>
+          <a:prstGeom prst="rect">
+            <a:avLst/>
+          </a:prstGeom>
+        </p:spPr>
+        <p:txBody>
+          <a:bodyPr vert="horz" lIns="91440" tIns="45720" rIns="91440" bIns="45720" rtlCol="0" anchor="ctr">
+            <a:normAutofit/>
+          </a:bodyPr>
+          <a:lstStyle>
+            <a:lvl1pPr marL="306000" indent="-306000" algn="l" defTabSz="457200" rtl="0" eaLnBrk="1" latinLnBrk="0" hangingPunct="1">
+              <a:spcBef>
+                <a:spcPct val="20000"/>
+              </a:spcBef>
+              <a:spcAft>
+                <a:spcPts val="600"/>
+              </a:spcAft>
+              <a:buClr>
+                <a:schemeClr val="accent2"/>
+              </a:buClr>
+              <a:buSzPct val="92000"/>
+              <a:buFont typeface="Wingdings 2" panose="05020102010507070707" pitchFamily="18" charset="2"/>
+              <a:buChar char=""/>
+              <a:defRPr sz="1800" kern="1200">
+                <a:solidFill>
+                  <a:schemeClr val="tx2"/>
+                </a:solidFill>
+                <a:latin typeface="+mn-lt"/>
+                <a:ea typeface="+mn-ea"/>
+                <a:cs typeface="+mn-cs"/>
+              </a:defRPr>
+            </a:lvl1pPr>
+            <a:lvl2pPr marL="630000" indent="-306000" algn="l" defTabSz="457200" rtl="0" eaLnBrk="1" latinLnBrk="0" hangingPunct="1">
+              <a:spcBef>
+                <a:spcPct val="20000"/>
+              </a:spcBef>
+              <a:spcAft>
+                <a:spcPts val="600"/>
+              </a:spcAft>
+              <a:buClr>
+                <a:schemeClr val="accent2"/>
+              </a:buClr>
+              <a:buSzPct val="92000"/>
+              <a:buFont typeface="Wingdings 2" panose="05020102010507070707" pitchFamily="18" charset="2"/>
+              <a:buChar char=""/>
+              <a:defRPr sz="1600" kern="1200">
+                <a:solidFill>
+                  <a:schemeClr val="tx2"/>
+                </a:solidFill>
+                <a:latin typeface="+mn-lt"/>
+                <a:ea typeface="+mn-ea"/>
+                <a:cs typeface="+mn-cs"/>
+              </a:defRPr>
+            </a:lvl2pPr>
+            <a:lvl3pPr marL="900000" indent="-270000" algn="l" defTabSz="457200" rtl="0" eaLnBrk="1" latinLnBrk="0" hangingPunct="1">
+              <a:spcBef>
+                <a:spcPct val="20000"/>
+              </a:spcBef>
+              <a:spcAft>
+                <a:spcPts val="600"/>
+              </a:spcAft>
+              <a:buClr>
+                <a:schemeClr val="accent2"/>
+              </a:buClr>
+              <a:buSzPct val="92000"/>
+              <a:buFont typeface="Wingdings 2" panose="05020102010507070707" pitchFamily="18" charset="2"/>
+              <a:buChar char=""/>
+              <a:defRPr sz="1400" kern="1200">
+                <a:solidFill>
+                  <a:schemeClr val="tx2"/>
+                </a:solidFill>
+                <a:latin typeface="+mn-lt"/>
+                <a:ea typeface="+mn-ea"/>
+                <a:cs typeface="+mn-cs"/>
+              </a:defRPr>
+            </a:lvl3pPr>
+            <a:lvl4pPr marL="1242000" indent="-234000" algn="l" defTabSz="457200" rtl="0" eaLnBrk="1" latinLnBrk="0" hangingPunct="1">
+              <a:spcBef>
+                <a:spcPct val="20000"/>
+              </a:spcBef>
+              <a:spcAft>
+                <a:spcPts val="600"/>
+              </a:spcAft>
+              <a:buClr>
+                <a:schemeClr val="accent2"/>
+              </a:buClr>
+              <a:buSzPct val="92000"/>
+              <a:buFont typeface="Wingdings 2" panose="05020102010507070707" pitchFamily="18" charset="2"/>
+              <a:buChar char=""/>
+              <a:defRPr sz="1200" kern="1200">
+                <a:solidFill>
+                  <a:schemeClr val="tx2"/>
+                </a:solidFill>
+                <a:latin typeface="+mn-lt"/>
+                <a:ea typeface="+mn-ea"/>
+                <a:cs typeface="+mn-cs"/>
+              </a:defRPr>
+            </a:lvl4pPr>
+            <a:lvl5pPr marL="1602000" indent="-234000" algn="l" defTabSz="457200" rtl="0" eaLnBrk="1" latinLnBrk="0" hangingPunct="1">
+              <a:spcBef>
+                <a:spcPct val="20000"/>
+              </a:spcBef>
+              <a:spcAft>
+                <a:spcPts val="600"/>
+              </a:spcAft>
+              <a:buClr>
+                <a:schemeClr val="accent2"/>
+              </a:buClr>
+              <a:buSzPct val="92000"/>
+              <a:buFont typeface="Wingdings 2" panose="05020102010507070707" pitchFamily="18" charset="2"/>
+              <a:buChar char=""/>
+              <a:defRPr sz="1200" kern="1200">
+                <a:solidFill>
+                  <a:schemeClr val="tx2"/>
+                </a:solidFill>
+                <a:latin typeface="+mn-lt"/>
+                <a:ea typeface="+mn-ea"/>
+                <a:cs typeface="+mn-cs"/>
+              </a:defRPr>
+            </a:lvl5pPr>
+            <a:lvl6pPr marL="1900000" indent="-228600" algn="l" defTabSz="457200" rtl="0" eaLnBrk="1" latinLnBrk="0" hangingPunct="1">
+              <a:spcBef>
+                <a:spcPct val="20000"/>
+              </a:spcBef>
+              <a:spcAft>
+                <a:spcPts val="600"/>
+              </a:spcAft>
+              <a:buClr>
+                <a:schemeClr val="accent2"/>
+              </a:buClr>
+              <a:buSzPct val="92000"/>
+              <a:buFont typeface="Wingdings 2" panose="05020102010507070707" pitchFamily="18" charset="2"/>
+              <a:buChar char=""/>
+              <a:defRPr sz="1200" kern="1200">
+                <a:solidFill>
+                  <a:schemeClr val="tx2"/>
+                </a:solidFill>
+                <a:latin typeface="+mn-lt"/>
+                <a:ea typeface="+mn-ea"/>
+                <a:cs typeface="+mn-cs"/>
+              </a:defRPr>
+            </a:lvl6pPr>
+            <a:lvl7pPr marL="2200000" indent="-228600" algn="l" defTabSz="457200" rtl="0" eaLnBrk="1" latinLnBrk="0" hangingPunct="1">
+              <a:spcBef>
+                <a:spcPct val="20000"/>
+              </a:spcBef>
+              <a:spcAft>
+                <a:spcPts val="600"/>
+              </a:spcAft>
+              <a:buClr>
+                <a:schemeClr val="accent2"/>
+              </a:buClr>
+              <a:buSzPct val="92000"/>
+              <a:buFont typeface="Wingdings 2" panose="05020102010507070707" pitchFamily="18" charset="2"/>
+              <a:buChar char=""/>
+              <a:defRPr sz="1200" kern="1200">
+                <a:solidFill>
+                  <a:schemeClr val="tx2"/>
+                </a:solidFill>
+                <a:latin typeface="+mn-lt"/>
+                <a:ea typeface="+mn-ea"/>
+                <a:cs typeface="+mn-cs"/>
+              </a:defRPr>
+            </a:lvl7pPr>
+            <a:lvl8pPr marL="2500000" indent="-228600" algn="l" defTabSz="457200" rtl="0" eaLnBrk="1" latinLnBrk="0" hangingPunct="1">
+              <a:spcBef>
+                <a:spcPct val="20000"/>
+              </a:spcBef>
+              <a:spcAft>
+                <a:spcPts val="600"/>
+              </a:spcAft>
+              <a:buClr>
+                <a:schemeClr val="accent2"/>
+              </a:buClr>
+              <a:buSzPct val="92000"/>
+              <a:buFont typeface="Wingdings 2" panose="05020102010507070707" pitchFamily="18" charset="2"/>
+              <a:buChar char=""/>
+              <a:defRPr sz="1200" kern="1200">
+                <a:solidFill>
+                  <a:schemeClr val="tx2"/>
+                </a:solidFill>
+                <a:latin typeface="+mn-lt"/>
+                <a:ea typeface="+mn-ea"/>
+                <a:cs typeface="+mn-cs"/>
+              </a:defRPr>
+            </a:lvl8pPr>
+            <a:lvl9pPr marL="2800000" indent="-228600" algn="l" defTabSz="457200" rtl="0" eaLnBrk="1" latinLnBrk="0" hangingPunct="1">
+              <a:spcBef>
+                <a:spcPct val="20000"/>
+              </a:spcBef>
+              <a:spcAft>
+                <a:spcPts val="600"/>
+              </a:spcAft>
+              <a:buClr>
+                <a:schemeClr val="accent2"/>
+              </a:buClr>
+              <a:buSzPct val="92000"/>
+              <a:buFont typeface="Wingdings 2" panose="05020102010507070707" pitchFamily="18" charset="2"/>
+              <a:buChar char=""/>
+              <a:defRPr sz="1200" kern="1200">
+                <a:solidFill>
+                  <a:schemeClr val="tx2"/>
+                </a:solidFill>
+                <a:latin typeface="+mn-lt"/>
+                <a:ea typeface="+mn-ea"/>
+                <a:cs typeface="+mn-cs"/>
+              </a:defRPr>
+            </a:lvl9pPr>
+          </a:lstStyle>
+          <a:p>
+            <a:pPr marL="0" indent="0">
+              <a:buFont typeface="Wingdings 2" panose="05020102010507070707" pitchFamily="18" charset="2"/>
+              <a:buNone/>
+            </a:pPr>
+            <a:r>
+              <a:rPr lang="nl-NL" sz="2400" dirty="0" smtClean="0"/>
+              <a:t>Three plots:..</a:t>
+            </a:r>
+            <a:endParaRPr lang="id-ID" sz="2400" dirty="0"/>
+          </a:p>
+        </p:txBody>
+      </p:sp>
+      <p:sp>
+        <p:nvSpPr>
+          <p:cNvPr id="8" name="Content Placeholder 2"/>
+          <p:cNvSpPr txBox="1">
+            <a:spLocks/>
+          </p:cNvSpPr>
+          <p:nvPr/>
+        </p:nvSpPr>
+        <p:spPr>
+          <a:xfrm>
+            <a:off x="3886197" y="3275903"/>
+            <a:ext cx="3305007" cy="827879"/>
+          </a:xfrm>
+          <a:prstGeom prst="rect">
+            <a:avLst/>
+          </a:prstGeom>
+        </p:spPr>
+        <p:txBody>
+          <a:bodyPr vert="horz" lIns="91440" tIns="45720" rIns="91440" bIns="45720" rtlCol="0" anchor="ctr">
+            <a:normAutofit/>
+          </a:bodyPr>
+          <a:lstStyle>
+            <a:lvl1pPr marL="306000" indent="-306000" algn="l" defTabSz="457200" rtl="0" eaLnBrk="1" latinLnBrk="0" hangingPunct="1">
+              <a:spcBef>
+                <a:spcPct val="20000"/>
+              </a:spcBef>
+              <a:spcAft>
+                <a:spcPts val="600"/>
+              </a:spcAft>
+              <a:buClr>
+                <a:schemeClr val="accent2"/>
+              </a:buClr>
+              <a:buSzPct val="92000"/>
+              <a:buFont typeface="Wingdings 2" panose="05020102010507070707" pitchFamily="18" charset="2"/>
+              <a:buChar char=""/>
+              <a:defRPr sz="1800" kern="1200">
+                <a:solidFill>
+                  <a:schemeClr val="tx2"/>
+                </a:solidFill>
+                <a:latin typeface="+mn-lt"/>
+                <a:ea typeface="+mn-ea"/>
+                <a:cs typeface="+mn-cs"/>
+              </a:defRPr>
+            </a:lvl1pPr>
+            <a:lvl2pPr marL="630000" indent="-306000" algn="l" defTabSz="457200" rtl="0" eaLnBrk="1" latinLnBrk="0" hangingPunct="1">
+              <a:spcBef>
+                <a:spcPct val="20000"/>
+              </a:spcBef>
+              <a:spcAft>
+                <a:spcPts val="600"/>
+              </a:spcAft>
+              <a:buClr>
+                <a:schemeClr val="accent2"/>
+              </a:buClr>
+              <a:buSzPct val="92000"/>
+              <a:buFont typeface="Wingdings 2" panose="05020102010507070707" pitchFamily="18" charset="2"/>
+              <a:buChar char=""/>
+              <a:defRPr sz="1600" kern="1200">
+                <a:solidFill>
+                  <a:schemeClr val="tx2"/>
+                </a:solidFill>
+                <a:latin typeface="+mn-lt"/>
+                <a:ea typeface="+mn-ea"/>
+                <a:cs typeface="+mn-cs"/>
+              </a:defRPr>
+            </a:lvl2pPr>
+            <a:lvl3pPr marL="900000" indent="-270000" algn="l" defTabSz="457200" rtl="0" eaLnBrk="1" latinLnBrk="0" hangingPunct="1">
+              <a:spcBef>
+                <a:spcPct val="20000"/>
+              </a:spcBef>
+              <a:spcAft>
+                <a:spcPts val="600"/>
+              </a:spcAft>
+              <a:buClr>
+                <a:schemeClr val="accent2"/>
+              </a:buClr>
+              <a:buSzPct val="92000"/>
+              <a:buFont typeface="Wingdings 2" panose="05020102010507070707" pitchFamily="18" charset="2"/>
+              <a:buChar char=""/>
+              <a:defRPr sz="1400" kern="1200">
+                <a:solidFill>
+                  <a:schemeClr val="tx2"/>
+                </a:solidFill>
+                <a:latin typeface="+mn-lt"/>
+                <a:ea typeface="+mn-ea"/>
+                <a:cs typeface="+mn-cs"/>
+              </a:defRPr>
+            </a:lvl3pPr>
+            <a:lvl4pPr marL="1242000" indent="-234000" algn="l" defTabSz="457200" rtl="0" eaLnBrk="1" latinLnBrk="0" hangingPunct="1">
+              <a:spcBef>
+                <a:spcPct val="20000"/>
+              </a:spcBef>
+              <a:spcAft>
+                <a:spcPts val="600"/>
+              </a:spcAft>
+              <a:buClr>
+                <a:schemeClr val="accent2"/>
+              </a:buClr>
+              <a:buSzPct val="92000"/>
+              <a:buFont typeface="Wingdings 2" panose="05020102010507070707" pitchFamily="18" charset="2"/>
+              <a:buChar char=""/>
+              <a:defRPr sz="1200" kern="1200">
+                <a:solidFill>
+                  <a:schemeClr val="tx2"/>
+                </a:solidFill>
+                <a:latin typeface="+mn-lt"/>
+                <a:ea typeface="+mn-ea"/>
+                <a:cs typeface="+mn-cs"/>
+              </a:defRPr>
+            </a:lvl4pPr>
+            <a:lvl5pPr marL="1602000" indent="-234000" algn="l" defTabSz="457200" rtl="0" eaLnBrk="1" latinLnBrk="0" hangingPunct="1">
+              <a:spcBef>
+                <a:spcPct val="20000"/>
+              </a:spcBef>
+              <a:spcAft>
+                <a:spcPts val="600"/>
+              </a:spcAft>
+              <a:buClr>
+                <a:schemeClr val="accent2"/>
+              </a:buClr>
+              <a:buSzPct val="92000"/>
+              <a:buFont typeface="Wingdings 2" panose="05020102010507070707" pitchFamily="18" charset="2"/>
+              <a:buChar char=""/>
+              <a:defRPr sz="1200" kern="1200">
+                <a:solidFill>
+                  <a:schemeClr val="tx2"/>
+                </a:solidFill>
+                <a:latin typeface="+mn-lt"/>
+                <a:ea typeface="+mn-ea"/>
+                <a:cs typeface="+mn-cs"/>
+              </a:defRPr>
+            </a:lvl5pPr>
+            <a:lvl6pPr marL="1900000" indent="-228600" algn="l" defTabSz="457200" rtl="0" eaLnBrk="1" latinLnBrk="0" hangingPunct="1">
+              <a:spcBef>
+                <a:spcPct val="20000"/>
+              </a:spcBef>
+              <a:spcAft>
+                <a:spcPts val="600"/>
+              </a:spcAft>
+              <a:buClr>
+                <a:schemeClr val="accent2"/>
+              </a:buClr>
+              <a:buSzPct val="92000"/>
+              <a:buFont typeface="Wingdings 2" panose="05020102010507070707" pitchFamily="18" charset="2"/>
+              <a:buChar char=""/>
+              <a:defRPr sz="1200" kern="1200">
+                <a:solidFill>
+                  <a:schemeClr val="tx2"/>
+                </a:solidFill>
+                <a:latin typeface="+mn-lt"/>
+                <a:ea typeface="+mn-ea"/>
+                <a:cs typeface="+mn-cs"/>
+              </a:defRPr>
+            </a:lvl6pPr>
+            <a:lvl7pPr marL="2200000" indent="-228600" algn="l" defTabSz="457200" rtl="0" eaLnBrk="1" latinLnBrk="0" hangingPunct="1">
+              <a:spcBef>
+                <a:spcPct val="20000"/>
+              </a:spcBef>
+              <a:spcAft>
+                <a:spcPts val="600"/>
+              </a:spcAft>
+              <a:buClr>
+                <a:schemeClr val="accent2"/>
+              </a:buClr>
+              <a:buSzPct val="92000"/>
+              <a:buFont typeface="Wingdings 2" panose="05020102010507070707" pitchFamily="18" charset="2"/>
+              <a:buChar char=""/>
+              <a:defRPr sz="1200" kern="1200">
+                <a:solidFill>
+                  <a:schemeClr val="tx2"/>
+                </a:solidFill>
+                <a:latin typeface="+mn-lt"/>
+                <a:ea typeface="+mn-ea"/>
+                <a:cs typeface="+mn-cs"/>
+              </a:defRPr>
+            </a:lvl7pPr>
+            <a:lvl8pPr marL="2500000" indent="-228600" algn="l" defTabSz="457200" rtl="0" eaLnBrk="1" latinLnBrk="0" hangingPunct="1">
+              <a:spcBef>
+                <a:spcPct val="20000"/>
+              </a:spcBef>
+              <a:spcAft>
+                <a:spcPts val="600"/>
+              </a:spcAft>
+              <a:buClr>
+                <a:schemeClr val="accent2"/>
+              </a:buClr>
+              <a:buSzPct val="92000"/>
+              <a:buFont typeface="Wingdings 2" panose="05020102010507070707" pitchFamily="18" charset="2"/>
+              <a:buChar char=""/>
+              <a:defRPr sz="1200" kern="1200">
+                <a:solidFill>
+                  <a:schemeClr val="tx2"/>
+                </a:solidFill>
+                <a:latin typeface="+mn-lt"/>
+                <a:ea typeface="+mn-ea"/>
+                <a:cs typeface="+mn-cs"/>
+              </a:defRPr>
+            </a:lvl8pPr>
+            <a:lvl9pPr marL="2800000" indent="-228600" algn="l" defTabSz="457200" rtl="0" eaLnBrk="1" latinLnBrk="0" hangingPunct="1">
+              <a:spcBef>
+                <a:spcPct val="20000"/>
+              </a:spcBef>
+              <a:spcAft>
+                <a:spcPts val="600"/>
+              </a:spcAft>
+              <a:buClr>
+                <a:schemeClr val="accent2"/>
+              </a:buClr>
+              <a:buSzPct val="92000"/>
+              <a:buFont typeface="Wingdings 2" panose="05020102010507070707" pitchFamily="18" charset="2"/>
+              <a:buChar char=""/>
+              <a:defRPr sz="1200" kern="1200">
+                <a:solidFill>
+                  <a:schemeClr val="tx2"/>
+                </a:solidFill>
+                <a:latin typeface="+mn-lt"/>
+                <a:ea typeface="+mn-ea"/>
+                <a:cs typeface="+mn-cs"/>
+              </a:defRPr>
+            </a:lvl9pPr>
+          </a:lstStyle>
+          <a:p>
+            <a:pPr marL="0" indent="0">
+              <a:buFont typeface="Wingdings 2" panose="05020102010507070707" pitchFamily="18" charset="2"/>
+              <a:buNone/>
+            </a:pPr>
+            <a:r>
+              <a:rPr lang="nl-NL" sz="2400" dirty="0" smtClean="0"/>
+              <a:t>Three plots:…</a:t>
+            </a:r>
+            <a:endParaRPr lang="id-ID" sz="2400" dirty="0"/>
+          </a:p>
+        </p:txBody>
+      </p:sp>
+      <p:sp>
+        <p:nvSpPr>
+          <p:cNvPr id="9" name="Content Placeholder 2"/>
+          <p:cNvSpPr txBox="1">
+            <a:spLocks/>
+          </p:cNvSpPr>
+          <p:nvPr/>
+        </p:nvSpPr>
+        <p:spPr>
+          <a:xfrm>
+            <a:off x="3886197" y="4432968"/>
+            <a:ext cx="3305007" cy="827879"/>
+          </a:xfrm>
+          <a:prstGeom prst="rect">
+            <a:avLst/>
+          </a:prstGeom>
+        </p:spPr>
+        <p:txBody>
+          <a:bodyPr vert="horz" lIns="91440" tIns="45720" rIns="91440" bIns="45720" rtlCol="0" anchor="ctr">
+            <a:normAutofit/>
+          </a:bodyPr>
+          <a:lstStyle>
+            <a:lvl1pPr marL="306000" indent="-306000" algn="l" defTabSz="457200" rtl="0" eaLnBrk="1" latinLnBrk="0" hangingPunct="1">
+              <a:spcBef>
+                <a:spcPct val="20000"/>
+              </a:spcBef>
+              <a:spcAft>
+                <a:spcPts val="600"/>
+              </a:spcAft>
+              <a:buClr>
+                <a:schemeClr val="accent2"/>
+              </a:buClr>
+              <a:buSzPct val="92000"/>
+              <a:buFont typeface="Wingdings 2" panose="05020102010507070707" pitchFamily="18" charset="2"/>
+              <a:buChar char=""/>
+              <a:defRPr sz="1800" kern="1200">
+                <a:solidFill>
+                  <a:schemeClr val="tx2"/>
+                </a:solidFill>
+                <a:latin typeface="+mn-lt"/>
+                <a:ea typeface="+mn-ea"/>
+                <a:cs typeface="+mn-cs"/>
+              </a:defRPr>
+            </a:lvl1pPr>
+            <a:lvl2pPr marL="630000" indent="-306000" algn="l" defTabSz="457200" rtl="0" eaLnBrk="1" latinLnBrk="0" hangingPunct="1">
+              <a:spcBef>
+                <a:spcPct val="20000"/>
+              </a:spcBef>
+              <a:spcAft>
+                <a:spcPts val="600"/>
+              </a:spcAft>
+              <a:buClr>
+                <a:schemeClr val="accent2"/>
+              </a:buClr>
+              <a:buSzPct val="92000"/>
+              <a:buFont typeface="Wingdings 2" panose="05020102010507070707" pitchFamily="18" charset="2"/>
+              <a:buChar char=""/>
+              <a:defRPr sz="1600" kern="1200">
+                <a:solidFill>
+                  <a:schemeClr val="tx2"/>
+                </a:solidFill>
+                <a:latin typeface="+mn-lt"/>
+                <a:ea typeface="+mn-ea"/>
+                <a:cs typeface="+mn-cs"/>
+              </a:defRPr>
+            </a:lvl2pPr>
+            <a:lvl3pPr marL="900000" indent="-270000" algn="l" defTabSz="457200" rtl="0" eaLnBrk="1" latinLnBrk="0" hangingPunct="1">
+              <a:spcBef>
+                <a:spcPct val="20000"/>
+              </a:spcBef>
+              <a:spcAft>
+                <a:spcPts val="600"/>
+              </a:spcAft>
+              <a:buClr>
+                <a:schemeClr val="accent2"/>
+              </a:buClr>
+              <a:buSzPct val="92000"/>
+              <a:buFont typeface="Wingdings 2" panose="05020102010507070707" pitchFamily="18" charset="2"/>
+              <a:buChar char=""/>
+              <a:defRPr sz="1400" kern="1200">
+                <a:solidFill>
+                  <a:schemeClr val="tx2"/>
+                </a:solidFill>
+                <a:latin typeface="+mn-lt"/>
+                <a:ea typeface="+mn-ea"/>
+                <a:cs typeface="+mn-cs"/>
+              </a:defRPr>
+            </a:lvl3pPr>
+            <a:lvl4pPr marL="1242000" indent="-234000" algn="l" defTabSz="457200" rtl="0" eaLnBrk="1" latinLnBrk="0" hangingPunct="1">
+              <a:spcBef>
+                <a:spcPct val="20000"/>
+              </a:spcBef>
+              <a:spcAft>
+                <a:spcPts val="600"/>
+              </a:spcAft>
+              <a:buClr>
+                <a:schemeClr val="accent2"/>
+              </a:buClr>
+              <a:buSzPct val="92000"/>
+              <a:buFont typeface="Wingdings 2" panose="05020102010507070707" pitchFamily="18" charset="2"/>
+              <a:buChar char=""/>
+              <a:defRPr sz="1200" kern="1200">
+                <a:solidFill>
+                  <a:schemeClr val="tx2"/>
+                </a:solidFill>
+                <a:latin typeface="+mn-lt"/>
+                <a:ea typeface="+mn-ea"/>
+                <a:cs typeface="+mn-cs"/>
+              </a:defRPr>
+            </a:lvl4pPr>
+            <a:lvl5pPr marL="1602000" indent="-234000" algn="l" defTabSz="457200" rtl="0" eaLnBrk="1" latinLnBrk="0" hangingPunct="1">
+              <a:spcBef>
+                <a:spcPct val="20000"/>
+              </a:spcBef>
+              <a:spcAft>
+                <a:spcPts val="600"/>
+              </a:spcAft>
+              <a:buClr>
+                <a:schemeClr val="accent2"/>
+              </a:buClr>
+              <a:buSzPct val="92000"/>
+              <a:buFont typeface="Wingdings 2" panose="05020102010507070707" pitchFamily="18" charset="2"/>
+              <a:buChar char=""/>
+              <a:defRPr sz="1200" kern="1200">
+                <a:solidFill>
+                  <a:schemeClr val="tx2"/>
+                </a:solidFill>
+                <a:latin typeface="+mn-lt"/>
+                <a:ea typeface="+mn-ea"/>
+                <a:cs typeface="+mn-cs"/>
+              </a:defRPr>
+            </a:lvl5pPr>
+            <a:lvl6pPr marL="1900000" indent="-228600" algn="l" defTabSz="457200" rtl="0" eaLnBrk="1" latinLnBrk="0" hangingPunct="1">
+              <a:spcBef>
+                <a:spcPct val="20000"/>
+              </a:spcBef>
+              <a:spcAft>
+                <a:spcPts val="600"/>
+              </a:spcAft>
+              <a:buClr>
+                <a:schemeClr val="accent2"/>
+              </a:buClr>
+              <a:buSzPct val="92000"/>
+              <a:buFont typeface="Wingdings 2" panose="05020102010507070707" pitchFamily="18" charset="2"/>
+              <a:buChar char=""/>
+              <a:defRPr sz="1200" kern="1200">
+                <a:solidFill>
+                  <a:schemeClr val="tx2"/>
+                </a:solidFill>
+                <a:latin typeface="+mn-lt"/>
+                <a:ea typeface="+mn-ea"/>
+                <a:cs typeface="+mn-cs"/>
+              </a:defRPr>
+            </a:lvl6pPr>
+            <a:lvl7pPr marL="2200000" indent="-228600" algn="l" defTabSz="457200" rtl="0" eaLnBrk="1" latinLnBrk="0" hangingPunct="1">
+              <a:spcBef>
+                <a:spcPct val="20000"/>
+              </a:spcBef>
+              <a:spcAft>
+                <a:spcPts val="600"/>
+              </a:spcAft>
+              <a:buClr>
+                <a:schemeClr val="accent2"/>
+              </a:buClr>
+              <a:buSzPct val="92000"/>
+              <a:buFont typeface="Wingdings 2" panose="05020102010507070707" pitchFamily="18" charset="2"/>
+              <a:buChar char=""/>
+              <a:defRPr sz="1200" kern="1200">
+                <a:solidFill>
+                  <a:schemeClr val="tx2"/>
+                </a:solidFill>
+                <a:latin typeface="+mn-lt"/>
+                <a:ea typeface="+mn-ea"/>
+                <a:cs typeface="+mn-cs"/>
+              </a:defRPr>
+            </a:lvl7pPr>
+            <a:lvl8pPr marL="2500000" indent="-228600" algn="l" defTabSz="457200" rtl="0" eaLnBrk="1" latinLnBrk="0" hangingPunct="1">
+              <a:spcBef>
+                <a:spcPct val="20000"/>
+              </a:spcBef>
+              <a:spcAft>
+                <a:spcPts val="600"/>
+              </a:spcAft>
+              <a:buClr>
+                <a:schemeClr val="accent2"/>
+              </a:buClr>
+              <a:buSzPct val="92000"/>
+              <a:buFont typeface="Wingdings 2" panose="05020102010507070707" pitchFamily="18" charset="2"/>
+              <a:buChar char=""/>
+              <a:defRPr sz="1200" kern="1200">
+                <a:solidFill>
+                  <a:schemeClr val="tx2"/>
+                </a:solidFill>
+                <a:latin typeface="+mn-lt"/>
+                <a:ea typeface="+mn-ea"/>
+                <a:cs typeface="+mn-cs"/>
+              </a:defRPr>
+            </a:lvl8pPr>
+            <a:lvl9pPr marL="2800000" indent="-228600" algn="l" defTabSz="457200" rtl="0" eaLnBrk="1" latinLnBrk="0" hangingPunct="1">
+              <a:spcBef>
+                <a:spcPct val="20000"/>
+              </a:spcBef>
+              <a:spcAft>
+                <a:spcPts val="600"/>
+              </a:spcAft>
+              <a:buClr>
+                <a:schemeClr val="accent2"/>
+              </a:buClr>
+              <a:buSzPct val="92000"/>
+              <a:buFont typeface="Wingdings 2" panose="05020102010507070707" pitchFamily="18" charset="2"/>
+              <a:buChar char=""/>
+              <a:defRPr sz="1200" kern="1200">
+                <a:solidFill>
+                  <a:schemeClr val="tx2"/>
+                </a:solidFill>
+                <a:latin typeface="+mn-lt"/>
+                <a:ea typeface="+mn-ea"/>
+                <a:cs typeface="+mn-cs"/>
+              </a:defRPr>
+            </a:lvl9pPr>
+          </a:lstStyle>
+          <a:p>
+            <a:pPr marL="0" indent="0">
+              <a:buFont typeface="Wingdings 2" panose="05020102010507070707" pitchFamily="18" charset="2"/>
+              <a:buNone/>
+            </a:pPr>
+            <a:r>
+              <a:rPr lang="nl-NL" sz="2400" dirty="0" smtClean="0"/>
+              <a:t>Three plots:….</a:t>
+            </a:r>
+            <a:endParaRPr lang="id-ID" sz="2400" dirty="0"/>
           </a:p>
         </p:txBody>
       </p:sp>
     </p:spTree>
     <p:extLst>
       <p:ext uri="{BB962C8B-B14F-4D97-AF65-F5344CB8AC3E}">
-        <p14:creationId xmlns:p14="http://schemas.microsoft.com/office/powerpoint/2010/main" val="3605016191"/>
+        <p14:creationId xmlns:p14="http://schemas.microsoft.com/office/powerpoint/2010/main" val="2941958862"/>
       </p:ext>
     </p:extLst>
   </p:cSld>
@@ -5269,10 +8532,26 @@
           <a:lstStyle/>
           <a:p>
             <a:r>
-              <a:rPr lang="id-ID" smtClean="0"/>
-              <a:t>comparison</a:t>
-            </a:r>
-            <a:endParaRPr lang="id-ID"/>
+              <a:rPr lang="nl-NL" dirty="0" err="1" smtClean="0"/>
+              <a:t>To</a:t>
+            </a:r>
+            <a:r>
+              <a:rPr lang="nl-NL" dirty="0" smtClean="0"/>
+              <a:t> get </a:t>
+            </a:r>
+            <a:r>
+              <a:rPr lang="nl-NL" dirty="0" err="1" smtClean="0"/>
+              <a:t>optimal</a:t>
+            </a:r>
+            <a:r>
+              <a:rPr lang="nl-NL" dirty="0" smtClean="0"/>
+              <a:t> </a:t>
+            </a:r>
+            <a:r>
+              <a:rPr lang="nl-NL" dirty="0" err="1" smtClean="0"/>
+              <a:t>convergence</a:t>
+            </a:r>
+            <a:endParaRPr lang="id-ID" dirty="0"/>
           </a:p>
         </p:txBody>
       </p:sp>
@@ -5286,18 +8565,203 @@
             <p:ph idx="1"/>
           </p:nvPr>
         </p:nvSpPr>
-        <p:spPr/>
+        <p:spPr>
+          <a:xfrm>
+            <a:off x="581192" y="2784000"/>
+            <a:ext cx="9266896" cy="3159600"/>
+          </a:xfrm>
+        </p:spPr>
         <p:txBody>
           <a:bodyPr>
-            <a:normAutofit/>
+            <a:normAutofit fontScale="92500" lnSpcReduction="10000"/>
           </a:bodyPr>
           <a:lstStyle/>
           <a:p>
             <a:r>
-              <a:rPr lang="id-ID" sz="2400" smtClean="0"/>
-              <a:t>Compare 3 methods together here</a:t>
-            </a:r>
-            <a:endParaRPr lang="id-ID" sz="2400"/>
+              <a:rPr lang="nl-NL" sz="2400" dirty="0" err="1" smtClean="0"/>
+              <a:t>Dynamic</a:t>
+            </a:r>
+            <a:r>
+              <a:rPr lang="nl-NL" sz="2400" dirty="0" smtClean="0"/>
+              <a:t> </a:t>
+            </a:r>
+            <a:r>
+              <a:rPr lang="nl-NL" sz="2400" dirty="0" err="1" smtClean="0"/>
+              <a:t>greedy</a:t>
+            </a:r>
+            <a:r>
+              <a:rPr lang="nl-NL" sz="2400" dirty="0" smtClean="0"/>
+              <a:t>:</a:t>
+            </a:r>
+          </a:p>
+          <a:p>
+            <a:pPr marL="0" indent="0">
+              <a:buNone/>
+            </a:pPr>
+            <a:r>
+              <a:rPr lang="nl-NL" sz="2400" dirty="0" smtClean="0"/>
+              <a:t>                  The </a:t>
+            </a:r>
+            <a:r>
+              <a:rPr lang="nl-NL" sz="2400" dirty="0" err="1" smtClean="0"/>
+              <a:t>greedy</a:t>
+            </a:r>
+            <a:r>
+              <a:rPr lang="nl-NL" sz="2400" dirty="0" smtClean="0"/>
+              <a:t> </a:t>
+            </a:r>
+            <a:r>
+              <a:rPr lang="nl-NL" sz="2400" dirty="0" err="1" smtClean="0"/>
+              <a:t>increases</a:t>
+            </a:r>
+            <a:r>
+              <a:rPr lang="nl-NL" sz="2400" dirty="0" smtClean="0"/>
+              <a:t> </a:t>
+            </a:r>
+            <a:r>
+              <a:rPr lang="nl-NL" sz="2400" dirty="0" err="1" smtClean="0"/>
+              <a:t>depending</a:t>
+            </a:r>
+            <a:r>
+              <a:rPr lang="nl-NL" sz="2400" dirty="0" smtClean="0"/>
+              <a:t> on time in training </a:t>
+            </a:r>
+            <a:r>
+              <a:rPr lang="nl-NL" sz="2400" dirty="0" err="1" smtClean="0"/>
+              <a:t>phase</a:t>
+            </a:r>
+            <a:endParaRPr lang="nl-NL" sz="2400" dirty="0" smtClean="0"/>
+          </a:p>
+          <a:p>
+            <a:r>
+              <a:rPr lang="nl-NL" sz="2400" dirty="0" err="1" smtClean="0"/>
+              <a:t>Rewards</a:t>
+            </a:r>
+            <a:r>
+              <a:rPr lang="nl-NL" sz="2400" dirty="0" smtClean="0"/>
+              <a:t> </a:t>
+            </a:r>
+            <a:r>
+              <a:rPr lang="nl-NL" sz="2400" dirty="0" err="1" smtClean="0"/>
+              <a:t>and</a:t>
+            </a:r>
+            <a:r>
+              <a:rPr lang="nl-NL" sz="2400" dirty="0" smtClean="0"/>
+              <a:t> </a:t>
+            </a:r>
+            <a:r>
+              <a:rPr lang="nl-NL" sz="2400" dirty="0" err="1" smtClean="0"/>
+              <a:t>punishments</a:t>
+            </a:r>
+            <a:r>
+              <a:rPr lang="nl-NL" sz="2400" dirty="0" smtClean="0"/>
+              <a:t> of different </a:t>
+            </a:r>
+            <a:r>
+              <a:rPr lang="nl-NL" sz="2400" dirty="0" err="1" smtClean="0"/>
+              <a:t>elements</a:t>
+            </a:r>
+            <a:endParaRPr lang="nl-NL" sz="2400" dirty="0" smtClean="0"/>
+          </a:p>
+          <a:p>
+            <a:pPr marL="0" indent="0">
+              <a:buNone/>
+            </a:pPr>
+            <a:r>
+              <a:rPr lang="nl-NL" sz="2400" dirty="0"/>
+              <a:t> </a:t>
+            </a:r>
+            <a:r>
+              <a:rPr lang="nl-NL" sz="2400" dirty="0" smtClean="0"/>
+              <a:t>                 </a:t>
+            </a:r>
+            <a:r>
+              <a:rPr lang="nl-NL" sz="2400" dirty="0" err="1" smtClean="0"/>
+              <a:t>key</a:t>
+            </a:r>
+            <a:r>
+              <a:rPr lang="nl-NL" sz="2400" dirty="0" smtClean="0"/>
+              <a:t> = 0, </a:t>
+            </a:r>
+            <a:r>
+              <a:rPr lang="nl-NL" sz="2400" dirty="0" err="1" smtClean="0"/>
+              <a:t>chest</a:t>
+            </a:r>
+            <a:r>
+              <a:rPr lang="nl-NL" sz="2400" dirty="0" smtClean="0"/>
+              <a:t> = 500, exit = 500</a:t>
+            </a:r>
+          </a:p>
+          <a:p>
+            <a:r>
+              <a:rPr lang="nl-NL" sz="2400" dirty="0" err="1"/>
+              <a:t>When</a:t>
+            </a:r>
+            <a:r>
+              <a:rPr lang="nl-NL" sz="2400" dirty="0"/>
+              <a:t> </a:t>
+            </a:r>
+            <a:r>
+              <a:rPr lang="nl-NL" sz="2400" dirty="0" err="1"/>
+              <a:t>two</a:t>
+            </a:r>
+            <a:r>
+              <a:rPr lang="nl-NL" sz="2400" dirty="0"/>
+              <a:t> </a:t>
+            </a:r>
+            <a:r>
+              <a:rPr lang="nl-NL" sz="2400" dirty="0" err="1"/>
+              <a:t>rewards</a:t>
+            </a:r>
+            <a:r>
+              <a:rPr lang="nl-NL" sz="2400" dirty="0"/>
+              <a:t> </a:t>
+            </a:r>
+            <a:r>
+              <a:rPr lang="nl-NL" sz="2400" dirty="0" err="1"/>
+              <a:t>compete</a:t>
+            </a:r>
+            <a:r>
+              <a:rPr lang="nl-NL" sz="2400" dirty="0"/>
+              <a:t> :</a:t>
+            </a:r>
+          </a:p>
+          <a:p>
+            <a:pPr marL="0" indent="0">
+              <a:buNone/>
+            </a:pPr>
+            <a:r>
+              <a:rPr lang="nl-NL" sz="2400" dirty="0" smtClean="0"/>
+              <a:t>                  new </a:t>
+            </a:r>
+            <a:r>
+              <a:rPr lang="nl-NL" sz="2400" dirty="0" err="1" smtClean="0"/>
+              <a:t>coefficient</a:t>
+            </a:r>
+            <a:r>
+              <a:rPr lang="nl-NL" sz="2400" dirty="0"/>
+              <a:t>:   x-p/p(1-p</a:t>
+            </a:r>
+            <a:r>
+              <a:rPr lang="nl-NL" sz="2400" dirty="0" smtClean="0"/>
+              <a:t>)</a:t>
+            </a:r>
+          </a:p>
+          <a:p>
+            <a:r>
+              <a:rPr lang="nl-NL" sz="2400" dirty="0" smtClean="0"/>
+              <a:t>……….</a:t>
+            </a:r>
+            <a:endParaRPr lang="nl-NL" sz="2400" dirty="0"/>
+          </a:p>
+          <a:p>
+            <a:endParaRPr lang="nl-NL" sz="2400" dirty="0" smtClean="0"/>
+          </a:p>
+          <a:p>
+            <a:pPr marL="0" indent="0">
+              <a:buNone/>
+            </a:pPr>
+            <a:endParaRPr lang="id-ID" sz="2400" dirty="0"/>
           </a:p>
         </p:txBody>
       </p:sp>
@@ -5370,10 +8834,20 @@
           <a:lstStyle/>
           <a:p>
             <a:r>
-              <a:rPr lang="id-ID" smtClean="0"/>
+              <a:rPr lang="id-ID" dirty="0" smtClean="0"/>
               <a:t>...</a:t>
             </a:r>
-            <a:endParaRPr lang="id-ID"/>
+            <a:r>
+              <a:rPr lang="nl-NL" dirty="0" smtClean="0"/>
+              <a:t>life is hard </a:t>
+            </a:r>
+            <a:r>
+              <a:rPr lang="nl-NL" dirty="0" smtClean="0">
+                <a:sym typeface="Wingdings" panose="05000000000000000000" pitchFamily="2" charset="2"/>
+              </a:rPr>
+              <a:t></a:t>
+            </a:r>
+            <a:endParaRPr lang="id-ID" dirty="0"/>
           </a:p>
         </p:txBody>
       </p:sp>

--- a/Group Presentation.pptx
+++ b/Group Presentation.pptx
@@ -11,8 +11,8 @@
     <p:sldId id="256" r:id="rId2"/>
     <p:sldId id="257" r:id="rId3"/>
     <p:sldId id="259" r:id="rId4"/>
-    <p:sldId id="258" r:id="rId5"/>
-    <p:sldId id="265" r:id="rId6"/>
+    <p:sldId id="265" r:id="rId5"/>
+    <p:sldId id="258" r:id="rId6"/>
     <p:sldId id="260" r:id="rId7"/>
     <p:sldId id="261" r:id="rId8"/>
     <p:sldId id="263" r:id="rId9"/>
@@ -5383,14 +5383,10 @@
           <a:lstStyle/>
           <a:p>
             <a:r>
-              <a:rPr lang="nl-NL" dirty="0" err="1" smtClean="0"/>
-              <a:t>algorithm</a:t>
-            </a:r>
-            <a:r>
-              <a:rPr lang="id-ID" dirty="0" smtClean="0"/>
-              <a:t>s</a:t>
-            </a:r>
-            <a:endParaRPr lang="id-ID" dirty="0"/>
+              <a:rPr lang="en-US" dirty="0" smtClean="0"/>
+              <a:t>Goal &amp; rules</a:t>
+            </a:r>
+            <a:endParaRPr lang="en-US" dirty="0"/>
           </a:p>
         </p:txBody>
       </p:sp>
@@ -5406,224 +5402,34 @@
         </p:nvSpPr>
         <p:spPr>
           <a:xfrm>
-            <a:off x="1840681" y="2547289"/>
-            <a:ext cx="3008421" cy="997269"/>
+            <a:off x="581193" y="2180497"/>
+            <a:ext cx="3286719" cy="2418936"/>
           </a:xfrm>
         </p:spPr>
         <p:txBody>
-          <a:bodyPr>
-            <a:normAutofit fontScale="92500" lnSpcReduction="20000"/>
-          </a:bodyPr>
+          <a:bodyPr/>
           <a:lstStyle/>
           <a:p>
             <a:r>
-              <a:rPr lang="id-ID" sz="2800" dirty="0" smtClean="0"/>
-              <a:t>Q-</a:t>
-            </a:r>
-            <a:r>
-              <a:rPr lang="id-ID" sz="2800" dirty="0" err="1" smtClean="0"/>
-              <a:t>learning</a:t>
-            </a:r>
-            <a:endParaRPr lang="nl-NL" sz="2800" dirty="0" smtClean="0"/>
-          </a:p>
-          <a:p>
-            <a:r>
-              <a:rPr lang="nl-NL" sz="2800" dirty="0" err="1" smtClean="0"/>
-              <a:t>Sarsa</a:t>
-            </a:r>
-            <a:endParaRPr lang="nl-NL" sz="2800" dirty="0" smtClean="0"/>
-          </a:p>
-          <a:p>
-            <a:pPr marL="0" indent="0">
-              <a:buNone/>
-            </a:pPr>
-            <a:endParaRPr lang="nl-NL" sz="2800" dirty="0" smtClean="0"/>
-          </a:p>
-        </p:txBody>
-      </p:sp>
-      <p:sp>
-        <p:nvSpPr>
-          <p:cNvPr id="4" name="Right Arrow 3"/>
-          <p:cNvSpPr/>
+              <a:rPr lang="en-US" dirty="0" smtClean="0"/>
+              <a:t>Add a maze here:</a:t>
+            </a:r>
+            <a:endParaRPr lang="en-US" dirty="0"/>
+          </a:p>
+        </p:txBody>
+      </p:sp>
+      <p:sp>
+        <p:nvSpPr>
+          <p:cNvPr id="4" name="Content Placeholder 2"/>
+          <p:cNvSpPr txBox="1">
+            <a:spLocks/>
+          </p:cNvSpPr>
           <p:nvPr/>
         </p:nvSpPr>
         <p:spPr>
           <a:xfrm>
-            <a:off x="3219735" y="4817127"/>
-            <a:ext cx="1034321" cy="554636"/>
-          </a:xfrm>
-          <a:prstGeom prst="rightArrow">
-            <a:avLst/>
-          </a:prstGeom>
-        </p:spPr>
-        <p:style>
-          <a:lnRef idx="2">
-            <a:schemeClr val="accent1">
-              <a:shade val="50000"/>
-            </a:schemeClr>
-          </a:lnRef>
-          <a:fillRef idx="1">
-            <a:schemeClr val="accent1"/>
-          </a:fillRef>
-          <a:effectRef idx="0">
-            <a:schemeClr val="accent1"/>
-          </a:effectRef>
-          <a:fontRef idx="minor">
-            <a:schemeClr val="lt1"/>
-          </a:fontRef>
-        </p:style>
-        <p:txBody>
-          <a:bodyPr rtlCol="0" anchor="ctr"/>
-          <a:lstStyle/>
-          <a:p>
-            <a:pPr algn="ctr"/>
-            <a:endParaRPr lang="id-ID"/>
-          </a:p>
-        </p:txBody>
-      </p:sp>
-      <p:sp>
-        <p:nvSpPr>
-          <p:cNvPr id="5" name="TextBox 4"/>
-          <p:cNvSpPr txBox="1"/>
-          <p:nvPr/>
-        </p:nvSpPr>
-        <p:spPr>
-          <a:xfrm>
-            <a:off x="3130799" y="4375891"/>
-            <a:ext cx="1212191" cy="400110"/>
-          </a:xfrm>
-          <a:prstGeom prst="rect">
-            <a:avLst/>
-          </a:prstGeom>
-          <a:noFill/>
-        </p:spPr>
-        <p:txBody>
-          <a:bodyPr wrap="none" rtlCol="0">
-            <a:spAutoFit/>
-          </a:bodyPr>
-          <a:lstStyle/>
-          <a:p>
-            <a:r>
-              <a:rPr lang="id-ID" sz="2000" dirty="0" err="1" smtClean="0"/>
-              <a:t>Indicators</a:t>
-            </a:r>
-            <a:endParaRPr lang="id-ID" sz="2000" dirty="0"/>
-          </a:p>
-        </p:txBody>
-      </p:sp>
-      <p:sp>
-        <p:nvSpPr>
-          <p:cNvPr id="6" name="TextBox 5"/>
-          <p:cNvSpPr txBox="1"/>
-          <p:nvPr/>
-        </p:nvSpPr>
-        <p:spPr>
-          <a:xfrm>
-            <a:off x="4849102" y="4375891"/>
-            <a:ext cx="5806827" cy="1077218"/>
-          </a:xfrm>
-          <a:prstGeom prst="rect">
-            <a:avLst/>
-          </a:prstGeom>
-          <a:noFill/>
-        </p:spPr>
-        <p:txBody>
-          <a:bodyPr wrap="square" rtlCol="0">
-            <a:spAutoFit/>
-          </a:bodyPr>
-          <a:lstStyle/>
-          <a:p>
-            <a:pPr marL="342900" indent="-342900">
-              <a:buFont typeface="Wingdings" panose="05000000000000000000" pitchFamily="2" charset="2"/>
-              <a:buChar char="q"/>
-            </a:pPr>
-            <a:r>
-              <a:rPr lang="en-US" sz="3200" dirty="0" smtClean="0"/>
-              <a:t>Maximal</a:t>
-            </a:r>
-            <a:r>
-              <a:rPr lang="nl-NL" sz="3200" dirty="0" smtClean="0"/>
-              <a:t> </a:t>
-            </a:r>
-            <a:r>
-              <a:rPr lang="nl-NL" sz="3200" dirty="0" err="1" smtClean="0"/>
-              <a:t>rewards</a:t>
-            </a:r>
-            <a:r>
-              <a:rPr lang="id-ID" sz="3200" dirty="0" smtClean="0"/>
-              <a:t> </a:t>
-            </a:r>
-            <a:r>
-              <a:rPr lang="id-ID" sz="3200" dirty="0" err="1" smtClean="0"/>
-              <a:t>to</a:t>
-            </a:r>
-            <a:r>
-              <a:rPr lang="id-ID" sz="3200" dirty="0" smtClean="0"/>
-              <a:t> </a:t>
-            </a:r>
-            <a:r>
-              <a:rPr lang="nl-NL" sz="3200" dirty="0" err="1" smtClean="0"/>
-              <a:t>obtian</a:t>
-            </a:r>
-            <a:endParaRPr lang="id-ID" sz="3200" dirty="0" smtClean="0"/>
-          </a:p>
-          <a:p>
-            <a:pPr marL="342900" indent="-342900">
-              <a:buFont typeface="Wingdings" panose="05000000000000000000" pitchFamily="2" charset="2"/>
-              <a:buChar char="q"/>
-            </a:pPr>
-            <a:r>
-              <a:rPr lang="nl-NL" sz="3200" dirty="0" smtClean="0"/>
-              <a:t>Steps</a:t>
-            </a:r>
-            <a:r>
-              <a:rPr lang="id-ID" sz="3200" dirty="0" smtClean="0"/>
-              <a:t> </a:t>
-            </a:r>
-            <a:r>
-              <a:rPr lang="id-ID" sz="3200" dirty="0" err="1" smtClean="0"/>
-              <a:t>to</a:t>
-            </a:r>
-            <a:r>
-              <a:rPr lang="id-ID" sz="3200" dirty="0" smtClean="0"/>
-              <a:t> </a:t>
-            </a:r>
-            <a:r>
-              <a:rPr lang="id-ID" sz="3200" dirty="0" err="1" smtClean="0"/>
-              <a:t>solve</a:t>
-            </a:r>
-            <a:r>
-              <a:rPr lang="id-ID" sz="3200" dirty="0" smtClean="0"/>
-              <a:t> </a:t>
-            </a:r>
-            <a:r>
-              <a:rPr lang="id-ID" sz="3200" dirty="0" err="1" smtClean="0"/>
-              <a:t>the</a:t>
-            </a:r>
-            <a:r>
-              <a:rPr lang="id-ID" sz="3200" dirty="0" smtClean="0"/>
-              <a:t> </a:t>
-            </a:r>
-            <a:r>
-              <a:rPr lang="id-ID" sz="3200" dirty="0" err="1" smtClean="0"/>
-              <a:t>maze</a:t>
-            </a:r>
-            <a:endParaRPr lang="id-ID" sz="3200" dirty="0"/>
-          </a:p>
-        </p:txBody>
-      </p:sp>
-      <p:sp>
-        <p:nvSpPr>
-          <p:cNvPr id="7" name="Content Placeholder 2"/>
-          <p:cNvSpPr txBox="1">
-            <a:spLocks/>
-          </p:cNvSpPr>
-          <p:nvPr/>
-        </p:nvSpPr>
-        <p:spPr>
-          <a:xfrm>
-            <a:off x="5574263" y="2547289"/>
-            <a:ext cx="3008421" cy="1640066"/>
+            <a:off x="4288536" y="2433481"/>
+            <a:ext cx="6647689" cy="2806032"/>
           </a:xfrm>
           <a:prstGeom prst="rect">
             <a:avLst/>
@@ -5631,7 +5437,7 @@
         </p:spPr>
         <p:txBody>
           <a:bodyPr vert="horz" lIns="91440" tIns="45720" rIns="91440" bIns="45720" rtlCol="0" anchor="ctr">
-            <a:normAutofit fontScale="92500" lnSpcReduction="10000"/>
+            <a:noAutofit/>
           </a:bodyPr>
           <a:lstStyle>
             <a:lvl1pPr marL="306000" indent="-306000" algn="l" defTabSz="457200" rtl="0" eaLnBrk="1" latinLnBrk="0" hangingPunct="1">
@@ -5834,139 +5640,63 @@
             </a:lvl9pPr>
           </a:lstStyle>
           <a:p>
-            <a:r>
-              <a:rPr lang="id-ID" sz="2800" dirty="0" smtClean="0"/>
-              <a:t>Q-</a:t>
-            </a:r>
-            <a:r>
-              <a:rPr lang="nl-NL" sz="2800" dirty="0" err="1" smtClean="0"/>
-              <a:t>lambda</a:t>
-            </a:r>
-            <a:endParaRPr lang="nl-NL" sz="2800" dirty="0" smtClean="0"/>
-          </a:p>
-          <a:p>
-            <a:r>
-              <a:rPr lang="nl-NL" sz="2800" dirty="0" err="1" smtClean="0"/>
-              <a:t>Sarsa-lambda</a:t>
-            </a:r>
-            <a:endParaRPr lang="nl-NL" sz="2800" dirty="0" smtClean="0"/>
-          </a:p>
-          <a:p>
-            <a:r>
-              <a:rPr lang="nl-NL" sz="2800" dirty="0" smtClean="0"/>
-              <a:t>QV-</a:t>
-            </a:r>
-            <a:r>
-              <a:rPr lang="nl-NL" sz="2800" dirty="0" err="1" smtClean="0"/>
-              <a:t>lambda</a:t>
-            </a:r>
-            <a:endParaRPr lang="nl-NL" sz="2800" dirty="0" smtClean="0"/>
-          </a:p>
-          <a:p>
-            <a:pPr marL="0" indent="0">
-              <a:buFont typeface="Wingdings 2" panose="05020102010507070707" pitchFamily="18" charset="2"/>
-              <a:buNone/>
-            </a:pPr>
-            <a:endParaRPr lang="nl-NL" sz="2800" dirty="0" smtClean="0"/>
-          </a:p>
-        </p:txBody>
-      </p:sp>
-      <p:sp>
-        <p:nvSpPr>
-          <p:cNvPr id="10" name="TextBox 9"/>
-          <p:cNvSpPr txBox="1"/>
-          <p:nvPr/>
-        </p:nvSpPr>
-        <p:spPr>
-          <a:xfrm>
-            <a:off x="5574263" y="1900791"/>
-            <a:ext cx="3759860" cy="461665"/>
-          </a:xfrm>
-          <a:prstGeom prst="rect">
-            <a:avLst/>
-          </a:prstGeom>
-          <a:noFill/>
-        </p:spPr>
-        <p:txBody>
-          <a:bodyPr wrap="square" rtlCol="0">
-            <a:spAutoFit/>
-          </a:bodyPr>
-          <a:lstStyle/>
-          <a:p>
-            <a:r>
-              <a:rPr lang="nl-NL" sz="2400" dirty="0" smtClean="0"/>
-              <a:t>2</a:t>
-            </a:r>
-            <a:r>
-              <a:rPr lang="nl-NL" sz="2400" smtClean="0"/>
-              <a:t>. </a:t>
-            </a:r>
+            <a:endParaRPr lang="en-US" sz="2400" dirty="0" smtClean="0"/>
+          </a:p>
+          <a:p>
             <a:r>
               <a:rPr lang="en-US" sz="2400" dirty="0" smtClean="0"/>
-              <a:t>Algorithms</a:t>
-            </a:r>
-            <a:r>
-              <a:rPr lang="nl-NL" sz="2400" dirty="0" smtClean="0"/>
-              <a:t> with </a:t>
-            </a:r>
-            <a:r>
-              <a:rPr lang="nl-NL" sz="2400" dirty="0" err="1" smtClean="0"/>
-              <a:t>lambda</a:t>
-            </a:r>
-            <a:r>
-              <a:rPr lang="nl-NL" sz="2400" dirty="0" smtClean="0"/>
-              <a:t>:</a:t>
-            </a:r>
-            <a:endParaRPr lang="nl-NL" sz="2400" dirty="0"/>
-          </a:p>
-        </p:txBody>
-      </p:sp>
-      <p:sp>
-        <p:nvSpPr>
-          <p:cNvPr id="11" name="TextBox 10"/>
-          <p:cNvSpPr txBox="1"/>
-          <p:nvPr/>
-        </p:nvSpPr>
-        <p:spPr>
-          <a:xfrm>
-            <a:off x="1777307" y="1900790"/>
-            <a:ext cx="2812799" cy="461665"/>
-          </a:xfrm>
-          <a:prstGeom prst="rect">
-            <a:avLst/>
-          </a:prstGeom>
-          <a:noFill/>
-        </p:spPr>
-        <p:txBody>
-          <a:bodyPr wrap="square" rtlCol="0">
-            <a:spAutoFit/>
-          </a:bodyPr>
-          <a:lstStyle/>
-          <a:p>
-            <a:r>
-              <a:rPr lang="nl-NL" sz="2400" dirty="0"/>
-              <a:t>1</a:t>
-            </a:r>
-            <a:r>
-              <a:rPr lang="nl-NL" sz="2400" dirty="0" smtClean="0"/>
-              <a:t>. Basic </a:t>
-            </a:r>
-            <a:r>
-              <a:rPr lang="nl-NL" sz="2400" dirty="0" err="1" smtClean="0"/>
-              <a:t>algorithms</a:t>
-            </a:r>
-            <a:r>
-              <a:rPr lang="nl-NL" sz="2400" dirty="0" smtClean="0"/>
-              <a:t>:</a:t>
-            </a:r>
-            <a:endParaRPr lang="nl-NL" sz="2400" dirty="0"/>
+              <a:t>Get maximal rewards in shortest path</a:t>
+            </a:r>
+          </a:p>
+          <a:p>
+            <a:r>
+              <a:rPr lang="en-US" sz="2400" dirty="0" smtClean="0"/>
+              <a:t>Find </a:t>
+            </a:r>
+            <a:r>
+              <a:rPr lang="en-US" sz="2400" dirty="0"/>
+              <a:t>the key -&gt; open the chest -&gt;  </a:t>
+            </a:r>
+            <a:r>
+              <a:rPr lang="en-US" sz="2400" dirty="0" smtClean="0"/>
+              <a:t>exit  </a:t>
+            </a:r>
+            <a:r>
+              <a:rPr lang="en-US" sz="2400" dirty="0" smtClean="0">
+                <a:sym typeface="Wingdings" panose="05000000000000000000" pitchFamily="2" charset="2"/>
+              </a:rPr>
+              <a:t></a:t>
+            </a:r>
+            <a:endParaRPr lang="en-US" sz="2400" dirty="0"/>
+          </a:p>
+          <a:p>
+            <a:r>
+              <a:rPr lang="en-US" sz="2400" dirty="0" smtClean="0"/>
+              <a:t>Can not go through the fixed walls</a:t>
+            </a:r>
+          </a:p>
+          <a:p>
+            <a:r>
+              <a:rPr lang="en-US" sz="2400" dirty="0" smtClean="0"/>
+              <a:t>Have punishment when stepping into the pits </a:t>
+            </a:r>
+            <a:r>
+              <a:rPr lang="en-US" sz="2400" dirty="0" smtClean="0">
+                <a:sym typeface="Wingdings" panose="05000000000000000000" pitchFamily="2" charset="2"/>
+              </a:rPr>
+              <a:t></a:t>
+            </a:r>
+            <a:endParaRPr lang="en-US" sz="2400" dirty="0" smtClean="0"/>
+          </a:p>
+          <a:p>
+            <a:endParaRPr lang="en-US" sz="2400" dirty="0"/>
           </a:p>
         </p:txBody>
       </p:sp>
     </p:spTree>
     <p:extLst>
       <p:ext uri="{BB962C8B-B14F-4D97-AF65-F5344CB8AC3E}">
-        <p14:creationId xmlns:p14="http://schemas.microsoft.com/office/powerpoint/2010/main" val="299028429"/>
+        <p14:creationId xmlns:p14="http://schemas.microsoft.com/office/powerpoint/2010/main" val="1834345714"/>
       </p:ext>
     </p:extLst>
   </p:cSld>
@@ -6009,10 +5739,14 @@
           <a:lstStyle/>
           <a:p>
             <a:r>
-              <a:rPr lang="en-US" dirty="0" smtClean="0"/>
-              <a:t>Goal &amp; rules</a:t>
-            </a:r>
-            <a:endParaRPr lang="en-US" dirty="0"/>
+              <a:rPr lang="nl-NL" dirty="0" err="1" smtClean="0"/>
+              <a:t>algorithm</a:t>
+            </a:r>
+            <a:r>
+              <a:rPr lang="id-ID" dirty="0" smtClean="0"/>
+              <a:t>s</a:t>
+            </a:r>
+            <a:endParaRPr lang="id-ID" dirty="0"/>
           </a:p>
         </p:txBody>
       </p:sp>
@@ -6028,25 +5762,215 @@
         </p:nvSpPr>
         <p:spPr>
           <a:xfrm>
-            <a:off x="581193" y="2180497"/>
-            <a:ext cx="3286719" cy="2418936"/>
+            <a:off x="1840681" y="2547289"/>
+            <a:ext cx="3008421" cy="997269"/>
           </a:xfrm>
         </p:spPr>
         <p:txBody>
-          <a:bodyPr/>
+          <a:bodyPr>
+            <a:normAutofit fontScale="92500" lnSpcReduction="20000"/>
+          </a:bodyPr>
           <a:lstStyle/>
           <a:p>
             <a:r>
-              <a:rPr lang="en-US" dirty="0" smtClean="0"/>
-              <a:t>Add a maze here:</a:t>
-            </a:r>
-            <a:endParaRPr lang="en-US" dirty="0"/>
-          </a:p>
-        </p:txBody>
-      </p:sp>
-      <p:sp>
-        <p:nvSpPr>
-          <p:cNvPr id="4" name="Content Placeholder 2"/>
+              <a:rPr lang="id-ID" sz="2800" dirty="0" smtClean="0"/>
+              <a:t>Q-</a:t>
+            </a:r>
+            <a:r>
+              <a:rPr lang="id-ID" sz="2800" dirty="0" err="1" smtClean="0"/>
+              <a:t>learning</a:t>
+            </a:r>
+            <a:endParaRPr lang="nl-NL" sz="2800" dirty="0" smtClean="0"/>
+          </a:p>
+          <a:p>
+            <a:r>
+              <a:rPr lang="nl-NL" sz="2800" dirty="0" err="1" smtClean="0"/>
+              <a:t>Sarsa</a:t>
+            </a:r>
+            <a:endParaRPr lang="nl-NL" sz="2800" dirty="0" smtClean="0"/>
+          </a:p>
+          <a:p>
+            <a:pPr marL="0" indent="0">
+              <a:buNone/>
+            </a:pPr>
+            <a:endParaRPr lang="nl-NL" sz="2800" dirty="0" smtClean="0"/>
+          </a:p>
+        </p:txBody>
+      </p:sp>
+      <p:sp>
+        <p:nvSpPr>
+          <p:cNvPr id="4" name="Right Arrow 3"/>
+          <p:cNvSpPr/>
+          <p:nvPr/>
+        </p:nvSpPr>
+        <p:spPr>
+          <a:xfrm>
+            <a:off x="3219735" y="4817127"/>
+            <a:ext cx="1034321" cy="554636"/>
+          </a:xfrm>
+          <a:prstGeom prst="rightArrow">
+            <a:avLst/>
+          </a:prstGeom>
+        </p:spPr>
+        <p:style>
+          <a:lnRef idx="2">
+            <a:schemeClr val="accent1">
+              <a:shade val="50000"/>
+            </a:schemeClr>
+          </a:lnRef>
+          <a:fillRef idx="1">
+            <a:schemeClr val="accent1"/>
+          </a:fillRef>
+          <a:effectRef idx="0">
+            <a:schemeClr val="accent1"/>
+          </a:effectRef>
+          <a:fontRef idx="minor">
+            <a:schemeClr val="lt1"/>
+          </a:fontRef>
+        </p:style>
+        <p:txBody>
+          <a:bodyPr rtlCol="0" anchor="ctr"/>
+          <a:lstStyle/>
+          <a:p>
+            <a:pPr algn="ctr"/>
+            <a:endParaRPr lang="id-ID"/>
+          </a:p>
+        </p:txBody>
+      </p:sp>
+      <p:sp>
+        <p:nvSpPr>
+          <p:cNvPr id="5" name="TextBox 4"/>
+          <p:cNvSpPr txBox="1"/>
+          <p:nvPr/>
+        </p:nvSpPr>
+        <p:spPr>
+          <a:xfrm>
+            <a:off x="3130799" y="4375891"/>
+            <a:ext cx="1212191" cy="400110"/>
+          </a:xfrm>
+          <a:prstGeom prst="rect">
+            <a:avLst/>
+          </a:prstGeom>
+          <a:noFill/>
+        </p:spPr>
+        <p:txBody>
+          <a:bodyPr wrap="none" rtlCol="0">
+            <a:spAutoFit/>
+          </a:bodyPr>
+          <a:lstStyle/>
+          <a:p>
+            <a:r>
+              <a:rPr lang="id-ID" sz="2000" dirty="0" err="1" smtClean="0"/>
+              <a:t>Indicators</a:t>
+            </a:r>
+            <a:endParaRPr lang="id-ID" sz="2000" dirty="0"/>
+          </a:p>
+        </p:txBody>
+      </p:sp>
+      <p:sp>
+        <p:nvSpPr>
+          <p:cNvPr id="6" name="TextBox 5"/>
+          <p:cNvSpPr txBox="1"/>
+          <p:nvPr/>
+        </p:nvSpPr>
+        <p:spPr>
+          <a:xfrm>
+            <a:off x="4849102" y="4375891"/>
+            <a:ext cx="5806827" cy="1077218"/>
+          </a:xfrm>
+          <a:prstGeom prst="rect">
+            <a:avLst/>
+          </a:prstGeom>
+          <a:noFill/>
+        </p:spPr>
+        <p:txBody>
+          <a:bodyPr wrap="square" rtlCol="0">
+            <a:spAutoFit/>
+          </a:bodyPr>
+          <a:lstStyle/>
+          <a:p>
+            <a:pPr marL="342900" indent="-342900">
+              <a:buFont typeface="Wingdings" panose="05000000000000000000" pitchFamily="2" charset="2"/>
+              <a:buChar char="q"/>
+            </a:pPr>
+            <a:r>
+              <a:rPr lang="en-US" sz="3200" dirty="0" smtClean="0"/>
+              <a:t>Maximal</a:t>
+            </a:r>
+            <a:r>
+              <a:rPr lang="nl-NL" sz="3200" dirty="0" smtClean="0"/>
+              <a:t> </a:t>
+            </a:r>
+            <a:r>
+              <a:rPr lang="nl-NL" sz="3200" dirty="0" err="1" smtClean="0"/>
+              <a:t>rewards</a:t>
+            </a:r>
+            <a:r>
+              <a:rPr lang="id-ID" sz="3200" dirty="0" smtClean="0"/>
+              <a:t> </a:t>
+            </a:r>
+            <a:r>
+              <a:rPr lang="id-ID" sz="3200" dirty="0" err="1" smtClean="0"/>
+              <a:t>to</a:t>
+            </a:r>
+            <a:r>
+              <a:rPr lang="id-ID" sz="3200" dirty="0" smtClean="0"/>
+              <a:t> </a:t>
+            </a:r>
+            <a:r>
+              <a:rPr lang="nl-NL" sz="3200" dirty="0" err="1" smtClean="0"/>
+              <a:t>obtian</a:t>
+            </a:r>
+            <a:endParaRPr lang="id-ID" sz="3200" dirty="0" smtClean="0"/>
+          </a:p>
+          <a:p>
+            <a:pPr marL="342900" indent="-342900">
+              <a:buFont typeface="Wingdings" panose="05000000000000000000" pitchFamily="2" charset="2"/>
+              <a:buChar char="q"/>
+            </a:pPr>
+            <a:r>
+              <a:rPr lang="nl-NL" sz="3200" dirty="0" smtClean="0"/>
+              <a:t>Steps</a:t>
+            </a:r>
+            <a:r>
+              <a:rPr lang="id-ID" sz="3200" dirty="0" smtClean="0"/>
+              <a:t> </a:t>
+            </a:r>
+            <a:r>
+              <a:rPr lang="id-ID" sz="3200" dirty="0" err="1" smtClean="0"/>
+              <a:t>to</a:t>
+            </a:r>
+            <a:r>
+              <a:rPr lang="id-ID" sz="3200" dirty="0" smtClean="0"/>
+              <a:t> </a:t>
+            </a:r>
+            <a:r>
+              <a:rPr lang="id-ID" sz="3200" dirty="0" err="1" smtClean="0"/>
+              <a:t>solve</a:t>
+            </a:r>
+            <a:r>
+              <a:rPr lang="id-ID" sz="3200" dirty="0" smtClean="0"/>
+              <a:t> </a:t>
+            </a:r>
+            <a:r>
+              <a:rPr lang="id-ID" sz="3200" dirty="0" err="1" smtClean="0"/>
+              <a:t>the</a:t>
+            </a:r>
+            <a:r>
+              <a:rPr lang="id-ID" sz="3200" dirty="0" smtClean="0"/>
+              <a:t> </a:t>
+            </a:r>
+            <a:r>
+              <a:rPr lang="id-ID" sz="3200" dirty="0" err="1" smtClean="0"/>
+              <a:t>maze</a:t>
+            </a:r>
+            <a:endParaRPr lang="id-ID" sz="3200" dirty="0"/>
+          </a:p>
+        </p:txBody>
+      </p:sp>
+      <p:sp>
+        <p:nvSpPr>
+          <p:cNvPr id="7" name="Content Placeholder 2"/>
           <p:cNvSpPr txBox="1">
             <a:spLocks/>
           </p:cNvSpPr>
@@ -6054,8 +5978,8 @@
         </p:nvSpPr>
         <p:spPr>
           <a:xfrm>
-            <a:off x="4288536" y="2433481"/>
-            <a:ext cx="6647689" cy="2806032"/>
+            <a:off x="5574263" y="2547289"/>
+            <a:ext cx="3008421" cy="1640066"/>
           </a:xfrm>
           <a:prstGeom prst="rect">
             <a:avLst/>
@@ -6063,7 +5987,7 @@
         </p:spPr>
         <p:txBody>
           <a:bodyPr vert="horz" lIns="91440" tIns="45720" rIns="91440" bIns="45720" rtlCol="0" anchor="ctr">
-            <a:noAutofit/>
+            <a:normAutofit fontScale="92500" lnSpcReduction="10000"/>
           </a:bodyPr>
           <a:lstStyle>
             <a:lvl1pPr marL="306000" indent="-306000" algn="l" defTabSz="457200" rtl="0" eaLnBrk="1" latinLnBrk="0" hangingPunct="1">
@@ -6266,63 +6190,139 @@
             </a:lvl9pPr>
           </a:lstStyle>
           <a:p>
-            <a:endParaRPr lang="en-US" sz="2400" dirty="0" smtClean="0"/>
-          </a:p>
-          <a:p>
+            <a:r>
+              <a:rPr lang="id-ID" sz="2800" dirty="0" smtClean="0"/>
+              <a:t>Q-</a:t>
+            </a:r>
+            <a:r>
+              <a:rPr lang="nl-NL" sz="2800" dirty="0" err="1" smtClean="0"/>
+              <a:t>lambda</a:t>
+            </a:r>
+            <a:endParaRPr lang="nl-NL" sz="2800" dirty="0" smtClean="0"/>
+          </a:p>
+          <a:p>
+            <a:r>
+              <a:rPr lang="nl-NL" sz="2800" dirty="0" err="1" smtClean="0"/>
+              <a:t>Sarsa-lambda</a:t>
+            </a:r>
+            <a:endParaRPr lang="nl-NL" sz="2800" dirty="0" smtClean="0"/>
+          </a:p>
+          <a:p>
+            <a:r>
+              <a:rPr lang="nl-NL" sz="2800" dirty="0" smtClean="0"/>
+              <a:t>QV-</a:t>
+            </a:r>
+            <a:r>
+              <a:rPr lang="nl-NL" sz="2800" dirty="0" err="1" smtClean="0"/>
+              <a:t>lambda</a:t>
+            </a:r>
+            <a:endParaRPr lang="nl-NL" sz="2800" dirty="0" smtClean="0"/>
+          </a:p>
+          <a:p>
+            <a:pPr marL="0" indent="0">
+              <a:buFont typeface="Wingdings 2" panose="05020102010507070707" pitchFamily="18" charset="2"/>
+              <a:buNone/>
+            </a:pPr>
+            <a:endParaRPr lang="nl-NL" sz="2800" dirty="0" smtClean="0"/>
+          </a:p>
+        </p:txBody>
+      </p:sp>
+      <p:sp>
+        <p:nvSpPr>
+          <p:cNvPr id="10" name="TextBox 9"/>
+          <p:cNvSpPr txBox="1"/>
+          <p:nvPr/>
+        </p:nvSpPr>
+        <p:spPr>
+          <a:xfrm>
+            <a:off x="5574263" y="1900791"/>
+            <a:ext cx="3759860" cy="461665"/>
+          </a:xfrm>
+          <a:prstGeom prst="rect">
+            <a:avLst/>
+          </a:prstGeom>
+          <a:noFill/>
+        </p:spPr>
+        <p:txBody>
+          <a:bodyPr wrap="square" rtlCol="0">
+            <a:spAutoFit/>
+          </a:bodyPr>
+          <a:lstStyle/>
+          <a:p>
+            <a:r>
+              <a:rPr lang="nl-NL" sz="2400" dirty="0" smtClean="0"/>
+              <a:t>2</a:t>
+            </a:r>
+            <a:r>
+              <a:rPr lang="nl-NL" sz="2400" smtClean="0"/>
+              <a:t>. </a:t>
+            </a:r>
             <a:r>
               <a:rPr lang="en-US" sz="2400" dirty="0" smtClean="0"/>
-              <a:t>Get maximal rewards in shortest path</a:t>
-            </a:r>
-          </a:p>
-          <a:p>
-            <a:r>
-              <a:rPr lang="en-US" sz="2400" dirty="0" smtClean="0"/>
-              <a:t>Find </a:t>
-            </a:r>
-            <a:r>
-              <a:rPr lang="en-US" sz="2400" dirty="0"/>
-              <a:t>the key -&gt; open the chest -&gt;  </a:t>
-            </a:r>
-            <a:r>
-              <a:rPr lang="en-US" sz="2400" dirty="0" smtClean="0"/>
-              <a:t>exit  </a:t>
-            </a:r>
-            <a:r>
-              <a:rPr lang="en-US" sz="2400" dirty="0" smtClean="0">
-                <a:sym typeface="Wingdings" panose="05000000000000000000" pitchFamily="2" charset="2"/>
-              </a:rPr>
-              <a:t></a:t>
-            </a:r>
-            <a:endParaRPr lang="en-US" sz="2400" dirty="0"/>
-          </a:p>
-          <a:p>
-            <a:r>
-              <a:rPr lang="en-US" sz="2400" dirty="0" smtClean="0"/>
-              <a:t>Can not go through the fixed walls</a:t>
-            </a:r>
-          </a:p>
-          <a:p>
-            <a:r>
-              <a:rPr lang="en-US" sz="2400" dirty="0" smtClean="0"/>
-              <a:t>Have punishment when stepping into the pits </a:t>
-            </a:r>
-            <a:r>
-              <a:rPr lang="en-US" sz="2400" dirty="0" smtClean="0">
-                <a:sym typeface="Wingdings" panose="05000000000000000000" pitchFamily="2" charset="2"/>
-              </a:rPr>
-              <a:t></a:t>
-            </a:r>
-            <a:endParaRPr lang="en-US" sz="2400" dirty="0" smtClean="0"/>
-          </a:p>
-          <a:p>
-            <a:endParaRPr lang="en-US" sz="2400" dirty="0"/>
+              <a:t>Algorithms</a:t>
+            </a:r>
+            <a:r>
+              <a:rPr lang="nl-NL" sz="2400" dirty="0" smtClean="0"/>
+              <a:t> with </a:t>
+            </a:r>
+            <a:r>
+              <a:rPr lang="nl-NL" sz="2400" dirty="0" err="1" smtClean="0"/>
+              <a:t>lambda</a:t>
+            </a:r>
+            <a:r>
+              <a:rPr lang="nl-NL" sz="2400" dirty="0" smtClean="0"/>
+              <a:t>:</a:t>
+            </a:r>
+            <a:endParaRPr lang="nl-NL" sz="2400" dirty="0"/>
+          </a:p>
+        </p:txBody>
+      </p:sp>
+      <p:sp>
+        <p:nvSpPr>
+          <p:cNvPr id="11" name="TextBox 10"/>
+          <p:cNvSpPr txBox="1"/>
+          <p:nvPr/>
+        </p:nvSpPr>
+        <p:spPr>
+          <a:xfrm>
+            <a:off x="1777307" y="1900790"/>
+            <a:ext cx="2812799" cy="461665"/>
+          </a:xfrm>
+          <a:prstGeom prst="rect">
+            <a:avLst/>
+          </a:prstGeom>
+          <a:noFill/>
+        </p:spPr>
+        <p:txBody>
+          <a:bodyPr wrap="square" rtlCol="0">
+            <a:spAutoFit/>
+          </a:bodyPr>
+          <a:lstStyle/>
+          <a:p>
+            <a:r>
+              <a:rPr lang="nl-NL" sz="2400" dirty="0"/>
+              <a:t>1</a:t>
+            </a:r>
+            <a:r>
+              <a:rPr lang="nl-NL" sz="2400" dirty="0" smtClean="0"/>
+              <a:t>. Basic </a:t>
+            </a:r>
+            <a:r>
+              <a:rPr lang="nl-NL" sz="2400" dirty="0" err="1" smtClean="0"/>
+              <a:t>algorithms</a:t>
+            </a:r>
+            <a:r>
+              <a:rPr lang="nl-NL" sz="2400" dirty="0" smtClean="0"/>
+              <a:t>:</a:t>
+            </a:r>
+            <a:endParaRPr lang="nl-NL" sz="2400" dirty="0"/>
           </a:p>
         </p:txBody>
       </p:sp>
     </p:spTree>
     <p:extLst>
       <p:ext uri="{BB962C8B-B14F-4D97-AF65-F5344CB8AC3E}">
-        <p14:creationId xmlns:p14="http://schemas.microsoft.com/office/powerpoint/2010/main" val="1834345714"/>
+        <p14:creationId xmlns:p14="http://schemas.microsoft.com/office/powerpoint/2010/main" val="299028429"/>
       </p:ext>
     </p:extLst>
   </p:cSld>

--- a/Group Presentation.pptx
+++ b/Group Presentation.pptx
@@ -4909,8 +4909,8 @@
         </p:nvSpPr>
         <p:spPr>
           <a:xfrm>
-            <a:off x="581192" y="2180497"/>
-            <a:ext cx="5755600" cy="3242530"/>
+            <a:off x="581191" y="1946580"/>
+            <a:ext cx="5872772" cy="1370777"/>
           </a:xfrm>
         </p:spPr>
         <p:txBody>
@@ -4919,15 +4919,15 @@
           </a:bodyPr>
           <a:lstStyle/>
           <a:p>
-            <a:endParaRPr lang="nl-NL" sz="2800" dirty="0" smtClean="0"/>
-          </a:p>
-          <a:p>
-            <a:r>
-              <a:rPr lang="nl-NL" sz="2200" dirty="0" err="1"/>
+            <a:pPr marL="0" indent="0">
+              <a:buNone/>
+            </a:pPr>
+            <a:r>
+              <a:rPr lang="nl-NL" sz="2200" dirty="0" err="1" smtClean="0"/>
               <a:t>To</a:t>
             </a:r>
             <a:r>
-              <a:rPr lang="nl-NL" sz="2200" dirty="0"/>
+              <a:rPr lang="nl-NL" sz="2200" dirty="0" smtClean="0"/>
               <a:t> </a:t>
             </a:r>
             <a:r>
@@ -4963,64 +4963,10 @@
               <a:t> are </a:t>
             </a:r>
             <a:r>
-              <a:rPr lang="nl-NL" sz="2200" dirty="0" err="1"/>
+              <a:rPr lang="nl-NL" sz="2200" dirty="0" err="1" smtClean="0"/>
               <a:t>designed</a:t>
             </a:r>
-            <a:endParaRPr lang="nl-NL" sz="2200" dirty="0"/>
-          </a:p>
-          <a:p>
-            <a:endParaRPr lang="nl-NL" sz="2800" dirty="0" smtClean="0"/>
-          </a:p>
-          <a:p>
-            <a:r>
-              <a:rPr lang="en-US" sz="2800" dirty="0" smtClean="0"/>
-              <a:t>Add</a:t>
-            </a:r>
-            <a:r>
-              <a:rPr lang="id-ID" sz="2800" dirty="0" smtClean="0"/>
-              <a:t> </a:t>
-            </a:r>
-            <a:r>
-              <a:rPr lang="id-ID" sz="2800" dirty="0" err="1" smtClean="0"/>
-              <a:t>the</a:t>
-            </a:r>
-            <a:r>
-              <a:rPr lang="id-ID" sz="2800" dirty="0" smtClean="0"/>
-              <a:t> </a:t>
-            </a:r>
-            <a:r>
-              <a:rPr lang="id-ID" sz="2800" dirty="0" err="1" smtClean="0"/>
-              <a:t>maze</a:t>
-            </a:r>
-            <a:r>
-              <a:rPr lang="nl-NL" sz="2800" dirty="0" smtClean="0"/>
-              <a:t>s</a:t>
-            </a:r>
-            <a:r>
-              <a:rPr lang="id-ID" sz="2800" dirty="0" smtClean="0"/>
-              <a:t> </a:t>
-            </a:r>
-            <a:r>
-              <a:rPr lang="id-ID" sz="2800" dirty="0" err="1" smtClean="0"/>
-              <a:t>here</a:t>
-            </a:r>
-            <a:r>
-              <a:rPr lang="id-ID" sz="2800" dirty="0" smtClean="0"/>
-              <a:t>...</a:t>
-            </a:r>
-            <a:endParaRPr lang="nl-NL" sz="2800" dirty="0" smtClean="0"/>
-          </a:p>
-          <a:p>
             <a:endParaRPr lang="nl-NL" dirty="0"/>
-          </a:p>
-          <a:p>
-            <a:endParaRPr lang="nl-NL" dirty="0" smtClean="0"/>
-          </a:p>
-          <a:p>
-            <a:endParaRPr lang="nl-NL" dirty="0"/>
-          </a:p>
-          <a:p>
-            <a:endParaRPr lang="id-ID" dirty="0"/>
           </a:p>
         </p:txBody>
       </p:sp>
@@ -5034,8 +4980,8 @@
         </p:nvSpPr>
         <p:spPr>
           <a:xfrm>
-            <a:off x="6957669" y="2180497"/>
-            <a:ext cx="3909327" cy="3678303"/>
+            <a:off x="581191" y="3179956"/>
+            <a:ext cx="3754013" cy="3539819"/>
           </a:xfrm>
           <a:prstGeom prst="rect">
             <a:avLst/>
@@ -5247,27 +5193,27 @@
           </a:lstStyle>
           <a:p>
             <a:r>
-              <a:rPr lang="nl-NL" sz="2800" dirty="0" err="1" smtClean="0"/>
+              <a:rPr lang="nl-NL" sz="2400" dirty="0" err="1" smtClean="0"/>
               <a:t>Elements</a:t>
             </a:r>
             <a:r>
-              <a:rPr lang="nl-NL" sz="2800" dirty="0" smtClean="0"/>
+              <a:rPr lang="nl-NL" sz="2400" dirty="0" smtClean="0"/>
               <a:t> in </a:t>
             </a:r>
             <a:r>
-              <a:rPr lang="nl-NL" sz="2800" dirty="0" err="1" smtClean="0"/>
+              <a:rPr lang="nl-NL" sz="2400" dirty="0" err="1" smtClean="0"/>
               <a:t>the</a:t>
             </a:r>
             <a:r>
-              <a:rPr lang="nl-NL" sz="2800" dirty="0" smtClean="0"/>
+              <a:rPr lang="nl-NL" sz="2400" dirty="0" smtClean="0"/>
               <a:t> </a:t>
             </a:r>
             <a:r>
-              <a:rPr lang="nl-NL" sz="2800" dirty="0" err="1" smtClean="0"/>
+              <a:rPr lang="nl-NL" sz="2400" dirty="0" err="1" smtClean="0"/>
               <a:t>maze</a:t>
             </a:r>
             <a:r>
-              <a:rPr lang="nl-NL" sz="2800" dirty="0" smtClean="0"/>
+              <a:rPr lang="nl-NL" sz="2400" dirty="0" smtClean="0"/>
               <a:t>:</a:t>
             </a:r>
           </a:p>
@@ -5277,7 +5223,7 @@
               <a:buChar char="Ø"/>
             </a:pPr>
             <a:r>
-              <a:rPr lang="nl-NL" sz="2800" dirty="0" smtClean="0"/>
+              <a:rPr lang="nl-NL" sz="2400" dirty="0" smtClean="0"/>
               <a:t>Walls </a:t>
             </a:r>
           </a:p>
@@ -5287,7 +5233,7 @@
               <a:buChar char="Ø"/>
             </a:pPr>
             <a:r>
-              <a:rPr lang="nl-NL" sz="2800" dirty="0" smtClean="0"/>
+              <a:rPr lang="nl-NL" sz="2400" dirty="0" smtClean="0"/>
               <a:t>Pits </a:t>
             </a:r>
           </a:p>
@@ -5297,26 +5243,26 @@
               <a:buChar char="Ø"/>
             </a:pPr>
             <a:r>
-              <a:rPr lang="nl-NL" sz="2800" dirty="0" err="1" smtClean="0"/>
+              <a:rPr lang="nl-NL" sz="2400" dirty="0" err="1" smtClean="0"/>
               <a:t>Pairwise</a:t>
             </a:r>
             <a:r>
-              <a:rPr lang="nl-NL" sz="2800" dirty="0" smtClean="0"/>
+              <a:rPr lang="nl-NL" sz="2400" dirty="0" smtClean="0"/>
               <a:t> </a:t>
             </a:r>
             <a:r>
-              <a:rPr lang="nl-NL" sz="2800" dirty="0" err="1" smtClean="0"/>
+              <a:rPr lang="nl-NL" sz="2400" dirty="0" err="1" smtClean="0"/>
               <a:t>keys</a:t>
             </a:r>
             <a:r>
-              <a:rPr lang="nl-NL" sz="2800" dirty="0" smtClean="0"/>
+              <a:rPr lang="nl-NL" sz="2400" dirty="0" smtClean="0"/>
               <a:t> -&gt; </a:t>
             </a:r>
             <a:r>
-              <a:rPr lang="nl-NL" sz="2800" dirty="0" err="1" smtClean="0"/>
+              <a:rPr lang="nl-NL" sz="2400" dirty="0" err="1" smtClean="0"/>
               <a:t>chests</a:t>
             </a:r>
-            <a:endParaRPr lang="nl-NL" sz="2800" dirty="0" smtClean="0"/>
+            <a:endParaRPr lang="nl-NL" sz="2400" dirty="0" smtClean="0"/>
           </a:p>
           <a:p>
             <a:pPr>
@@ -5324,7 +5270,7 @@
               <a:buChar char="Ø"/>
             </a:pPr>
             <a:r>
-              <a:rPr lang="nl-NL" sz="2800" dirty="0" smtClean="0"/>
+              <a:rPr lang="nl-NL" sz="2400" dirty="0" smtClean="0"/>
               <a:t>Exit</a:t>
             </a:r>
           </a:p>
@@ -5337,6 +5283,66 @@
           </a:p>
         </p:txBody>
       </p:sp>
+      <p:pic>
+        <p:nvPicPr>
+          <p:cNvPr id="5" name="Picture 4"/>
+          <p:cNvPicPr>
+            <a:picLocks noChangeAspect="1"/>
+          </p:cNvPicPr>
+          <p:nvPr/>
+        </p:nvPicPr>
+        <p:blipFill>
+          <a:blip r:embed="rId2">
+            <a:extLst>
+              <a:ext uri="{28A0092B-C50C-407E-A947-70E740481C1C}">
+                <a14:useLocalDpi xmlns:a14="http://schemas.microsoft.com/office/drawing/2010/main" val="0"/>
+              </a:ext>
+            </a:extLst>
+          </a:blip>
+          <a:stretch>
+            <a:fillRect/>
+          </a:stretch>
+        </p:blipFill>
+        <p:spPr>
+          <a:xfrm>
+            <a:off x="5187601" y="3547981"/>
+            <a:ext cx="2758114" cy="1848845"/>
+          </a:xfrm>
+          <a:prstGeom prst="rect">
+            <a:avLst/>
+          </a:prstGeom>
+        </p:spPr>
+      </p:pic>
+      <p:pic>
+        <p:nvPicPr>
+          <p:cNvPr id="6" name="Picture 5"/>
+          <p:cNvPicPr>
+            <a:picLocks noChangeAspect="1"/>
+          </p:cNvPicPr>
+          <p:nvPr/>
+        </p:nvPicPr>
+        <p:blipFill>
+          <a:blip r:embed="rId3">
+            <a:extLst>
+              <a:ext uri="{28A0092B-C50C-407E-A947-70E740481C1C}">
+                <a14:useLocalDpi xmlns:a14="http://schemas.microsoft.com/office/drawing/2010/main" val="0"/>
+              </a:ext>
+            </a:extLst>
+          </a:blip>
+          <a:stretch>
+            <a:fillRect/>
+          </a:stretch>
+        </p:blipFill>
+        <p:spPr>
+          <a:xfrm>
+            <a:off x="8357190" y="2202541"/>
+            <a:ext cx="3067275" cy="3194285"/>
+          </a:xfrm>
+          <a:prstGeom prst="rect">
+            <a:avLst/>
+          </a:prstGeom>
+        </p:spPr>
+      </p:pic>
     </p:spTree>
     <p:extLst>
       <p:ext uri="{BB962C8B-B14F-4D97-AF65-F5344CB8AC3E}">

--- a/Group Presentation.pptx
+++ b/Group Presentation.pptx
@@ -7785,708 +7785,6 @@
             <a:r>
               <a:rPr lang="nl-NL" sz="2400" dirty="0" smtClean="0"/>
               <a:t> = 0.8</a:t>
-            </a:r>
-            <a:endParaRPr lang="id-ID" sz="2400" dirty="0"/>
-          </a:p>
-        </p:txBody>
-      </p:sp>
-      <p:sp>
-        <p:nvSpPr>
-          <p:cNvPr id="7" name="Content Placeholder 2"/>
-          <p:cNvSpPr txBox="1">
-            <a:spLocks/>
-          </p:cNvSpPr>
-          <p:nvPr/>
-        </p:nvSpPr>
-        <p:spPr>
-          <a:xfrm>
-            <a:off x="3886198" y="2180497"/>
-            <a:ext cx="3305007" cy="827879"/>
-          </a:xfrm>
-          <a:prstGeom prst="rect">
-            <a:avLst/>
-          </a:prstGeom>
-        </p:spPr>
-        <p:txBody>
-          <a:bodyPr vert="horz" lIns="91440" tIns="45720" rIns="91440" bIns="45720" rtlCol="0" anchor="ctr">
-            <a:normAutofit/>
-          </a:bodyPr>
-          <a:lstStyle>
-            <a:lvl1pPr marL="306000" indent="-306000" algn="l" defTabSz="457200" rtl="0" eaLnBrk="1" latinLnBrk="0" hangingPunct="1">
-              <a:spcBef>
-                <a:spcPct val="20000"/>
-              </a:spcBef>
-              <a:spcAft>
-                <a:spcPts val="600"/>
-              </a:spcAft>
-              <a:buClr>
-                <a:schemeClr val="accent2"/>
-              </a:buClr>
-              <a:buSzPct val="92000"/>
-              <a:buFont typeface="Wingdings 2" panose="05020102010507070707" pitchFamily="18" charset="2"/>
-              <a:buChar char=""/>
-              <a:defRPr sz="1800" kern="1200">
-                <a:solidFill>
-                  <a:schemeClr val="tx2"/>
-                </a:solidFill>
-                <a:latin typeface="+mn-lt"/>
-                <a:ea typeface="+mn-ea"/>
-                <a:cs typeface="+mn-cs"/>
-              </a:defRPr>
-            </a:lvl1pPr>
-            <a:lvl2pPr marL="630000" indent="-306000" algn="l" defTabSz="457200" rtl="0" eaLnBrk="1" latinLnBrk="0" hangingPunct="1">
-              <a:spcBef>
-                <a:spcPct val="20000"/>
-              </a:spcBef>
-              <a:spcAft>
-                <a:spcPts val="600"/>
-              </a:spcAft>
-              <a:buClr>
-                <a:schemeClr val="accent2"/>
-              </a:buClr>
-              <a:buSzPct val="92000"/>
-              <a:buFont typeface="Wingdings 2" panose="05020102010507070707" pitchFamily="18" charset="2"/>
-              <a:buChar char=""/>
-              <a:defRPr sz="1600" kern="1200">
-                <a:solidFill>
-                  <a:schemeClr val="tx2"/>
-                </a:solidFill>
-                <a:latin typeface="+mn-lt"/>
-                <a:ea typeface="+mn-ea"/>
-                <a:cs typeface="+mn-cs"/>
-              </a:defRPr>
-            </a:lvl2pPr>
-            <a:lvl3pPr marL="900000" indent="-270000" algn="l" defTabSz="457200" rtl="0" eaLnBrk="1" latinLnBrk="0" hangingPunct="1">
-              <a:spcBef>
-                <a:spcPct val="20000"/>
-              </a:spcBef>
-              <a:spcAft>
-                <a:spcPts val="600"/>
-              </a:spcAft>
-              <a:buClr>
-                <a:schemeClr val="accent2"/>
-              </a:buClr>
-              <a:buSzPct val="92000"/>
-              <a:buFont typeface="Wingdings 2" panose="05020102010507070707" pitchFamily="18" charset="2"/>
-              <a:buChar char=""/>
-              <a:defRPr sz="1400" kern="1200">
-                <a:solidFill>
-                  <a:schemeClr val="tx2"/>
-                </a:solidFill>
-                <a:latin typeface="+mn-lt"/>
-                <a:ea typeface="+mn-ea"/>
-                <a:cs typeface="+mn-cs"/>
-              </a:defRPr>
-            </a:lvl3pPr>
-            <a:lvl4pPr marL="1242000" indent="-234000" algn="l" defTabSz="457200" rtl="0" eaLnBrk="1" latinLnBrk="0" hangingPunct="1">
-              <a:spcBef>
-                <a:spcPct val="20000"/>
-              </a:spcBef>
-              <a:spcAft>
-                <a:spcPts val="600"/>
-              </a:spcAft>
-              <a:buClr>
-                <a:schemeClr val="accent2"/>
-              </a:buClr>
-              <a:buSzPct val="92000"/>
-              <a:buFont typeface="Wingdings 2" panose="05020102010507070707" pitchFamily="18" charset="2"/>
-              <a:buChar char=""/>
-              <a:defRPr sz="1200" kern="1200">
-                <a:solidFill>
-                  <a:schemeClr val="tx2"/>
-                </a:solidFill>
-                <a:latin typeface="+mn-lt"/>
-                <a:ea typeface="+mn-ea"/>
-                <a:cs typeface="+mn-cs"/>
-              </a:defRPr>
-            </a:lvl4pPr>
-            <a:lvl5pPr marL="1602000" indent="-234000" algn="l" defTabSz="457200" rtl="0" eaLnBrk="1" latinLnBrk="0" hangingPunct="1">
-              <a:spcBef>
-                <a:spcPct val="20000"/>
-              </a:spcBef>
-              <a:spcAft>
-                <a:spcPts val="600"/>
-              </a:spcAft>
-              <a:buClr>
-                <a:schemeClr val="accent2"/>
-              </a:buClr>
-              <a:buSzPct val="92000"/>
-              <a:buFont typeface="Wingdings 2" panose="05020102010507070707" pitchFamily="18" charset="2"/>
-              <a:buChar char=""/>
-              <a:defRPr sz="1200" kern="1200">
-                <a:solidFill>
-                  <a:schemeClr val="tx2"/>
-                </a:solidFill>
-                <a:latin typeface="+mn-lt"/>
-                <a:ea typeface="+mn-ea"/>
-                <a:cs typeface="+mn-cs"/>
-              </a:defRPr>
-            </a:lvl5pPr>
-            <a:lvl6pPr marL="1900000" indent="-228600" algn="l" defTabSz="457200" rtl="0" eaLnBrk="1" latinLnBrk="0" hangingPunct="1">
-              <a:spcBef>
-                <a:spcPct val="20000"/>
-              </a:spcBef>
-              <a:spcAft>
-                <a:spcPts val="600"/>
-              </a:spcAft>
-              <a:buClr>
-                <a:schemeClr val="accent2"/>
-              </a:buClr>
-              <a:buSzPct val="92000"/>
-              <a:buFont typeface="Wingdings 2" panose="05020102010507070707" pitchFamily="18" charset="2"/>
-              <a:buChar char=""/>
-              <a:defRPr sz="1200" kern="1200">
-                <a:solidFill>
-                  <a:schemeClr val="tx2"/>
-                </a:solidFill>
-                <a:latin typeface="+mn-lt"/>
-                <a:ea typeface="+mn-ea"/>
-                <a:cs typeface="+mn-cs"/>
-              </a:defRPr>
-            </a:lvl6pPr>
-            <a:lvl7pPr marL="2200000" indent="-228600" algn="l" defTabSz="457200" rtl="0" eaLnBrk="1" latinLnBrk="0" hangingPunct="1">
-              <a:spcBef>
-                <a:spcPct val="20000"/>
-              </a:spcBef>
-              <a:spcAft>
-                <a:spcPts val="600"/>
-              </a:spcAft>
-              <a:buClr>
-                <a:schemeClr val="accent2"/>
-              </a:buClr>
-              <a:buSzPct val="92000"/>
-              <a:buFont typeface="Wingdings 2" panose="05020102010507070707" pitchFamily="18" charset="2"/>
-              <a:buChar char=""/>
-              <a:defRPr sz="1200" kern="1200">
-                <a:solidFill>
-                  <a:schemeClr val="tx2"/>
-                </a:solidFill>
-                <a:latin typeface="+mn-lt"/>
-                <a:ea typeface="+mn-ea"/>
-                <a:cs typeface="+mn-cs"/>
-              </a:defRPr>
-            </a:lvl7pPr>
-            <a:lvl8pPr marL="2500000" indent="-228600" algn="l" defTabSz="457200" rtl="0" eaLnBrk="1" latinLnBrk="0" hangingPunct="1">
-              <a:spcBef>
-                <a:spcPct val="20000"/>
-              </a:spcBef>
-              <a:spcAft>
-                <a:spcPts val="600"/>
-              </a:spcAft>
-              <a:buClr>
-                <a:schemeClr val="accent2"/>
-              </a:buClr>
-              <a:buSzPct val="92000"/>
-              <a:buFont typeface="Wingdings 2" panose="05020102010507070707" pitchFamily="18" charset="2"/>
-              <a:buChar char=""/>
-              <a:defRPr sz="1200" kern="1200">
-                <a:solidFill>
-                  <a:schemeClr val="tx2"/>
-                </a:solidFill>
-                <a:latin typeface="+mn-lt"/>
-                <a:ea typeface="+mn-ea"/>
-                <a:cs typeface="+mn-cs"/>
-              </a:defRPr>
-            </a:lvl8pPr>
-            <a:lvl9pPr marL="2800000" indent="-228600" algn="l" defTabSz="457200" rtl="0" eaLnBrk="1" latinLnBrk="0" hangingPunct="1">
-              <a:spcBef>
-                <a:spcPct val="20000"/>
-              </a:spcBef>
-              <a:spcAft>
-                <a:spcPts val="600"/>
-              </a:spcAft>
-              <a:buClr>
-                <a:schemeClr val="accent2"/>
-              </a:buClr>
-              <a:buSzPct val="92000"/>
-              <a:buFont typeface="Wingdings 2" panose="05020102010507070707" pitchFamily="18" charset="2"/>
-              <a:buChar char=""/>
-              <a:defRPr sz="1200" kern="1200">
-                <a:solidFill>
-                  <a:schemeClr val="tx2"/>
-                </a:solidFill>
-                <a:latin typeface="+mn-lt"/>
-                <a:ea typeface="+mn-ea"/>
-                <a:cs typeface="+mn-cs"/>
-              </a:defRPr>
-            </a:lvl9pPr>
-          </a:lstStyle>
-          <a:p>
-            <a:pPr marL="0" indent="0">
-              <a:buFont typeface="Wingdings 2" panose="05020102010507070707" pitchFamily="18" charset="2"/>
-              <a:buNone/>
-            </a:pPr>
-            <a:r>
-              <a:rPr lang="nl-NL" sz="2400" dirty="0" smtClean="0"/>
-              <a:t>Three plots:..</a:t>
-            </a:r>
-            <a:endParaRPr lang="id-ID" sz="2400" dirty="0"/>
-          </a:p>
-        </p:txBody>
-      </p:sp>
-      <p:sp>
-        <p:nvSpPr>
-          <p:cNvPr id="8" name="Content Placeholder 2"/>
-          <p:cNvSpPr txBox="1">
-            <a:spLocks/>
-          </p:cNvSpPr>
-          <p:nvPr/>
-        </p:nvSpPr>
-        <p:spPr>
-          <a:xfrm>
-            <a:off x="3886197" y="3275903"/>
-            <a:ext cx="3305007" cy="827879"/>
-          </a:xfrm>
-          <a:prstGeom prst="rect">
-            <a:avLst/>
-          </a:prstGeom>
-        </p:spPr>
-        <p:txBody>
-          <a:bodyPr vert="horz" lIns="91440" tIns="45720" rIns="91440" bIns="45720" rtlCol="0" anchor="ctr">
-            <a:normAutofit/>
-          </a:bodyPr>
-          <a:lstStyle>
-            <a:lvl1pPr marL="306000" indent="-306000" algn="l" defTabSz="457200" rtl="0" eaLnBrk="1" latinLnBrk="0" hangingPunct="1">
-              <a:spcBef>
-                <a:spcPct val="20000"/>
-              </a:spcBef>
-              <a:spcAft>
-                <a:spcPts val="600"/>
-              </a:spcAft>
-              <a:buClr>
-                <a:schemeClr val="accent2"/>
-              </a:buClr>
-              <a:buSzPct val="92000"/>
-              <a:buFont typeface="Wingdings 2" panose="05020102010507070707" pitchFamily="18" charset="2"/>
-              <a:buChar char=""/>
-              <a:defRPr sz="1800" kern="1200">
-                <a:solidFill>
-                  <a:schemeClr val="tx2"/>
-                </a:solidFill>
-                <a:latin typeface="+mn-lt"/>
-                <a:ea typeface="+mn-ea"/>
-                <a:cs typeface="+mn-cs"/>
-              </a:defRPr>
-            </a:lvl1pPr>
-            <a:lvl2pPr marL="630000" indent="-306000" algn="l" defTabSz="457200" rtl="0" eaLnBrk="1" latinLnBrk="0" hangingPunct="1">
-              <a:spcBef>
-                <a:spcPct val="20000"/>
-              </a:spcBef>
-              <a:spcAft>
-                <a:spcPts val="600"/>
-              </a:spcAft>
-              <a:buClr>
-                <a:schemeClr val="accent2"/>
-              </a:buClr>
-              <a:buSzPct val="92000"/>
-              <a:buFont typeface="Wingdings 2" panose="05020102010507070707" pitchFamily="18" charset="2"/>
-              <a:buChar char=""/>
-              <a:defRPr sz="1600" kern="1200">
-                <a:solidFill>
-                  <a:schemeClr val="tx2"/>
-                </a:solidFill>
-                <a:latin typeface="+mn-lt"/>
-                <a:ea typeface="+mn-ea"/>
-                <a:cs typeface="+mn-cs"/>
-              </a:defRPr>
-            </a:lvl2pPr>
-            <a:lvl3pPr marL="900000" indent="-270000" algn="l" defTabSz="457200" rtl="0" eaLnBrk="1" latinLnBrk="0" hangingPunct="1">
-              <a:spcBef>
-                <a:spcPct val="20000"/>
-              </a:spcBef>
-              <a:spcAft>
-                <a:spcPts val="600"/>
-              </a:spcAft>
-              <a:buClr>
-                <a:schemeClr val="accent2"/>
-              </a:buClr>
-              <a:buSzPct val="92000"/>
-              <a:buFont typeface="Wingdings 2" panose="05020102010507070707" pitchFamily="18" charset="2"/>
-              <a:buChar char=""/>
-              <a:defRPr sz="1400" kern="1200">
-                <a:solidFill>
-                  <a:schemeClr val="tx2"/>
-                </a:solidFill>
-                <a:latin typeface="+mn-lt"/>
-                <a:ea typeface="+mn-ea"/>
-                <a:cs typeface="+mn-cs"/>
-              </a:defRPr>
-            </a:lvl3pPr>
-            <a:lvl4pPr marL="1242000" indent="-234000" algn="l" defTabSz="457200" rtl="0" eaLnBrk="1" latinLnBrk="0" hangingPunct="1">
-              <a:spcBef>
-                <a:spcPct val="20000"/>
-              </a:spcBef>
-              <a:spcAft>
-                <a:spcPts val="600"/>
-              </a:spcAft>
-              <a:buClr>
-                <a:schemeClr val="accent2"/>
-              </a:buClr>
-              <a:buSzPct val="92000"/>
-              <a:buFont typeface="Wingdings 2" panose="05020102010507070707" pitchFamily="18" charset="2"/>
-              <a:buChar char=""/>
-              <a:defRPr sz="1200" kern="1200">
-                <a:solidFill>
-                  <a:schemeClr val="tx2"/>
-                </a:solidFill>
-                <a:latin typeface="+mn-lt"/>
-                <a:ea typeface="+mn-ea"/>
-                <a:cs typeface="+mn-cs"/>
-              </a:defRPr>
-            </a:lvl4pPr>
-            <a:lvl5pPr marL="1602000" indent="-234000" algn="l" defTabSz="457200" rtl="0" eaLnBrk="1" latinLnBrk="0" hangingPunct="1">
-              <a:spcBef>
-                <a:spcPct val="20000"/>
-              </a:spcBef>
-              <a:spcAft>
-                <a:spcPts val="600"/>
-              </a:spcAft>
-              <a:buClr>
-                <a:schemeClr val="accent2"/>
-              </a:buClr>
-              <a:buSzPct val="92000"/>
-              <a:buFont typeface="Wingdings 2" panose="05020102010507070707" pitchFamily="18" charset="2"/>
-              <a:buChar char=""/>
-              <a:defRPr sz="1200" kern="1200">
-                <a:solidFill>
-                  <a:schemeClr val="tx2"/>
-                </a:solidFill>
-                <a:latin typeface="+mn-lt"/>
-                <a:ea typeface="+mn-ea"/>
-                <a:cs typeface="+mn-cs"/>
-              </a:defRPr>
-            </a:lvl5pPr>
-            <a:lvl6pPr marL="1900000" indent="-228600" algn="l" defTabSz="457200" rtl="0" eaLnBrk="1" latinLnBrk="0" hangingPunct="1">
-              <a:spcBef>
-                <a:spcPct val="20000"/>
-              </a:spcBef>
-              <a:spcAft>
-                <a:spcPts val="600"/>
-              </a:spcAft>
-              <a:buClr>
-                <a:schemeClr val="accent2"/>
-              </a:buClr>
-              <a:buSzPct val="92000"/>
-              <a:buFont typeface="Wingdings 2" panose="05020102010507070707" pitchFamily="18" charset="2"/>
-              <a:buChar char=""/>
-              <a:defRPr sz="1200" kern="1200">
-                <a:solidFill>
-                  <a:schemeClr val="tx2"/>
-                </a:solidFill>
-                <a:latin typeface="+mn-lt"/>
-                <a:ea typeface="+mn-ea"/>
-                <a:cs typeface="+mn-cs"/>
-              </a:defRPr>
-            </a:lvl6pPr>
-            <a:lvl7pPr marL="2200000" indent="-228600" algn="l" defTabSz="457200" rtl="0" eaLnBrk="1" latinLnBrk="0" hangingPunct="1">
-              <a:spcBef>
-                <a:spcPct val="20000"/>
-              </a:spcBef>
-              <a:spcAft>
-                <a:spcPts val="600"/>
-              </a:spcAft>
-              <a:buClr>
-                <a:schemeClr val="accent2"/>
-              </a:buClr>
-              <a:buSzPct val="92000"/>
-              <a:buFont typeface="Wingdings 2" panose="05020102010507070707" pitchFamily="18" charset="2"/>
-              <a:buChar char=""/>
-              <a:defRPr sz="1200" kern="1200">
-                <a:solidFill>
-                  <a:schemeClr val="tx2"/>
-                </a:solidFill>
-                <a:latin typeface="+mn-lt"/>
-                <a:ea typeface="+mn-ea"/>
-                <a:cs typeface="+mn-cs"/>
-              </a:defRPr>
-            </a:lvl7pPr>
-            <a:lvl8pPr marL="2500000" indent="-228600" algn="l" defTabSz="457200" rtl="0" eaLnBrk="1" latinLnBrk="0" hangingPunct="1">
-              <a:spcBef>
-                <a:spcPct val="20000"/>
-              </a:spcBef>
-              <a:spcAft>
-                <a:spcPts val="600"/>
-              </a:spcAft>
-              <a:buClr>
-                <a:schemeClr val="accent2"/>
-              </a:buClr>
-              <a:buSzPct val="92000"/>
-              <a:buFont typeface="Wingdings 2" panose="05020102010507070707" pitchFamily="18" charset="2"/>
-              <a:buChar char=""/>
-              <a:defRPr sz="1200" kern="1200">
-                <a:solidFill>
-                  <a:schemeClr val="tx2"/>
-                </a:solidFill>
-                <a:latin typeface="+mn-lt"/>
-                <a:ea typeface="+mn-ea"/>
-                <a:cs typeface="+mn-cs"/>
-              </a:defRPr>
-            </a:lvl8pPr>
-            <a:lvl9pPr marL="2800000" indent="-228600" algn="l" defTabSz="457200" rtl="0" eaLnBrk="1" latinLnBrk="0" hangingPunct="1">
-              <a:spcBef>
-                <a:spcPct val="20000"/>
-              </a:spcBef>
-              <a:spcAft>
-                <a:spcPts val="600"/>
-              </a:spcAft>
-              <a:buClr>
-                <a:schemeClr val="accent2"/>
-              </a:buClr>
-              <a:buSzPct val="92000"/>
-              <a:buFont typeface="Wingdings 2" panose="05020102010507070707" pitchFamily="18" charset="2"/>
-              <a:buChar char=""/>
-              <a:defRPr sz="1200" kern="1200">
-                <a:solidFill>
-                  <a:schemeClr val="tx2"/>
-                </a:solidFill>
-                <a:latin typeface="+mn-lt"/>
-                <a:ea typeface="+mn-ea"/>
-                <a:cs typeface="+mn-cs"/>
-              </a:defRPr>
-            </a:lvl9pPr>
-          </a:lstStyle>
-          <a:p>
-            <a:pPr marL="0" indent="0">
-              <a:buFont typeface="Wingdings 2" panose="05020102010507070707" pitchFamily="18" charset="2"/>
-              <a:buNone/>
-            </a:pPr>
-            <a:r>
-              <a:rPr lang="nl-NL" sz="2400" dirty="0" smtClean="0"/>
-              <a:t>Three plots:…</a:t>
-            </a:r>
-            <a:endParaRPr lang="id-ID" sz="2400" dirty="0"/>
-          </a:p>
-        </p:txBody>
-      </p:sp>
-      <p:sp>
-        <p:nvSpPr>
-          <p:cNvPr id="9" name="Content Placeholder 2"/>
-          <p:cNvSpPr txBox="1">
-            <a:spLocks/>
-          </p:cNvSpPr>
-          <p:nvPr/>
-        </p:nvSpPr>
-        <p:spPr>
-          <a:xfrm>
-            <a:off x="3886197" y="4432968"/>
-            <a:ext cx="3305007" cy="827879"/>
-          </a:xfrm>
-          <a:prstGeom prst="rect">
-            <a:avLst/>
-          </a:prstGeom>
-        </p:spPr>
-        <p:txBody>
-          <a:bodyPr vert="horz" lIns="91440" tIns="45720" rIns="91440" bIns="45720" rtlCol="0" anchor="ctr">
-            <a:normAutofit/>
-          </a:bodyPr>
-          <a:lstStyle>
-            <a:lvl1pPr marL="306000" indent="-306000" algn="l" defTabSz="457200" rtl="0" eaLnBrk="1" latinLnBrk="0" hangingPunct="1">
-              <a:spcBef>
-                <a:spcPct val="20000"/>
-              </a:spcBef>
-              <a:spcAft>
-                <a:spcPts val="600"/>
-              </a:spcAft>
-              <a:buClr>
-                <a:schemeClr val="accent2"/>
-              </a:buClr>
-              <a:buSzPct val="92000"/>
-              <a:buFont typeface="Wingdings 2" panose="05020102010507070707" pitchFamily="18" charset="2"/>
-              <a:buChar char=""/>
-              <a:defRPr sz="1800" kern="1200">
-                <a:solidFill>
-                  <a:schemeClr val="tx2"/>
-                </a:solidFill>
-                <a:latin typeface="+mn-lt"/>
-                <a:ea typeface="+mn-ea"/>
-                <a:cs typeface="+mn-cs"/>
-              </a:defRPr>
-            </a:lvl1pPr>
-            <a:lvl2pPr marL="630000" indent="-306000" algn="l" defTabSz="457200" rtl="0" eaLnBrk="1" latinLnBrk="0" hangingPunct="1">
-              <a:spcBef>
-                <a:spcPct val="20000"/>
-              </a:spcBef>
-              <a:spcAft>
-                <a:spcPts val="600"/>
-              </a:spcAft>
-              <a:buClr>
-                <a:schemeClr val="accent2"/>
-              </a:buClr>
-              <a:buSzPct val="92000"/>
-              <a:buFont typeface="Wingdings 2" panose="05020102010507070707" pitchFamily="18" charset="2"/>
-              <a:buChar char=""/>
-              <a:defRPr sz="1600" kern="1200">
-                <a:solidFill>
-                  <a:schemeClr val="tx2"/>
-                </a:solidFill>
-                <a:latin typeface="+mn-lt"/>
-                <a:ea typeface="+mn-ea"/>
-                <a:cs typeface="+mn-cs"/>
-              </a:defRPr>
-            </a:lvl2pPr>
-            <a:lvl3pPr marL="900000" indent="-270000" algn="l" defTabSz="457200" rtl="0" eaLnBrk="1" latinLnBrk="0" hangingPunct="1">
-              <a:spcBef>
-                <a:spcPct val="20000"/>
-              </a:spcBef>
-              <a:spcAft>
-                <a:spcPts val="600"/>
-              </a:spcAft>
-              <a:buClr>
-                <a:schemeClr val="accent2"/>
-              </a:buClr>
-              <a:buSzPct val="92000"/>
-              <a:buFont typeface="Wingdings 2" panose="05020102010507070707" pitchFamily="18" charset="2"/>
-              <a:buChar char=""/>
-              <a:defRPr sz="1400" kern="1200">
-                <a:solidFill>
-                  <a:schemeClr val="tx2"/>
-                </a:solidFill>
-                <a:latin typeface="+mn-lt"/>
-                <a:ea typeface="+mn-ea"/>
-                <a:cs typeface="+mn-cs"/>
-              </a:defRPr>
-            </a:lvl3pPr>
-            <a:lvl4pPr marL="1242000" indent="-234000" algn="l" defTabSz="457200" rtl="0" eaLnBrk="1" latinLnBrk="0" hangingPunct="1">
-              <a:spcBef>
-                <a:spcPct val="20000"/>
-              </a:spcBef>
-              <a:spcAft>
-                <a:spcPts val="600"/>
-              </a:spcAft>
-              <a:buClr>
-                <a:schemeClr val="accent2"/>
-              </a:buClr>
-              <a:buSzPct val="92000"/>
-              <a:buFont typeface="Wingdings 2" panose="05020102010507070707" pitchFamily="18" charset="2"/>
-              <a:buChar char=""/>
-              <a:defRPr sz="1200" kern="1200">
-                <a:solidFill>
-                  <a:schemeClr val="tx2"/>
-                </a:solidFill>
-                <a:latin typeface="+mn-lt"/>
-                <a:ea typeface="+mn-ea"/>
-                <a:cs typeface="+mn-cs"/>
-              </a:defRPr>
-            </a:lvl4pPr>
-            <a:lvl5pPr marL="1602000" indent="-234000" algn="l" defTabSz="457200" rtl="0" eaLnBrk="1" latinLnBrk="0" hangingPunct="1">
-              <a:spcBef>
-                <a:spcPct val="20000"/>
-              </a:spcBef>
-              <a:spcAft>
-                <a:spcPts val="600"/>
-              </a:spcAft>
-              <a:buClr>
-                <a:schemeClr val="accent2"/>
-              </a:buClr>
-              <a:buSzPct val="92000"/>
-              <a:buFont typeface="Wingdings 2" panose="05020102010507070707" pitchFamily="18" charset="2"/>
-              <a:buChar char=""/>
-              <a:defRPr sz="1200" kern="1200">
-                <a:solidFill>
-                  <a:schemeClr val="tx2"/>
-                </a:solidFill>
-                <a:latin typeface="+mn-lt"/>
-                <a:ea typeface="+mn-ea"/>
-                <a:cs typeface="+mn-cs"/>
-              </a:defRPr>
-            </a:lvl5pPr>
-            <a:lvl6pPr marL="1900000" indent="-228600" algn="l" defTabSz="457200" rtl="0" eaLnBrk="1" latinLnBrk="0" hangingPunct="1">
-              <a:spcBef>
-                <a:spcPct val="20000"/>
-              </a:spcBef>
-              <a:spcAft>
-                <a:spcPts val="600"/>
-              </a:spcAft>
-              <a:buClr>
-                <a:schemeClr val="accent2"/>
-              </a:buClr>
-              <a:buSzPct val="92000"/>
-              <a:buFont typeface="Wingdings 2" panose="05020102010507070707" pitchFamily="18" charset="2"/>
-              <a:buChar char=""/>
-              <a:defRPr sz="1200" kern="1200">
-                <a:solidFill>
-                  <a:schemeClr val="tx2"/>
-                </a:solidFill>
-                <a:latin typeface="+mn-lt"/>
-                <a:ea typeface="+mn-ea"/>
-                <a:cs typeface="+mn-cs"/>
-              </a:defRPr>
-            </a:lvl6pPr>
-            <a:lvl7pPr marL="2200000" indent="-228600" algn="l" defTabSz="457200" rtl="0" eaLnBrk="1" latinLnBrk="0" hangingPunct="1">
-              <a:spcBef>
-                <a:spcPct val="20000"/>
-              </a:spcBef>
-              <a:spcAft>
-                <a:spcPts val="600"/>
-              </a:spcAft>
-              <a:buClr>
-                <a:schemeClr val="accent2"/>
-              </a:buClr>
-              <a:buSzPct val="92000"/>
-              <a:buFont typeface="Wingdings 2" panose="05020102010507070707" pitchFamily="18" charset="2"/>
-              <a:buChar char=""/>
-              <a:defRPr sz="1200" kern="1200">
-                <a:solidFill>
-                  <a:schemeClr val="tx2"/>
-                </a:solidFill>
-                <a:latin typeface="+mn-lt"/>
-                <a:ea typeface="+mn-ea"/>
-                <a:cs typeface="+mn-cs"/>
-              </a:defRPr>
-            </a:lvl7pPr>
-            <a:lvl8pPr marL="2500000" indent="-228600" algn="l" defTabSz="457200" rtl="0" eaLnBrk="1" latinLnBrk="0" hangingPunct="1">
-              <a:spcBef>
-                <a:spcPct val="20000"/>
-              </a:spcBef>
-              <a:spcAft>
-                <a:spcPts val="600"/>
-              </a:spcAft>
-              <a:buClr>
-                <a:schemeClr val="accent2"/>
-              </a:buClr>
-              <a:buSzPct val="92000"/>
-              <a:buFont typeface="Wingdings 2" panose="05020102010507070707" pitchFamily="18" charset="2"/>
-              <a:buChar char=""/>
-              <a:defRPr sz="1200" kern="1200">
-                <a:solidFill>
-                  <a:schemeClr val="tx2"/>
-                </a:solidFill>
-                <a:latin typeface="+mn-lt"/>
-                <a:ea typeface="+mn-ea"/>
-                <a:cs typeface="+mn-cs"/>
-              </a:defRPr>
-            </a:lvl8pPr>
-            <a:lvl9pPr marL="2800000" indent="-228600" algn="l" defTabSz="457200" rtl="0" eaLnBrk="1" latinLnBrk="0" hangingPunct="1">
-              <a:spcBef>
-                <a:spcPct val="20000"/>
-              </a:spcBef>
-              <a:spcAft>
-                <a:spcPts val="600"/>
-              </a:spcAft>
-              <a:buClr>
-                <a:schemeClr val="accent2"/>
-              </a:buClr>
-              <a:buSzPct val="92000"/>
-              <a:buFont typeface="Wingdings 2" panose="05020102010507070707" pitchFamily="18" charset="2"/>
-              <a:buChar char=""/>
-              <a:defRPr sz="1200" kern="1200">
-                <a:solidFill>
-                  <a:schemeClr val="tx2"/>
-                </a:solidFill>
-                <a:latin typeface="+mn-lt"/>
-                <a:ea typeface="+mn-ea"/>
-                <a:cs typeface="+mn-cs"/>
-              </a:defRPr>
-            </a:lvl9pPr>
-          </a:lstStyle>
-          <a:p>
-            <a:pPr marL="0" indent="0">
-              <a:buFont typeface="Wingdings 2" panose="05020102010507070707" pitchFamily="18" charset="2"/>
-              <a:buNone/>
-            </a:pPr>
-            <a:r>
-              <a:rPr lang="nl-NL" sz="2400" dirty="0" smtClean="0"/>
-              <a:t>Three plots:….</a:t>
             </a:r>
             <a:endParaRPr lang="id-ID" sz="2400" dirty="0"/>
           </a:p>

--- a/Group Presentation.pptx
+++ b/Group Presentation.pptx
@@ -6365,7 +6365,12 @@
             <p:ph type="title"/>
           </p:nvPr>
         </p:nvSpPr>
-        <p:spPr/>
+        <p:spPr>
+          <a:xfrm>
+            <a:off x="581192" y="697910"/>
+            <a:ext cx="11029616" cy="1013800"/>
+          </a:xfrm>
+        </p:spPr>
         <p:txBody>
           <a:bodyPr/>
           <a:lstStyle/>
@@ -6398,27 +6403,23 @@
         </p:nvSpPr>
         <p:spPr>
           <a:xfrm>
-            <a:off x="581192" y="2331372"/>
-            <a:ext cx="3405591" cy="1285081"/>
+            <a:off x="1846245" y="2042034"/>
+            <a:ext cx="2672996" cy="434340"/>
           </a:xfrm>
         </p:spPr>
         <p:txBody>
           <a:bodyPr>
-            <a:normAutofit/>
+            <a:normAutofit lnSpcReduction="10000"/>
           </a:bodyPr>
           <a:lstStyle/>
           <a:p>
             <a:r>
-              <a:rPr lang="id-ID" sz="2400" dirty="0" err="1" smtClean="0"/>
-              <a:t>Add</a:t>
-            </a:r>
-            <a:r>
-              <a:rPr lang="id-ID" sz="2400" dirty="0" smtClean="0"/>
-              <a:t> </a:t>
-            </a:r>
-            <a:r>
               <a:rPr lang="nl-NL" sz="2400" dirty="0" smtClean="0"/>
-              <a:t>Q plot here</a:t>
+              <a:t>Q-</a:t>
+            </a:r>
+            <a:r>
+              <a:rPr lang="nl-NL" sz="2400" dirty="0" err="1" smtClean="0"/>
+              <a:t>learning</a:t>
             </a:r>
             <a:endParaRPr lang="id-ID" sz="2400" dirty="0"/>
           </a:p>
@@ -6434,8 +6435,8 @@
         </p:nvSpPr>
         <p:spPr>
           <a:xfrm>
-            <a:off x="6096000" y="2287177"/>
-            <a:ext cx="3532632" cy="1178400"/>
+            <a:off x="8147478" y="1871134"/>
+            <a:ext cx="1466690" cy="597220"/>
           </a:xfrm>
           <a:prstGeom prst="rect">
             <a:avLst/>
@@ -6647,20 +6648,8 @@
           </a:lstStyle>
           <a:p>
             <a:r>
-              <a:rPr lang="id-ID" sz="2400" dirty="0" err="1" smtClean="0"/>
-              <a:t>Add</a:t>
-            </a:r>
-            <a:r>
-              <a:rPr lang="id-ID" sz="2400" dirty="0" smtClean="0"/>
-              <a:t> </a:t>
-            </a:r>
-            <a:r>
               <a:rPr lang="nl-NL" sz="2400" dirty="0" err="1" smtClean="0"/>
               <a:t>Sarsa</a:t>
-            </a:r>
-            <a:r>
-              <a:rPr lang="nl-NL" sz="2400" dirty="0" smtClean="0"/>
-              <a:t> plot here</a:t>
             </a:r>
             <a:endParaRPr lang="id-ID" sz="2400" dirty="0"/>
           </a:p>
@@ -6902,8 +6891,8 @@
         </p:nvSpPr>
         <p:spPr>
           <a:xfrm>
-            <a:off x="581192" y="4515333"/>
-            <a:ext cx="7595616" cy="1178400"/>
+            <a:off x="581192" y="4940609"/>
+            <a:ext cx="5144381" cy="738015"/>
           </a:xfrm>
           <a:prstGeom prst="rect">
             <a:avLst/>
@@ -6911,7 +6900,7 @@
         </p:spPr>
         <p:txBody>
           <a:bodyPr vert="horz" lIns="91440" tIns="45720" rIns="91440" bIns="45720" rtlCol="0" anchor="ctr">
-            <a:normAutofit/>
+            <a:noAutofit/>
           </a:bodyPr>
           <a:lstStyle>
             <a:lvl1pPr marL="306000" indent="-306000" algn="l" defTabSz="457200" rtl="0" eaLnBrk="1" latinLnBrk="0" hangingPunct="1">
@@ -7115,80 +7104,560 @@
           </a:lstStyle>
           <a:p>
             <a:r>
-              <a:rPr lang="nl-NL" sz="2400" dirty="0" smtClean="0"/>
-              <a:t>We </a:t>
-            </a:r>
-            <a:r>
-              <a:rPr lang="nl-NL" sz="2400" dirty="0" err="1" smtClean="0"/>
-              <a:t>can</a:t>
-            </a:r>
-            <a:r>
-              <a:rPr lang="nl-NL" sz="2400" dirty="0" smtClean="0"/>
+              <a:rPr lang="nl-NL" dirty="0" smtClean="0"/>
+              <a:t>Q-</a:t>
+            </a:r>
+            <a:r>
+              <a:rPr lang="nl-NL" dirty="0" err="1" smtClean="0"/>
+              <a:t>learning</a:t>
+            </a:r>
+            <a:r>
+              <a:rPr lang="nl-NL" dirty="0" smtClean="0"/>
               <a:t> </a:t>
             </a:r>
             <a:r>
-              <a:rPr lang="nl-NL" sz="2400" dirty="0" err="1" smtClean="0"/>
-              <a:t>see</a:t>
-            </a:r>
-            <a:r>
-              <a:rPr lang="nl-NL" sz="2400" dirty="0" smtClean="0"/>
+              <a:rPr lang="nl-NL" dirty="0" err="1" smtClean="0"/>
+              <a:t>gets</a:t>
+            </a:r>
+            <a:r>
+              <a:rPr lang="nl-NL" dirty="0" smtClean="0"/>
               <a:t> </a:t>
             </a:r>
             <a:r>
-              <a:rPr lang="nl-NL" sz="2400" dirty="0" err="1" smtClean="0"/>
-              <a:t>the</a:t>
-            </a:r>
-            <a:r>
-              <a:rPr lang="nl-NL" sz="2400" dirty="0" smtClean="0"/>
+              <a:rPr lang="nl-NL" dirty="0" err="1" smtClean="0"/>
+              <a:t>lower</a:t>
+            </a:r>
+            <a:r>
+              <a:rPr lang="nl-NL" dirty="0" smtClean="0"/>
               <a:t> </a:t>
             </a:r>
             <a:r>
-              <a:rPr lang="nl-NL" sz="2400" dirty="0" err="1" smtClean="0"/>
-              <a:t>difference</a:t>
-            </a:r>
-            <a:r>
-              <a:rPr lang="nl-NL" sz="2400" dirty="0"/>
+              <a:rPr lang="nl-NL" dirty="0" err="1" smtClean="0"/>
+              <a:t>rewards</a:t>
+            </a:r>
+            <a:r>
+              <a:rPr lang="nl-NL" dirty="0" smtClean="0"/>
               <a:t> </a:t>
             </a:r>
             <a:r>
-              <a:rPr lang="nl-NL" sz="2400" dirty="0" err="1" smtClean="0"/>
-              <a:t>between</a:t>
-            </a:r>
-            <a:r>
-              <a:rPr lang="nl-NL" sz="2400" dirty="0" smtClean="0"/>
+              <a:rPr lang="nl-NL" dirty="0" err="1" smtClean="0"/>
+              <a:t>with</a:t>
+            </a:r>
+            <a:r>
+              <a:rPr lang="nl-NL" dirty="0" smtClean="0"/>
               <a:t> </a:t>
             </a:r>
             <a:r>
-              <a:rPr lang="nl-NL" sz="2400" dirty="0" err="1" smtClean="0"/>
-              <a:t>the</a:t>
-            </a:r>
-            <a:r>
-              <a:rPr lang="nl-NL" sz="2400" dirty="0" smtClean="0"/>
+              <a:rPr lang="nl-NL" dirty="0" err="1" smtClean="0"/>
+              <a:t>fewer</a:t>
+            </a:r>
+            <a:r>
+              <a:rPr lang="nl-NL" dirty="0" smtClean="0"/>
+              <a:t> steps. </a:t>
+            </a:r>
+          </a:p>
+          <a:p>
+            <a:r>
+              <a:rPr lang="nl-NL" dirty="0" smtClean="0"/>
+              <a:t>It is brave </a:t>
+            </a:r>
+            <a:r>
+              <a:rPr lang="nl-NL" dirty="0" err="1" smtClean="0"/>
+              <a:t>to</a:t>
+            </a:r>
+            <a:r>
+              <a:rPr lang="nl-NL" dirty="0" smtClean="0"/>
+              <a:t> step </a:t>
+            </a:r>
+            <a:r>
+              <a:rPr lang="nl-NL" dirty="0" err="1" smtClean="0"/>
+              <a:t>into</a:t>
+            </a:r>
+            <a:r>
+              <a:rPr lang="nl-NL" dirty="0" smtClean="0"/>
+              <a:t> pits.</a:t>
+            </a:r>
+            <a:endParaRPr lang="nl-NL" dirty="0"/>
+          </a:p>
+        </p:txBody>
+      </p:sp>
+      <p:pic>
+        <p:nvPicPr>
+          <p:cNvPr id="4" name="Picture 3"/>
+          <p:cNvPicPr>
+            <a:picLocks noChangeAspect="1"/>
+          </p:cNvPicPr>
+          <p:nvPr/>
+        </p:nvPicPr>
+        <p:blipFill>
+          <a:blip r:embed="rId2">
+            <a:extLst>
+              <a:ext uri="{28A0092B-C50C-407E-A947-70E740481C1C}">
+                <a14:useLocalDpi xmlns:a14="http://schemas.microsoft.com/office/drawing/2010/main" val="0"/>
+              </a:ext>
+            </a:extLst>
+          </a:blip>
+          <a:stretch>
+            <a:fillRect/>
+          </a:stretch>
+        </p:blipFill>
+        <p:spPr>
+          <a:xfrm>
+            <a:off x="274223" y="2452954"/>
+            <a:ext cx="2969159" cy="2226869"/>
+          </a:xfrm>
+          <a:prstGeom prst="rect">
+            <a:avLst/>
+          </a:prstGeom>
+        </p:spPr>
+      </p:pic>
+      <p:pic>
+        <p:nvPicPr>
+          <p:cNvPr id="8" name="Picture 7"/>
+          <p:cNvPicPr>
+            <a:picLocks noChangeAspect="1"/>
+          </p:cNvPicPr>
+          <p:nvPr/>
+        </p:nvPicPr>
+        <p:blipFill>
+          <a:blip r:embed="rId3">
+            <a:extLst>
+              <a:ext uri="{28A0092B-C50C-407E-A947-70E740481C1C}">
+                <a14:useLocalDpi xmlns:a14="http://schemas.microsoft.com/office/drawing/2010/main" val="0"/>
+              </a:ext>
+            </a:extLst>
+          </a:blip>
+          <a:stretch>
+            <a:fillRect/>
+          </a:stretch>
+        </p:blipFill>
+        <p:spPr>
+          <a:xfrm>
+            <a:off x="5913039" y="2431442"/>
+            <a:ext cx="3124955" cy="2343715"/>
+          </a:xfrm>
+          <a:prstGeom prst="rect">
+            <a:avLst/>
+          </a:prstGeom>
+        </p:spPr>
+      </p:pic>
+      <p:pic>
+        <p:nvPicPr>
+          <p:cNvPr id="9" name="Picture 8"/>
+          <p:cNvPicPr>
+            <a:picLocks noChangeAspect="1"/>
+          </p:cNvPicPr>
+          <p:nvPr/>
+        </p:nvPicPr>
+        <p:blipFill>
+          <a:blip r:embed="rId4">
+            <a:extLst>
+              <a:ext uri="{28A0092B-C50C-407E-A947-70E740481C1C}">
+                <a14:useLocalDpi xmlns:a14="http://schemas.microsoft.com/office/drawing/2010/main" val="0"/>
+              </a:ext>
+            </a:extLst>
+          </a:blip>
+          <a:stretch>
+            <a:fillRect/>
+          </a:stretch>
+        </p:blipFill>
+        <p:spPr>
+          <a:xfrm>
+            <a:off x="2951348" y="2431442"/>
+            <a:ext cx="3026525" cy="2269894"/>
+          </a:xfrm>
+          <a:prstGeom prst="rect">
+            <a:avLst/>
+          </a:prstGeom>
+        </p:spPr>
+      </p:pic>
+      <p:pic>
+        <p:nvPicPr>
+          <p:cNvPr id="10" name="Picture 9"/>
+          <p:cNvPicPr>
+            <a:picLocks noChangeAspect="1"/>
+          </p:cNvPicPr>
+          <p:nvPr/>
+        </p:nvPicPr>
+        <p:blipFill>
+          <a:blip r:embed="rId5">
+            <a:extLst>
+              <a:ext uri="{28A0092B-C50C-407E-A947-70E740481C1C}">
+                <a14:useLocalDpi xmlns:a14="http://schemas.microsoft.com/office/drawing/2010/main" val="0"/>
+              </a:ext>
+            </a:extLst>
+          </a:blip>
+          <a:stretch>
+            <a:fillRect/>
+          </a:stretch>
+        </p:blipFill>
+        <p:spPr>
+          <a:xfrm>
+            <a:off x="8736102" y="2419367"/>
+            <a:ext cx="3157153" cy="2367864"/>
+          </a:xfrm>
+          <a:prstGeom prst="rect">
+            <a:avLst/>
+          </a:prstGeom>
+        </p:spPr>
+      </p:pic>
+      <p:sp>
+        <p:nvSpPr>
+          <p:cNvPr id="13" name="Rectangle 12"/>
+          <p:cNvSpPr/>
+          <p:nvPr/>
+        </p:nvSpPr>
+        <p:spPr>
+          <a:xfrm>
+            <a:off x="5867320" y="2173754"/>
+            <a:ext cx="45719" cy="2651743"/>
+          </a:xfrm>
+          <a:prstGeom prst="rect">
+            <a:avLst/>
+          </a:prstGeom>
+        </p:spPr>
+        <p:style>
+          <a:lnRef idx="2">
+            <a:schemeClr val="accent1">
+              <a:shade val="50000"/>
+            </a:schemeClr>
+          </a:lnRef>
+          <a:fillRef idx="1">
+            <a:schemeClr val="accent1"/>
+          </a:fillRef>
+          <a:effectRef idx="0">
+            <a:schemeClr val="accent1"/>
+          </a:effectRef>
+          <a:fontRef idx="minor">
+            <a:schemeClr val="lt1"/>
+          </a:fontRef>
+        </p:style>
+        <p:txBody>
+          <a:bodyPr rtlCol="0" anchor="ctr"/>
+          <a:lstStyle/>
+          <a:p>
+            <a:pPr algn="ctr"/>
+            <a:endParaRPr lang="en-US"/>
+          </a:p>
+        </p:txBody>
+      </p:sp>
+      <p:sp>
+        <p:nvSpPr>
+          <p:cNvPr id="14" name="Content Placeholder 2"/>
+          <p:cNvSpPr txBox="1">
+            <a:spLocks/>
+          </p:cNvSpPr>
+          <p:nvPr/>
+        </p:nvSpPr>
+        <p:spPr>
+          <a:xfrm>
+            <a:off x="6308632" y="4997185"/>
+            <a:ext cx="5144381" cy="738015"/>
+          </a:xfrm>
+          <a:prstGeom prst="rect">
+            <a:avLst/>
+          </a:prstGeom>
+        </p:spPr>
+        <p:txBody>
+          <a:bodyPr vert="horz" lIns="91440" tIns="45720" rIns="91440" bIns="45720" rtlCol="0" anchor="ctr">
+            <a:noAutofit/>
+          </a:bodyPr>
+          <a:lstStyle>
+            <a:lvl1pPr marL="306000" indent="-306000" algn="l" defTabSz="457200" rtl="0" eaLnBrk="1" latinLnBrk="0" hangingPunct="1">
+              <a:spcBef>
+                <a:spcPct val="20000"/>
+              </a:spcBef>
+              <a:spcAft>
+                <a:spcPts val="600"/>
+              </a:spcAft>
+              <a:buClr>
+                <a:schemeClr val="accent2"/>
+              </a:buClr>
+              <a:buSzPct val="92000"/>
+              <a:buFont typeface="Wingdings 2" panose="05020102010507070707" pitchFamily="18" charset="2"/>
+              <a:buChar char=""/>
+              <a:defRPr sz="1800" kern="1200">
+                <a:solidFill>
+                  <a:schemeClr val="tx2"/>
+                </a:solidFill>
+                <a:latin typeface="+mn-lt"/>
+                <a:ea typeface="+mn-ea"/>
+                <a:cs typeface="+mn-cs"/>
+              </a:defRPr>
+            </a:lvl1pPr>
+            <a:lvl2pPr marL="630000" indent="-306000" algn="l" defTabSz="457200" rtl="0" eaLnBrk="1" latinLnBrk="0" hangingPunct="1">
+              <a:spcBef>
+                <a:spcPct val="20000"/>
+              </a:spcBef>
+              <a:spcAft>
+                <a:spcPts val="600"/>
+              </a:spcAft>
+              <a:buClr>
+                <a:schemeClr val="accent2"/>
+              </a:buClr>
+              <a:buSzPct val="92000"/>
+              <a:buFont typeface="Wingdings 2" panose="05020102010507070707" pitchFamily="18" charset="2"/>
+              <a:buChar char=""/>
+              <a:defRPr sz="1600" kern="1200">
+                <a:solidFill>
+                  <a:schemeClr val="tx2"/>
+                </a:solidFill>
+                <a:latin typeface="+mn-lt"/>
+                <a:ea typeface="+mn-ea"/>
+                <a:cs typeface="+mn-cs"/>
+              </a:defRPr>
+            </a:lvl2pPr>
+            <a:lvl3pPr marL="900000" indent="-270000" algn="l" defTabSz="457200" rtl="0" eaLnBrk="1" latinLnBrk="0" hangingPunct="1">
+              <a:spcBef>
+                <a:spcPct val="20000"/>
+              </a:spcBef>
+              <a:spcAft>
+                <a:spcPts val="600"/>
+              </a:spcAft>
+              <a:buClr>
+                <a:schemeClr val="accent2"/>
+              </a:buClr>
+              <a:buSzPct val="92000"/>
+              <a:buFont typeface="Wingdings 2" panose="05020102010507070707" pitchFamily="18" charset="2"/>
+              <a:buChar char=""/>
+              <a:defRPr sz="1400" kern="1200">
+                <a:solidFill>
+                  <a:schemeClr val="tx2"/>
+                </a:solidFill>
+                <a:latin typeface="+mn-lt"/>
+                <a:ea typeface="+mn-ea"/>
+                <a:cs typeface="+mn-cs"/>
+              </a:defRPr>
+            </a:lvl3pPr>
+            <a:lvl4pPr marL="1242000" indent="-234000" algn="l" defTabSz="457200" rtl="0" eaLnBrk="1" latinLnBrk="0" hangingPunct="1">
+              <a:spcBef>
+                <a:spcPct val="20000"/>
+              </a:spcBef>
+              <a:spcAft>
+                <a:spcPts val="600"/>
+              </a:spcAft>
+              <a:buClr>
+                <a:schemeClr val="accent2"/>
+              </a:buClr>
+              <a:buSzPct val="92000"/>
+              <a:buFont typeface="Wingdings 2" panose="05020102010507070707" pitchFamily="18" charset="2"/>
+              <a:buChar char=""/>
+              <a:defRPr sz="1200" kern="1200">
+                <a:solidFill>
+                  <a:schemeClr val="tx2"/>
+                </a:solidFill>
+                <a:latin typeface="+mn-lt"/>
+                <a:ea typeface="+mn-ea"/>
+                <a:cs typeface="+mn-cs"/>
+              </a:defRPr>
+            </a:lvl4pPr>
+            <a:lvl5pPr marL="1602000" indent="-234000" algn="l" defTabSz="457200" rtl="0" eaLnBrk="1" latinLnBrk="0" hangingPunct="1">
+              <a:spcBef>
+                <a:spcPct val="20000"/>
+              </a:spcBef>
+              <a:spcAft>
+                <a:spcPts val="600"/>
+              </a:spcAft>
+              <a:buClr>
+                <a:schemeClr val="accent2"/>
+              </a:buClr>
+              <a:buSzPct val="92000"/>
+              <a:buFont typeface="Wingdings 2" panose="05020102010507070707" pitchFamily="18" charset="2"/>
+              <a:buChar char=""/>
+              <a:defRPr sz="1200" kern="1200">
+                <a:solidFill>
+                  <a:schemeClr val="tx2"/>
+                </a:solidFill>
+                <a:latin typeface="+mn-lt"/>
+                <a:ea typeface="+mn-ea"/>
+                <a:cs typeface="+mn-cs"/>
+              </a:defRPr>
+            </a:lvl5pPr>
+            <a:lvl6pPr marL="1900000" indent="-228600" algn="l" defTabSz="457200" rtl="0" eaLnBrk="1" latinLnBrk="0" hangingPunct="1">
+              <a:spcBef>
+                <a:spcPct val="20000"/>
+              </a:spcBef>
+              <a:spcAft>
+                <a:spcPts val="600"/>
+              </a:spcAft>
+              <a:buClr>
+                <a:schemeClr val="accent2"/>
+              </a:buClr>
+              <a:buSzPct val="92000"/>
+              <a:buFont typeface="Wingdings 2" panose="05020102010507070707" pitchFamily="18" charset="2"/>
+              <a:buChar char=""/>
+              <a:defRPr sz="1200" kern="1200">
+                <a:solidFill>
+                  <a:schemeClr val="tx2"/>
+                </a:solidFill>
+                <a:latin typeface="+mn-lt"/>
+                <a:ea typeface="+mn-ea"/>
+                <a:cs typeface="+mn-cs"/>
+              </a:defRPr>
+            </a:lvl6pPr>
+            <a:lvl7pPr marL="2200000" indent="-228600" algn="l" defTabSz="457200" rtl="0" eaLnBrk="1" latinLnBrk="0" hangingPunct="1">
+              <a:spcBef>
+                <a:spcPct val="20000"/>
+              </a:spcBef>
+              <a:spcAft>
+                <a:spcPts val="600"/>
+              </a:spcAft>
+              <a:buClr>
+                <a:schemeClr val="accent2"/>
+              </a:buClr>
+              <a:buSzPct val="92000"/>
+              <a:buFont typeface="Wingdings 2" panose="05020102010507070707" pitchFamily="18" charset="2"/>
+              <a:buChar char=""/>
+              <a:defRPr sz="1200" kern="1200">
+                <a:solidFill>
+                  <a:schemeClr val="tx2"/>
+                </a:solidFill>
+                <a:latin typeface="+mn-lt"/>
+                <a:ea typeface="+mn-ea"/>
+                <a:cs typeface="+mn-cs"/>
+              </a:defRPr>
+            </a:lvl7pPr>
+            <a:lvl8pPr marL="2500000" indent="-228600" algn="l" defTabSz="457200" rtl="0" eaLnBrk="1" latinLnBrk="0" hangingPunct="1">
+              <a:spcBef>
+                <a:spcPct val="20000"/>
+              </a:spcBef>
+              <a:spcAft>
+                <a:spcPts val="600"/>
+              </a:spcAft>
+              <a:buClr>
+                <a:schemeClr val="accent2"/>
+              </a:buClr>
+              <a:buSzPct val="92000"/>
+              <a:buFont typeface="Wingdings 2" panose="05020102010507070707" pitchFamily="18" charset="2"/>
+              <a:buChar char=""/>
+              <a:defRPr sz="1200" kern="1200">
+                <a:solidFill>
+                  <a:schemeClr val="tx2"/>
+                </a:solidFill>
+                <a:latin typeface="+mn-lt"/>
+                <a:ea typeface="+mn-ea"/>
+                <a:cs typeface="+mn-cs"/>
+              </a:defRPr>
+            </a:lvl8pPr>
+            <a:lvl9pPr marL="2800000" indent="-228600" algn="l" defTabSz="457200" rtl="0" eaLnBrk="1" latinLnBrk="0" hangingPunct="1">
+              <a:spcBef>
+                <a:spcPct val="20000"/>
+              </a:spcBef>
+              <a:spcAft>
+                <a:spcPts val="600"/>
+              </a:spcAft>
+              <a:buClr>
+                <a:schemeClr val="accent2"/>
+              </a:buClr>
+              <a:buSzPct val="92000"/>
+              <a:buFont typeface="Wingdings 2" panose="05020102010507070707" pitchFamily="18" charset="2"/>
+              <a:buChar char=""/>
+              <a:defRPr sz="1200" kern="1200">
+                <a:solidFill>
+                  <a:schemeClr val="tx2"/>
+                </a:solidFill>
+                <a:latin typeface="+mn-lt"/>
+                <a:ea typeface="+mn-ea"/>
+                <a:cs typeface="+mn-cs"/>
+              </a:defRPr>
+            </a:lvl9pPr>
+          </a:lstStyle>
+          <a:p>
+            <a:r>
+              <a:rPr lang="nl-NL" dirty="0" err="1" smtClean="0"/>
+              <a:t>Sarsa</a:t>
+            </a:r>
+            <a:r>
+              <a:rPr lang="nl-NL" dirty="0" smtClean="0"/>
               <a:t> </a:t>
             </a:r>
             <a:r>
-              <a:rPr lang="nl-NL" sz="2400" dirty="0" err="1" smtClean="0"/>
-              <a:t>two</a:t>
-            </a:r>
-            <a:r>
-              <a:rPr lang="nl-NL" sz="2400" dirty="0" smtClean="0"/>
+              <a:rPr lang="nl-NL" dirty="0" err="1" smtClean="0"/>
+              <a:t>gets</a:t>
+            </a:r>
+            <a:r>
+              <a:rPr lang="nl-NL" dirty="0" smtClean="0"/>
               <a:t> </a:t>
             </a:r>
             <a:r>
-              <a:rPr lang="nl-NL" sz="2400" dirty="0" err="1" smtClean="0"/>
-              <a:t>alogrithms</a:t>
-            </a:r>
-            <a:r>
-              <a:rPr lang="nl-NL" sz="2400" dirty="0" smtClean="0"/>
-              <a:t>:</a:t>
-            </a:r>
-          </a:p>
-          <a:p>
-            <a:r>
-              <a:rPr lang="nl-NL" sz="2400" dirty="0" smtClean="0"/>
-              <a:t>………</a:t>
-            </a:r>
-            <a:endParaRPr lang="nl-NL" sz="2400" dirty="0"/>
+              <a:rPr lang="nl-NL" dirty="0" err="1" smtClean="0"/>
+              <a:t>higher</a:t>
+            </a:r>
+            <a:r>
+              <a:rPr lang="nl-NL" dirty="0" smtClean="0"/>
+              <a:t> </a:t>
+            </a:r>
+            <a:r>
+              <a:rPr lang="nl-NL" dirty="0" err="1" smtClean="0"/>
+              <a:t>rewards</a:t>
+            </a:r>
+            <a:r>
+              <a:rPr lang="nl-NL" dirty="0" smtClean="0"/>
+              <a:t> </a:t>
+            </a:r>
+            <a:r>
+              <a:rPr lang="nl-NL" dirty="0" err="1" smtClean="0"/>
+              <a:t>with</a:t>
+            </a:r>
+            <a:r>
+              <a:rPr lang="nl-NL" dirty="0" smtClean="0"/>
+              <a:t> more steps. </a:t>
+            </a:r>
+          </a:p>
+          <a:p>
+            <a:r>
+              <a:rPr lang="nl-NL" dirty="0" smtClean="0"/>
+              <a:t>It </a:t>
+            </a:r>
+            <a:r>
+              <a:rPr lang="nl-NL" dirty="0" err="1" smtClean="0"/>
+              <a:t>scares</a:t>
+            </a:r>
+            <a:r>
+              <a:rPr lang="nl-NL" dirty="0" smtClean="0"/>
+              <a:t> </a:t>
+            </a:r>
+            <a:r>
+              <a:rPr lang="nl-NL" dirty="0" err="1" smtClean="0"/>
+              <a:t>to</a:t>
+            </a:r>
+            <a:r>
+              <a:rPr lang="nl-NL" dirty="0" smtClean="0"/>
+              <a:t> </a:t>
+            </a:r>
+            <a:r>
+              <a:rPr lang="nl-NL" dirty="0" err="1" smtClean="0"/>
+              <a:t>be</a:t>
+            </a:r>
+            <a:r>
+              <a:rPr lang="nl-NL" dirty="0" smtClean="0"/>
+              <a:t> </a:t>
+            </a:r>
+            <a:r>
+              <a:rPr lang="nl-NL" dirty="0" err="1" smtClean="0"/>
+              <a:t>punished</a:t>
+            </a:r>
+            <a:r>
+              <a:rPr lang="nl-NL" dirty="0" smtClean="0"/>
+              <a:t> </a:t>
+            </a:r>
+            <a:r>
+              <a:rPr lang="nl-NL" dirty="0" err="1" smtClean="0"/>
+              <a:t>by</a:t>
+            </a:r>
+            <a:r>
+              <a:rPr lang="nl-NL" dirty="0" smtClean="0"/>
+              <a:t> stepping </a:t>
+            </a:r>
+            <a:r>
+              <a:rPr lang="nl-NL" dirty="0" err="1" smtClean="0"/>
+              <a:t>into</a:t>
+            </a:r>
+            <a:r>
+              <a:rPr lang="nl-NL" dirty="0" smtClean="0"/>
+              <a:t> pits.</a:t>
+            </a:r>
+            <a:endParaRPr lang="nl-NL" dirty="0"/>
           </a:p>
         </p:txBody>
       </p:sp>

--- a/Group Presentation.pptx
+++ b/Group Presentation.pptx
@@ -4909,7 +4909,7 @@
         </p:nvSpPr>
         <p:spPr>
           <a:xfrm>
-            <a:off x="581191" y="1946580"/>
+            <a:off x="384243" y="1874827"/>
             <a:ext cx="5872772" cy="1370777"/>
           </a:xfrm>
         </p:spPr>
@@ -4980,7 +4980,7 @@
         </p:nvSpPr>
         <p:spPr>
           <a:xfrm>
-            <a:off x="581191" y="3179956"/>
+            <a:off x="581192" y="3014878"/>
             <a:ext cx="3754013" cy="3539819"/>
           </a:xfrm>
           <a:prstGeom prst="rect">
@@ -5285,7 +5285,7 @@
       </p:sp>
       <p:pic>
         <p:nvPicPr>
-          <p:cNvPr id="5" name="Picture 4"/>
+          <p:cNvPr id="7" name="Picture 6"/>
           <p:cNvPicPr>
             <a:picLocks noChangeAspect="1"/>
           </p:cNvPicPr>
@@ -5305,8 +5305,8 @@
         </p:blipFill>
         <p:spPr>
           <a:xfrm>
-            <a:off x="5187601" y="3547981"/>
-            <a:ext cx="2758114" cy="1848845"/>
+            <a:off x="7849913" y="1245648"/>
+            <a:ext cx="3873316" cy="3868615"/>
           </a:xfrm>
           <a:prstGeom prst="rect">
             <a:avLst/>
@@ -5335,8 +5335,38 @@
         </p:blipFill>
         <p:spPr>
           <a:xfrm>
-            <a:off x="8357190" y="2202541"/>
+            <a:off x="6412077" y="2829764"/>
             <a:ext cx="3067275" cy="3194285"/>
+          </a:xfrm>
+          <a:prstGeom prst="rect">
+            <a:avLst/>
+          </a:prstGeom>
+        </p:spPr>
+      </p:pic>
+      <p:pic>
+        <p:nvPicPr>
+          <p:cNvPr id="5" name="Picture 4"/>
+          <p:cNvPicPr>
+            <a:picLocks noChangeAspect="1"/>
+          </p:cNvPicPr>
+          <p:nvPr/>
+        </p:nvPicPr>
+        <p:blipFill>
+          <a:blip r:embed="rId4">
+            <a:extLst>
+              <a:ext uri="{28A0092B-C50C-407E-A947-70E740481C1C}">
+                <a14:useLocalDpi xmlns:a14="http://schemas.microsoft.com/office/drawing/2010/main" val="0"/>
+              </a:ext>
+            </a:extLst>
+          </a:blip>
+          <a:stretch>
+            <a:fillRect/>
+          </a:stretch>
+        </p:blipFill>
+        <p:spPr>
+          <a:xfrm>
+            <a:off x="4517931" y="4662992"/>
+            <a:ext cx="2758114" cy="1848845"/>
           </a:xfrm>
           <a:prstGeom prst="rect">
             <a:avLst/>
@@ -5398,34 +5428,6 @@
       </p:sp>
       <p:sp>
         <p:nvSpPr>
-          <p:cNvPr id="3" name="Content Placeholder 2"/>
-          <p:cNvSpPr>
-            <a:spLocks noGrp="1"/>
-          </p:cNvSpPr>
-          <p:nvPr>
-            <p:ph idx="1"/>
-          </p:nvPr>
-        </p:nvSpPr>
-        <p:spPr>
-          <a:xfrm>
-            <a:off x="581193" y="2180497"/>
-            <a:ext cx="3286719" cy="2418936"/>
-          </a:xfrm>
-        </p:spPr>
-        <p:txBody>
-          <a:bodyPr/>
-          <a:lstStyle/>
-          <a:p>
-            <a:r>
-              <a:rPr lang="en-US" dirty="0" smtClean="0"/>
-              <a:t>Add a maze here:</a:t>
-            </a:r>
-            <a:endParaRPr lang="en-US" dirty="0"/>
-          </a:p>
-        </p:txBody>
-      </p:sp>
-      <p:sp>
-        <p:nvSpPr>
           <p:cNvPr id="4" name="Content Placeholder 2"/>
           <p:cNvSpPr txBox="1">
             <a:spLocks/>
@@ -5651,7 +5653,11 @@
           <a:p>
             <a:r>
               <a:rPr lang="en-US" sz="2400" dirty="0" smtClean="0"/>
-              <a:t>Get maximal rewards in shortest path</a:t>
+              <a:t>Get maximal rewards in shortest </a:t>
+            </a:r>
+            <a:r>
+              <a:rPr lang="en-US" sz="2400" dirty="0" smtClean="0"/>
+              <a:t>path</a:t>
             </a:r>
           </a:p>
           <a:p>
@@ -5699,6 +5705,36 @@
           </a:p>
         </p:txBody>
       </p:sp>
+      <p:pic>
+        <p:nvPicPr>
+          <p:cNvPr id="6" name="Picture 5"/>
+          <p:cNvPicPr>
+            <a:picLocks noChangeAspect="1"/>
+          </p:cNvPicPr>
+          <p:nvPr/>
+        </p:nvPicPr>
+        <p:blipFill>
+          <a:blip r:embed="rId2">
+            <a:extLst>
+              <a:ext uri="{28A0092B-C50C-407E-A947-70E740481C1C}">
+                <a14:useLocalDpi xmlns:a14="http://schemas.microsoft.com/office/drawing/2010/main" val="0"/>
+              </a:ext>
+            </a:extLst>
+          </a:blip>
+          <a:stretch>
+            <a:fillRect/>
+          </a:stretch>
+        </p:blipFill>
+        <p:spPr>
+          <a:xfrm>
+            <a:off x="581192" y="2433481"/>
+            <a:ext cx="3067275" cy="3194285"/>
+          </a:xfrm>
+          <a:prstGeom prst="rect">
+            <a:avLst/>
+          </a:prstGeom>
+        </p:spPr>
+      </p:pic>
     </p:spTree>
     <p:extLst>
       <p:ext uri="{BB962C8B-B14F-4D97-AF65-F5344CB8AC3E}">
@@ -5768,7 +5804,7 @@
         </p:nvSpPr>
         <p:spPr>
           <a:xfrm>
-            <a:off x="1840681" y="2547289"/>
+            <a:off x="581192" y="2606867"/>
             <a:ext cx="3008421" cy="997269"/>
           </a:xfrm>
         </p:spPr>
@@ -5811,7 +5847,7 @@
         </p:nvSpPr>
         <p:spPr>
           <a:xfrm>
-            <a:off x="3219735" y="4817127"/>
+            <a:off x="2613914" y="4872215"/>
             <a:ext cx="1034321" cy="554636"/>
           </a:xfrm>
           <a:prstGeom prst="rightArrow">
@@ -5851,7 +5887,7 @@
         </p:nvSpPr>
         <p:spPr>
           <a:xfrm>
-            <a:off x="3130799" y="4375891"/>
+            <a:off x="2524704" y="4375891"/>
             <a:ext cx="1212191" cy="400110"/>
           </a:xfrm>
           <a:prstGeom prst="rect">
@@ -5881,7 +5917,7 @@
         </p:nvSpPr>
         <p:spPr>
           <a:xfrm>
-            <a:off x="4849102" y="4375891"/>
+            <a:off x="4254056" y="4474810"/>
             <a:ext cx="5806827" cy="1077218"/>
           </a:xfrm>
           <a:prstGeom prst="rect">
@@ -5984,7 +6020,7 @@
         </p:nvSpPr>
         <p:spPr>
           <a:xfrm>
-            <a:off x="5574263" y="2547289"/>
+            <a:off x="4254056" y="2606867"/>
             <a:ext cx="3008421" cy="1640066"/>
           </a:xfrm>
           <a:prstGeom prst="rect">
@@ -6241,7 +6277,7 @@
         </p:nvSpPr>
         <p:spPr>
           <a:xfrm>
-            <a:off x="5574263" y="1900791"/>
+            <a:off x="4254056" y="1932231"/>
             <a:ext cx="3759860" cy="461665"/>
           </a:xfrm>
           <a:prstGeom prst="rect">
@@ -6291,7 +6327,7 @@
         </p:nvSpPr>
         <p:spPr>
           <a:xfrm>
-            <a:off x="1777307" y="1900790"/>
+            <a:off x="581192" y="1930579"/>
             <a:ext cx="2812799" cy="461665"/>
           </a:xfrm>
           <a:prstGeom prst="rect">
@@ -6403,7 +6439,7 @@
         </p:nvSpPr>
         <p:spPr>
           <a:xfrm>
-            <a:off x="1846245" y="2042034"/>
+            <a:off x="1796308" y="1972496"/>
             <a:ext cx="2672996" cy="434340"/>
           </a:xfrm>
         </p:spPr>
@@ -7661,6 +7697,126 @@
           </a:p>
         </p:txBody>
       </p:sp>
+      <p:sp>
+        <p:nvSpPr>
+          <p:cNvPr id="11" name="TextBox 10"/>
+          <p:cNvSpPr txBox="1"/>
+          <p:nvPr/>
+        </p:nvSpPr>
+        <p:spPr>
+          <a:xfrm>
+            <a:off x="637544" y="2302465"/>
+            <a:ext cx="1265053" cy="369332"/>
+          </a:xfrm>
+          <a:prstGeom prst="rect">
+            <a:avLst/>
+          </a:prstGeom>
+          <a:noFill/>
+        </p:spPr>
+        <p:txBody>
+          <a:bodyPr wrap="square" rtlCol="0">
+            <a:spAutoFit/>
+          </a:bodyPr>
+          <a:lstStyle/>
+          <a:p>
+            <a:r>
+              <a:rPr lang="en-US" dirty="0" smtClean="0"/>
+              <a:t>rewards</a:t>
+            </a:r>
+            <a:endParaRPr lang="en-US" dirty="0"/>
+          </a:p>
+        </p:txBody>
+      </p:sp>
+      <p:sp>
+        <p:nvSpPr>
+          <p:cNvPr id="15" name="TextBox 14"/>
+          <p:cNvSpPr txBox="1"/>
+          <p:nvPr/>
+        </p:nvSpPr>
+        <p:spPr>
+          <a:xfrm>
+            <a:off x="3309423" y="2302465"/>
+            <a:ext cx="1265053" cy="369332"/>
+          </a:xfrm>
+          <a:prstGeom prst="rect">
+            <a:avLst/>
+          </a:prstGeom>
+          <a:noFill/>
+        </p:spPr>
+        <p:txBody>
+          <a:bodyPr wrap="square" rtlCol="0">
+            <a:spAutoFit/>
+          </a:bodyPr>
+          <a:lstStyle/>
+          <a:p>
+            <a:r>
+              <a:rPr lang="en-US" dirty="0" smtClean="0"/>
+              <a:t>steps</a:t>
+            </a:r>
+            <a:endParaRPr lang="en-US" dirty="0"/>
+          </a:p>
+        </p:txBody>
+      </p:sp>
+      <p:sp>
+        <p:nvSpPr>
+          <p:cNvPr id="16" name="TextBox 15"/>
+          <p:cNvSpPr txBox="1"/>
+          <p:nvPr/>
+        </p:nvSpPr>
+        <p:spPr>
+          <a:xfrm>
+            <a:off x="6246955" y="2302465"/>
+            <a:ext cx="1265053" cy="369332"/>
+          </a:xfrm>
+          <a:prstGeom prst="rect">
+            <a:avLst/>
+          </a:prstGeom>
+          <a:noFill/>
+        </p:spPr>
+        <p:txBody>
+          <a:bodyPr wrap="square" rtlCol="0">
+            <a:spAutoFit/>
+          </a:bodyPr>
+          <a:lstStyle/>
+          <a:p>
+            <a:r>
+              <a:rPr lang="en-US" dirty="0" smtClean="0"/>
+              <a:t>rewards</a:t>
+            </a:r>
+            <a:endParaRPr lang="en-US" dirty="0"/>
+          </a:p>
+        </p:txBody>
+      </p:sp>
+      <p:sp>
+        <p:nvSpPr>
+          <p:cNvPr id="17" name="TextBox 16"/>
+          <p:cNvSpPr txBox="1"/>
+          <p:nvPr/>
+        </p:nvSpPr>
+        <p:spPr>
+          <a:xfrm>
+            <a:off x="9113920" y="2302189"/>
+            <a:ext cx="1265053" cy="369332"/>
+          </a:xfrm>
+          <a:prstGeom prst="rect">
+            <a:avLst/>
+          </a:prstGeom>
+          <a:noFill/>
+        </p:spPr>
+        <p:txBody>
+          <a:bodyPr wrap="square" rtlCol="0">
+            <a:spAutoFit/>
+          </a:bodyPr>
+          <a:lstStyle/>
+          <a:p>
+            <a:r>
+              <a:rPr lang="en-US" dirty="0" smtClean="0"/>
+              <a:t>steps</a:t>
+            </a:r>
+            <a:endParaRPr lang="en-US" dirty="0"/>
+          </a:p>
+        </p:txBody>
+      </p:sp>
     </p:spTree>
     <p:extLst>
       <p:ext uri="{BB962C8B-B14F-4D97-AF65-F5344CB8AC3E}">
@@ -7726,6 +7882,10 @@
               <a:rPr lang="id-ID" dirty="0" smtClean="0"/>
               <a:t>LAMBDA</a:t>
             </a:r>
+            <a:r>
+              <a:rPr lang="nl-NL" dirty="0" smtClean="0"/>
+              <a:t> </a:t>
+            </a:r>
             <a:endParaRPr lang="id-ID" dirty="0"/>
           </a:p>
         </p:txBody>
@@ -8340,8 +8500,8 @@
         </p:nvSpPr>
         <p:spPr>
           <a:xfrm>
-            <a:off x="581192" y="2784000"/>
-            <a:ext cx="9266896" cy="3159600"/>
+            <a:off x="581192" y="2630658"/>
+            <a:ext cx="9266896" cy="3312942"/>
           </a:xfrm>
         </p:spPr>
         <p:txBody>
